--- a/5-DB-Relation.pptx
+++ b/5-DB-Relation.pptx
@@ -239,6 +239,34 @@
           </p14:sldIdLst>
         </p14:section>
       </p14:sectionLst>
+    </p:ext>
+    <p:ext uri="{EFAFB233-063F-42B5-8137-9DF3F51BA10A}">
+      <p15:sldGuideLst xmlns:p15="http://schemas.microsoft.com/office/powerpoint/2012/main">
+        <p15:guide id="1" orient="horz" pos="2160">
+          <p15:clr>
+            <a:srgbClr val="A4A3A4"/>
+          </p15:clr>
+        </p15:guide>
+        <p15:guide id="2" pos="2880">
+          <p15:clr>
+            <a:srgbClr val="A4A3A4"/>
+          </p15:clr>
+        </p15:guide>
+      </p15:sldGuideLst>
+    </p:ext>
+    <p:ext uri="{2D200454-40CA-4A62-9FC3-DE9A4176ACB9}">
+      <p15:notesGuideLst xmlns:p15="http://schemas.microsoft.com/office/powerpoint/2012/main">
+        <p15:guide id="1" orient="horz" pos="2880">
+          <p15:clr>
+            <a:srgbClr val="A4A3A4"/>
+          </p15:clr>
+        </p15:guide>
+        <p15:guide id="2" pos="2160">
+          <p15:clr>
+            <a:srgbClr val="A4A3A4"/>
+          </p15:clr>
+        </p15:guide>
+      </p15:notesGuideLst>
     </p:ext>
   </p:extLst>
 </p:presentation>
@@ -3962,7 +3990,7 @@
           <a:p>
             <a:fld id="{2833F30F-E9F8-45D6-BB14-8527587F5A91}" type="datetimeFigureOut">
               <a:rPr lang="en-US" smtClean="0"/>
-              <a:t>11/26/2013</a:t>
+              <a:t>5/5/2014</a:t>
             </a:fld>
             <a:endParaRPr lang="en-US" dirty="0"/>
           </a:p>
@@ -4127,7 +4155,7 @@
           <a:p>
             <a:fld id="{06814DED-B015-448B-BFB6-648737B9ACCE}" type="datetimeFigureOut">
               <a:rPr lang="en-US" smtClean="0"/>
-              <a:t>11/26/2013</a:t>
+              <a:t>5/5/2014</a:t>
             </a:fld>
             <a:endParaRPr lang="en-US"/>
           </a:p>
@@ -4576,7 +4604,7 @@
           <a:p>
             <a:fld id="{0EDCBFC9-6092-459D-8404-0CAF56B82DA5}" type="datetimeFigureOut">
               <a:rPr lang="en-US" smtClean="0"/>
-              <a:t>11/26/2013</a:t>
+              <a:t>5/5/2014</a:t>
             </a:fld>
             <a:endParaRPr lang="en-US" dirty="0"/>
           </a:p>
@@ -4634,6 +4662,13 @@
   <p:clrMapOvr>
     <a:masterClrMapping/>
   </p:clrMapOvr>
+  <p:timing>
+    <p:tnLst>
+      <p:par>
+        <p:cTn id="1" dur="indefinite" restart="never" nodeType="tmRoot"/>
+      </p:par>
+    </p:tnLst>
+  </p:timing>
 </p:sldLayout>
 </file>
 
@@ -5084,9 +5119,538 @@
   <p:timing>
     <p:tnLst>
       <p:par>
-        <p:cTn id="1" dur="indefinite" restart="never" nodeType="tmRoot"/>
+        <p:cTn id="1" dur="indefinite" restart="never" nodeType="tmRoot">
+          <p:childTnLst>
+            <p:seq concurrent="1" nextAc="seek">
+              <p:cTn id="2" dur="indefinite" nodeType="mainSeq">
+                <p:childTnLst>
+                  <p:par>
+                    <p:cTn id="3" fill="hold">
+                      <p:stCondLst>
+                        <p:cond delay="indefinite"/>
+                      </p:stCondLst>
+                      <p:childTnLst>
+                        <p:par>
+                          <p:cTn id="4" fill="hold">
+                            <p:stCondLst>
+                              <p:cond delay="0"/>
+                            </p:stCondLst>
+                            <p:childTnLst>
+                              <p:par>
+                                <p:cTn id="5" presetID="10" presetClass="entr" presetSubtype="0" fill="hold" grpId="0" nodeType="clickEffect">
+                                  <p:stCondLst>
+                                    <p:cond delay="0"/>
+                                  </p:stCondLst>
+                                  <p:childTnLst>
+                                    <p:set>
+                                      <p:cBhvr>
+                                        <p:cTn id="6" dur="1" fill="hold">
+                                          <p:stCondLst>
+                                            <p:cond delay="0"/>
+                                          </p:stCondLst>
+                                        </p:cTn>
+                                        <p:tgtEl>
+                                          <p:spTgt spid="14">
+                                            <p:txEl>
+                                              <p:pRg st="0" end="0"/>
+                                            </p:txEl>
+                                          </p:spTgt>
+                                        </p:tgtEl>
+                                        <p:attrNameLst>
+                                          <p:attrName>style.visibility</p:attrName>
+                                        </p:attrNameLst>
+                                      </p:cBhvr>
+                                      <p:to>
+                                        <p:strVal val="visible"/>
+                                      </p:to>
+                                    </p:set>
+                                    <p:animEffect transition="in" filter="fade">
+                                      <p:cBhvr>
+                                        <p:cTn id="7" dur="500"/>
+                                        <p:tgtEl>
+                                          <p:spTgt spid="14">
+                                            <p:txEl>
+                                              <p:pRg st="0" end="0"/>
+                                            </p:txEl>
+                                          </p:spTgt>
+                                        </p:tgtEl>
+                                      </p:cBhvr>
+                                    </p:animEffect>
+                                  </p:childTnLst>
+                                </p:cTn>
+                              </p:par>
+                            </p:childTnLst>
+                          </p:cTn>
+                        </p:par>
+                      </p:childTnLst>
+                    </p:cTn>
+                  </p:par>
+                  <p:par>
+                    <p:cTn id="8" fill="hold">
+                      <p:stCondLst>
+                        <p:cond delay="indefinite"/>
+                      </p:stCondLst>
+                      <p:childTnLst>
+                        <p:par>
+                          <p:cTn id="9" fill="hold">
+                            <p:stCondLst>
+                              <p:cond delay="0"/>
+                            </p:stCondLst>
+                            <p:childTnLst>
+                              <p:par>
+                                <p:cTn id="10" presetID="10" presetClass="entr" presetSubtype="0" fill="hold" grpId="0" nodeType="clickEffect">
+                                  <p:stCondLst>
+                                    <p:cond delay="0"/>
+                                  </p:stCondLst>
+                                  <p:childTnLst>
+                                    <p:set>
+                                      <p:cBhvr>
+                                        <p:cTn id="11" dur="1" fill="hold">
+                                          <p:stCondLst>
+                                            <p:cond delay="0"/>
+                                          </p:stCondLst>
+                                        </p:cTn>
+                                        <p:tgtEl>
+                                          <p:spTgt spid="14">
+                                            <p:txEl>
+                                              <p:pRg st="1" end="1"/>
+                                            </p:txEl>
+                                          </p:spTgt>
+                                        </p:tgtEl>
+                                        <p:attrNameLst>
+                                          <p:attrName>style.visibility</p:attrName>
+                                        </p:attrNameLst>
+                                      </p:cBhvr>
+                                      <p:to>
+                                        <p:strVal val="visible"/>
+                                      </p:to>
+                                    </p:set>
+                                    <p:animEffect transition="in" filter="fade">
+                                      <p:cBhvr>
+                                        <p:cTn id="12" dur="500"/>
+                                        <p:tgtEl>
+                                          <p:spTgt spid="14">
+                                            <p:txEl>
+                                              <p:pRg st="1" end="1"/>
+                                            </p:txEl>
+                                          </p:spTgt>
+                                        </p:tgtEl>
+                                      </p:cBhvr>
+                                    </p:animEffect>
+                                  </p:childTnLst>
+                                </p:cTn>
+                              </p:par>
+                            </p:childTnLst>
+                          </p:cTn>
+                        </p:par>
+                      </p:childTnLst>
+                    </p:cTn>
+                  </p:par>
+                  <p:par>
+                    <p:cTn id="13" fill="hold">
+                      <p:stCondLst>
+                        <p:cond delay="indefinite"/>
+                      </p:stCondLst>
+                      <p:childTnLst>
+                        <p:par>
+                          <p:cTn id="14" fill="hold">
+                            <p:stCondLst>
+                              <p:cond delay="0"/>
+                            </p:stCondLst>
+                            <p:childTnLst>
+                              <p:par>
+                                <p:cTn id="15" presetID="10" presetClass="entr" presetSubtype="0" fill="hold" grpId="0" nodeType="clickEffect">
+                                  <p:stCondLst>
+                                    <p:cond delay="0"/>
+                                  </p:stCondLst>
+                                  <p:childTnLst>
+                                    <p:set>
+                                      <p:cBhvr>
+                                        <p:cTn id="16" dur="1" fill="hold">
+                                          <p:stCondLst>
+                                            <p:cond delay="0"/>
+                                          </p:stCondLst>
+                                        </p:cTn>
+                                        <p:tgtEl>
+                                          <p:spTgt spid="14">
+                                            <p:txEl>
+                                              <p:pRg st="2" end="2"/>
+                                            </p:txEl>
+                                          </p:spTgt>
+                                        </p:tgtEl>
+                                        <p:attrNameLst>
+                                          <p:attrName>style.visibility</p:attrName>
+                                        </p:attrNameLst>
+                                      </p:cBhvr>
+                                      <p:to>
+                                        <p:strVal val="visible"/>
+                                      </p:to>
+                                    </p:set>
+                                    <p:animEffect transition="in" filter="fade">
+                                      <p:cBhvr>
+                                        <p:cTn id="17" dur="500"/>
+                                        <p:tgtEl>
+                                          <p:spTgt spid="14">
+                                            <p:txEl>
+                                              <p:pRg st="2" end="2"/>
+                                            </p:txEl>
+                                          </p:spTgt>
+                                        </p:tgtEl>
+                                      </p:cBhvr>
+                                    </p:animEffect>
+                                  </p:childTnLst>
+                                </p:cTn>
+                              </p:par>
+                            </p:childTnLst>
+                          </p:cTn>
+                        </p:par>
+                      </p:childTnLst>
+                    </p:cTn>
+                  </p:par>
+                  <p:par>
+                    <p:cTn id="18" fill="hold">
+                      <p:stCondLst>
+                        <p:cond delay="indefinite"/>
+                      </p:stCondLst>
+                      <p:childTnLst>
+                        <p:par>
+                          <p:cTn id="19" fill="hold">
+                            <p:stCondLst>
+                              <p:cond delay="0"/>
+                            </p:stCondLst>
+                            <p:childTnLst>
+                              <p:par>
+                                <p:cTn id="20" presetID="10" presetClass="entr" presetSubtype="0" fill="hold" grpId="0" nodeType="clickEffect">
+                                  <p:stCondLst>
+                                    <p:cond delay="0"/>
+                                  </p:stCondLst>
+                                  <p:childTnLst>
+                                    <p:set>
+                                      <p:cBhvr>
+                                        <p:cTn id="21" dur="1" fill="hold">
+                                          <p:stCondLst>
+                                            <p:cond delay="0"/>
+                                          </p:stCondLst>
+                                        </p:cTn>
+                                        <p:tgtEl>
+                                          <p:spTgt spid="14">
+                                            <p:txEl>
+                                              <p:pRg st="3" end="3"/>
+                                            </p:txEl>
+                                          </p:spTgt>
+                                        </p:tgtEl>
+                                        <p:attrNameLst>
+                                          <p:attrName>style.visibility</p:attrName>
+                                        </p:attrNameLst>
+                                      </p:cBhvr>
+                                      <p:to>
+                                        <p:strVal val="visible"/>
+                                      </p:to>
+                                    </p:set>
+                                    <p:animEffect transition="in" filter="fade">
+                                      <p:cBhvr>
+                                        <p:cTn id="22" dur="500"/>
+                                        <p:tgtEl>
+                                          <p:spTgt spid="14">
+                                            <p:txEl>
+                                              <p:pRg st="3" end="3"/>
+                                            </p:txEl>
+                                          </p:spTgt>
+                                        </p:tgtEl>
+                                      </p:cBhvr>
+                                    </p:animEffect>
+                                  </p:childTnLst>
+                                </p:cTn>
+                              </p:par>
+                            </p:childTnLst>
+                          </p:cTn>
+                        </p:par>
+                      </p:childTnLst>
+                    </p:cTn>
+                  </p:par>
+                  <p:par>
+                    <p:cTn id="23" fill="hold">
+                      <p:stCondLst>
+                        <p:cond delay="indefinite"/>
+                      </p:stCondLst>
+                      <p:childTnLst>
+                        <p:par>
+                          <p:cTn id="24" fill="hold">
+                            <p:stCondLst>
+                              <p:cond delay="0"/>
+                            </p:stCondLst>
+                            <p:childTnLst>
+                              <p:par>
+                                <p:cTn id="25" presetID="10" presetClass="entr" presetSubtype="0" fill="hold" grpId="0" nodeType="clickEffect">
+                                  <p:stCondLst>
+                                    <p:cond delay="0"/>
+                                  </p:stCondLst>
+                                  <p:childTnLst>
+                                    <p:set>
+                                      <p:cBhvr>
+                                        <p:cTn id="26" dur="1" fill="hold">
+                                          <p:stCondLst>
+                                            <p:cond delay="0"/>
+                                          </p:stCondLst>
+                                        </p:cTn>
+                                        <p:tgtEl>
+                                          <p:spTgt spid="14">
+                                            <p:txEl>
+                                              <p:pRg st="4" end="4"/>
+                                            </p:txEl>
+                                          </p:spTgt>
+                                        </p:tgtEl>
+                                        <p:attrNameLst>
+                                          <p:attrName>style.visibility</p:attrName>
+                                        </p:attrNameLst>
+                                      </p:cBhvr>
+                                      <p:to>
+                                        <p:strVal val="visible"/>
+                                      </p:to>
+                                    </p:set>
+                                    <p:animEffect transition="in" filter="fade">
+                                      <p:cBhvr>
+                                        <p:cTn id="27" dur="500"/>
+                                        <p:tgtEl>
+                                          <p:spTgt spid="14">
+                                            <p:txEl>
+                                              <p:pRg st="4" end="4"/>
+                                            </p:txEl>
+                                          </p:spTgt>
+                                        </p:tgtEl>
+                                      </p:cBhvr>
+                                    </p:animEffect>
+                                  </p:childTnLst>
+                                </p:cTn>
+                              </p:par>
+                            </p:childTnLst>
+                          </p:cTn>
+                        </p:par>
+                      </p:childTnLst>
+                    </p:cTn>
+                  </p:par>
+                </p:childTnLst>
+              </p:cTn>
+              <p:prevCondLst>
+                <p:cond evt="onPrev" delay="0">
+                  <p:tgtEl>
+                    <p:sldTgt/>
+                  </p:tgtEl>
+                </p:cond>
+              </p:prevCondLst>
+              <p:nextCondLst>
+                <p:cond evt="onNext" delay="0">
+                  <p:tgtEl>
+                    <p:sldTgt/>
+                  </p:tgtEl>
+                </p:cond>
+              </p:nextCondLst>
+            </p:seq>
+          </p:childTnLst>
+        </p:cTn>
       </p:par>
     </p:tnLst>
+    <p:bldLst>
+      <p:bldP spid="14" grpId="0" build="p">
+        <p:tmplLst>
+          <p:tmpl lvl="1">
+            <p:tnLst>
+              <p:par>
+                <p:cTn presetID="10" presetClass="entr" presetSubtype="0" fill="hold" nodeType="clickEffect">
+                  <p:stCondLst>
+                    <p:cond delay="0"/>
+                  </p:stCondLst>
+                  <p:childTnLst>
+                    <p:set>
+                      <p:cBhvr>
+                        <p:cTn dur="1" fill="hold">
+                          <p:stCondLst>
+                            <p:cond delay="0"/>
+                          </p:stCondLst>
+                        </p:cTn>
+                        <p:tgtEl>
+                          <p:spTgt spid="14"/>
+                        </p:tgtEl>
+                        <p:attrNameLst>
+                          <p:attrName>style.visibility</p:attrName>
+                        </p:attrNameLst>
+                      </p:cBhvr>
+                      <p:to>
+                        <p:strVal val="visible"/>
+                      </p:to>
+                    </p:set>
+                    <p:animEffect transition="in" filter="fade">
+                      <p:cBhvr>
+                        <p:cTn dur="500"/>
+                        <p:tgtEl>
+                          <p:spTgt spid="14"/>
+                        </p:tgtEl>
+                      </p:cBhvr>
+                    </p:animEffect>
+                  </p:childTnLst>
+                </p:cTn>
+              </p:par>
+            </p:tnLst>
+          </p:tmpl>
+          <p:tmpl lvl="2">
+            <p:tnLst>
+              <p:par>
+                <p:cTn presetID="10" presetClass="entr" presetSubtype="0" fill="hold" nodeType="clickEffect">
+                  <p:stCondLst>
+                    <p:cond delay="0"/>
+                  </p:stCondLst>
+                  <p:childTnLst>
+                    <p:set>
+                      <p:cBhvr>
+                        <p:cTn dur="1" fill="hold">
+                          <p:stCondLst>
+                            <p:cond delay="0"/>
+                          </p:stCondLst>
+                        </p:cTn>
+                        <p:tgtEl>
+                          <p:spTgt spid="14"/>
+                        </p:tgtEl>
+                        <p:attrNameLst>
+                          <p:attrName>style.visibility</p:attrName>
+                        </p:attrNameLst>
+                      </p:cBhvr>
+                      <p:to>
+                        <p:strVal val="visible"/>
+                      </p:to>
+                    </p:set>
+                    <p:animEffect transition="in" filter="fade">
+                      <p:cBhvr>
+                        <p:cTn dur="500"/>
+                        <p:tgtEl>
+                          <p:spTgt spid="14"/>
+                        </p:tgtEl>
+                      </p:cBhvr>
+                    </p:animEffect>
+                  </p:childTnLst>
+                </p:cTn>
+              </p:par>
+            </p:tnLst>
+          </p:tmpl>
+          <p:tmpl lvl="3">
+            <p:tnLst>
+              <p:par>
+                <p:cTn presetID="10" presetClass="entr" presetSubtype="0" fill="hold" nodeType="clickEffect">
+                  <p:stCondLst>
+                    <p:cond delay="0"/>
+                  </p:stCondLst>
+                  <p:childTnLst>
+                    <p:set>
+                      <p:cBhvr>
+                        <p:cTn dur="1" fill="hold">
+                          <p:stCondLst>
+                            <p:cond delay="0"/>
+                          </p:stCondLst>
+                        </p:cTn>
+                        <p:tgtEl>
+                          <p:spTgt spid="14"/>
+                        </p:tgtEl>
+                        <p:attrNameLst>
+                          <p:attrName>style.visibility</p:attrName>
+                        </p:attrNameLst>
+                      </p:cBhvr>
+                      <p:to>
+                        <p:strVal val="visible"/>
+                      </p:to>
+                    </p:set>
+                    <p:animEffect transition="in" filter="fade">
+                      <p:cBhvr>
+                        <p:cTn dur="500"/>
+                        <p:tgtEl>
+                          <p:spTgt spid="14"/>
+                        </p:tgtEl>
+                      </p:cBhvr>
+                    </p:animEffect>
+                  </p:childTnLst>
+                </p:cTn>
+              </p:par>
+            </p:tnLst>
+          </p:tmpl>
+          <p:tmpl lvl="4">
+            <p:tnLst>
+              <p:par>
+                <p:cTn presetID="10" presetClass="entr" presetSubtype="0" fill="hold" nodeType="clickEffect">
+                  <p:stCondLst>
+                    <p:cond delay="0"/>
+                  </p:stCondLst>
+                  <p:childTnLst>
+                    <p:set>
+                      <p:cBhvr>
+                        <p:cTn dur="1" fill="hold">
+                          <p:stCondLst>
+                            <p:cond delay="0"/>
+                          </p:stCondLst>
+                        </p:cTn>
+                        <p:tgtEl>
+                          <p:spTgt spid="14"/>
+                        </p:tgtEl>
+                        <p:attrNameLst>
+                          <p:attrName>style.visibility</p:attrName>
+                        </p:attrNameLst>
+                      </p:cBhvr>
+                      <p:to>
+                        <p:strVal val="visible"/>
+                      </p:to>
+                    </p:set>
+                    <p:animEffect transition="in" filter="fade">
+                      <p:cBhvr>
+                        <p:cTn dur="500"/>
+                        <p:tgtEl>
+                          <p:spTgt spid="14"/>
+                        </p:tgtEl>
+                      </p:cBhvr>
+                    </p:animEffect>
+                  </p:childTnLst>
+                </p:cTn>
+              </p:par>
+            </p:tnLst>
+          </p:tmpl>
+          <p:tmpl lvl="5">
+            <p:tnLst>
+              <p:par>
+                <p:cTn presetID="10" presetClass="entr" presetSubtype="0" fill="hold" nodeType="clickEffect">
+                  <p:stCondLst>
+                    <p:cond delay="0"/>
+                  </p:stCondLst>
+                  <p:childTnLst>
+                    <p:set>
+                      <p:cBhvr>
+                        <p:cTn dur="1" fill="hold">
+                          <p:stCondLst>
+                            <p:cond delay="0"/>
+                          </p:stCondLst>
+                        </p:cTn>
+                        <p:tgtEl>
+                          <p:spTgt spid="14"/>
+                        </p:tgtEl>
+                        <p:attrNameLst>
+                          <p:attrName>style.visibility</p:attrName>
+                        </p:attrNameLst>
+                      </p:cBhvr>
+                      <p:to>
+                        <p:strVal val="visible"/>
+                      </p:to>
+                    </p:set>
+                    <p:animEffect transition="in" filter="fade">
+                      <p:cBhvr>
+                        <p:cTn dur="500"/>
+                        <p:tgtEl>
+                          <p:spTgt spid="14"/>
+                        </p:tgtEl>
+                      </p:cBhvr>
+                    </p:animEffect>
+                  </p:childTnLst>
+                </p:cTn>
+              </p:par>
+            </p:tnLst>
+          </p:tmpl>
+        </p:tmplLst>
+      </p:bldP>
+    </p:bldLst>
   </p:timing>
 </p:sldLayout>
 </file>
@@ -5243,7 +5807,7 @@
           <a:p>
             <a:fld id="{0EDCBFC9-6092-459D-8404-0CAF56B82DA5}" type="datetimeFigureOut">
               <a:rPr lang="en-US" smtClean="0"/>
-              <a:t>11/26/2013</a:t>
+              <a:t>5/5/2014</a:t>
             </a:fld>
             <a:endParaRPr lang="en-US" dirty="0"/>
           </a:p>
@@ -5339,6 +5903,13 @@
     <p:sldLayoutId id="2147483649" r:id="rId1"/>
     <p:sldLayoutId id="2147483675" r:id="rId2"/>
   </p:sldLayoutIdLst>
+  <p:timing>
+    <p:tnLst>
+      <p:par>
+        <p:cTn id="1" dur="indefinite" restart="never" nodeType="tmRoot"/>
+      </p:par>
+    </p:tnLst>
+  </p:timing>
   <p:txStyles>
     <p:titleStyle>
       <a:lvl1pPr algn="ctr" defTabSz="914400" rtl="0" eaLnBrk="1" latinLnBrk="0" hangingPunct="1">
@@ -5903,7 +6474,7 @@
 </file>
 
 <file path=ppt/slides/slide10.xml><?xml version="1.0" encoding="utf-8"?>
-<p:sld xmlns:a="http://schemas.openxmlformats.org/drawingml/2006/main" xmlns:r="http://schemas.openxmlformats.org/officeDocument/2006/relationships" xmlns:p="http://schemas.openxmlformats.org/presentationml/2006/main">
+<p:sld xmlns:a="http://schemas.openxmlformats.org/drawingml/2006/main" xmlns:r="http://schemas.openxmlformats.org/officeDocument/2006/relationships" xmlns:p="http://schemas.openxmlformats.org/presentationml/2006/main" showMasterPhAnim="0">
   <p:cSld>
     <p:spTree>
       <p:nvGrpSpPr>
@@ -6072,9 +6643,523 @@
   <p:timing>
     <p:tnLst>
       <p:par>
-        <p:cTn id="1" dur="indefinite" restart="never" nodeType="tmRoot"/>
+        <p:cTn id="1" dur="indefinite" restart="never" nodeType="tmRoot">
+          <p:childTnLst>
+            <p:seq concurrent="1" nextAc="seek">
+              <p:cTn id="2" dur="indefinite" nodeType="mainSeq">
+                <p:childTnLst>
+                  <p:par>
+                    <p:cTn id="3" fill="hold">
+                      <p:stCondLst>
+                        <p:cond delay="indefinite"/>
+                      </p:stCondLst>
+                      <p:childTnLst>
+                        <p:par>
+                          <p:cTn id="4" fill="hold">
+                            <p:stCondLst>
+                              <p:cond delay="0"/>
+                            </p:stCondLst>
+                            <p:childTnLst>
+                              <p:par>
+                                <p:cTn id="5" presetID="10" presetClass="entr" presetSubtype="0" fill="hold" grpId="0" nodeType="clickEffect">
+                                  <p:stCondLst>
+                                    <p:cond delay="0"/>
+                                  </p:stCondLst>
+                                  <p:childTnLst>
+                                    <p:set>
+                                      <p:cBhvr>
+                                        <p:cTn id="6" dur="1" fill="hold">
+                                          <p:stCondLst>
+                                            <p:cond delay="0"/>
+                                          </p:stCondLst>
+                                        </p:cTn>
+                                        <p:tgtEl>
+                                          <p:spTgt spid="3">
+                                            <p:txEl>
+                                              <p:pRg st="0" end="0"/>
+                                            </p:txEl>
+                                          </p:spTgt>
+                                        </p:tgtEl>
+                                        <p:attrNameLst>
+                                          <p:attrName>style.visibility</p:attrName>
+                                        </p:attrNameLst>
+                                      </p:cBhvr>
+                                      <p:to>
+                                        <p:strVal val="visible"/>
+                                      </p:to>
+                                    </p:set>
+                                    <p:animEffect transition="in" filter="fade">
+                                      <p:cBhvr>
+                                        <p:cTn id="7" dur="500"/>
+                                        <p:tgtEl>
+                                          <p:spTgt spid="3">
+                                            <p:txEl>
+                                              <p:pRg st="0" end="0"/>
+                                            </p:txEl>
+                                          </p:spTgt>
+                                        </p:tgtEl>
+                                      </p:cBhvr>
+                                    </p:animEffect>
+                                  </p:childTnLst>
+                                </p:cTn>
+                              </p:par>
+                            </p:childTnLst>
+                          </p:cTn>
+                        </p:par>
+                      </p:childTnLst>
+                    </p:cTn>
+                  </p:par>
+                  <p:par>
+                    <p:cTn id="8" fill="hold">
+                      <p:stCondLst>
+                        <p:cond delay="indefinite"/>
+                      </p:stCondLst>
+                      <p:childTnLst>
+                        <p:par>
+                          <p:cTn id="9" fill="hold">
+                            <p:stCondLst>
+                              <p:cond delay="0"/>
+                            </p:stCondLst>
+                            <p:childTnLst>
+                              <p:par>
+                                <p:cTn id="10" presetID="10" presetClass="entr" presetSubtype="0" fill="hold" grpId="0" nodeType="clickEffect">
+                                  <p:stCondLst>
+                                    <p:cond delay="0"/>
+                                  </p:stCondLst>
+                                  <p:childTnLst>
+                                    <p:set>
+                                      <p:cBhvr>
+                                        <p:cTn id="11" dur="1" fill="hold">
+                                          <p:stCondLst>
+                                            <p:cond delay="0"/>
+                                          </p:stCondLst>
+                                        </p:cTn>
+                                        <p:tgtEl>
+                                          <p:spTgt spid="3">
+                                            <p:txEl>
+                                              <p:pRg st="1" end="1"/>
+                                            </p:txEl>
+                                          </p:spTgt>
+                                        </p:tgtEl>
+                                        <p:attrNameLst>
+                                          <p:attrName>style.visibility</p:attrName>
+                                        </p:attrNameLst>
+                                      </p:cBhvr>
+                                      <p:to>
+                                        <p:strVal val="visible"/>
+                                      </p:to>
+                                    </p:set>
+                                    <p:animEffect transition="in" filter="fade">
+                                      <p:cBhvr>
+                                        <p:cTn id="12" dur="500"/>
+                                        <p:tgtEl>
+                                          <p:spTgt spid="3">
+                                            <p:txEl>
+                                              <p:pRg st="1" end="1"/>
+                                            </p:txEl>
+                                          </p:spTgt>
+                                        </p:tgtEl>
+                                      </p:cBhvr>
+                                    </p:animEffect>
+                                  </p:childTnLst>
+                                </p:cTn>
+                              </p:par>
+                            </p:childTnLst>
+                          </p:cTn>
+                        </p:par>
+                      </p:childTnLst>
+                    </p:cTn>
+                  </p:par>
+                  <p:par>
+                    <p:cTn id="13" fill="hold">
+                      <p:stCondLst>
+                        <p:cond delay="indefinite"/>
+                      </p:stCondLst>
+                      <p:childTnLst>
+                        <p:par>
+                          <p:cTn id="14" fill="hold">
+                            <p:stCondLst>
+                              <p:cond delay="0"/>
+                            </p:stCondLst>
+                            <p:childTnLst>
+                              <p:par>
+                                <p:cTn id="15" presetID="10" presetClass="entr" presetSubtype="0" fill="hold" grpId="0" nodeType="clickEffect">
+                                  <p:stCondLst>
+                                    <p:cond delay="0"/>
+                                  </p:stCondLst>
+                                  <p:childTnLst>
+                                    <p:set>
+                                      <p:cBhvr>
+                                        <p:cTn id="16" dur="1" fill="hold">
+                                          <p:stCondLst>
+                                            <p:cond delay="0"/>
+                                          </p:stCondLst>
+                                        </p:cTn>
+                                        <p:tgtEl>
+                                          <p:spTgt spid="3">
+                                            <p:txEl>
+                                              <p:pRg st="2" end="2"/>
+                                            </p:txEl>
+                                          </p:spTgt>
+                                        </p:tgtEl>
+                                        <p:attrNameLst>
+                                          <p:attrName>style.visibility</p:attrName>
+                                        </p:attrNameLst>
+                                      </p:cBhvr>
+                                      <p:to>
+                                        <p:strVal val="visible"/>
+                                      </p:to>
+                                    </p:set>
+                                    <p:animEffect transition="in" filter="fade">
+                                      <p:cBhvr>
+                                        <p:cTn id="17" dur="500"/>
+                                        <p:tgtEl>
+                                          <p:spTgt spid="3">
+                                            <p:txEl>
+                                              <p:pRg st="2" end="2"/>
+                                            </p:txEl>
+                                          </p:spTgt>
+                                        </p:tgtEl>
+                                      </p:cBhvr>
+                                    </p:animEffect>
+                                  </p:childTnLst>
+                                </p:cTn>
+                              </p:par>
+                            </p:childTnLst>
+                          </p:cTn>
+                        </p:par>
+                      </p:childTnLst>
+                    </p:cTn>
+                  </p:par>
+                  <p:par>
+                    <p:cTn id="18" fill="hold">
+                      <p:stCondLst>
+                        <p:cond delay="indefinite"/>
+                      </p:stCondLst>
+                      <p:childTnLst>
+                        <p:par>
+                          <p:cTn id="19" fill="hold">
+                            <p:stCondLst>
+                              <p:cond delay="0"/>
+                            </p:stCondLst>
+                            <p:childTnLst>
+                              <p:par>
+                                <p:cTn id="20" presetID="10" presetClass="entr" presetSubtype="0" fill="hold" grpId="0" nodeType="clickEffect">
+                                  <p:stCondLst>
+                                    <p:cond delay="0"/>
+                                  </p:stCondLst>
+                                  <p:childTnLst>
+                                    <p:set>
+                                      <p:cBhvr>
+                                        <p:cTn id="21" dur="1" fill="hold">
+                                          <p:stCondLst>
+                                            <p:cond delay="0"/>
+                                          </p:stCondLst>
+                                        </p:cTn>
+                                        <p:tgtEl>
+                                          <p:spTgt spid="3">
+                                            <p:txEl>
+                                              <p:pRg st="3" end="3"/>
+                                            </p:txEl>
+                                          </p:spTgt>
+                                        </p:tgtEl>
+                                        <p:attrNameLst>
+                                          <p:attrName>style.visibility</p:attrName>
+                                        </p:attrNameLst>
+                                      </p:cBhvr>
+                                      <p:to>
+                                        <p:strVal val="visible"/>
+                                      </p:to>
+                                    </p:set>
+                                    <p:animEffect transition="in" filter="fade">
+                                      <p:cBhvr>
+                                        <p:cTn id="22" dur="500"/>
+                                        <p:tgtEl>
+                                          <p:spTgt spid="3">
+                                            <p:txEl>
+                                              <p:pRg st="3" end="3"/>
+                                            </p:txEl>
+                                          </p:spTgt>
+                                        </p:tgtEl>
+                                      </p:cBhvr>
+                                    </p:animEffect>
+                                  </p:childTnLst>
+                                </p:cTn>
+                              </p:par>
+                            </p:childTnLst>
+                          </p:cTn>
+                        </p:par>
+                      </p:childTnLst>
+                    </p:cTn>
+                  </p:par>
+                  <p:par>
+                    <p:cTn id="23" fill="hold">
+                      <p:stCondLst>
+                        <p:cond delay="indefinite"/>
+                      </p:stCondLst>
+                      <p:childTnLst>
+                        <p:par>
+                          <p:cTn id="24" fill="hold">
+                            <p:stCondLst>
+                              <p:cond delay="0"/>
+                            </p:stCondLst>
+                            <p:childTnLst>
+                              <p:par>
+                                <p:cTn id="25" presetID="10" presetClass="entr" presetSubtype="0" fill="hold" grpId="0" nodeType="clickEffect">
+                                  <p:stCondLst>
+                                    <p:cond delay="0"/>
+                                  </p:stCondLst>
+                                  <p:childTnLst>
+                                    <p:set>
+                                      <p:cBhvr>
+                                        <p:cTn id="26" dur="1" fill="hold">
+                                          <p:stCondLst>
+                                            <p:cond delay="0"/>
+                                          </p:stCondLst>
+                                        </p:cTn>
+                                        <p:tgtEl>
+                                          <p:spTgt spid="3">
+                                            <p:txEl>
+                                              <p:pRg st="4" end="4"/>
+                                            </p:txEl>
+                                          </p:spTgt>
+                                        </p:tgtEl>
+                                        <p:attrNameLst>
+                                          <p:attrName>style.visibility</p:attrName>
+                                        </p:attrNameLst>
+                                      </p:cBhvr>
+                                      <p:to>
+                                        <p:strVal val="visible"/>
+                                      </p:to>
+                                    </p:set>
+                                    <p:animEffect transition="in" filter="fade">
+                                      <p:cBhvr>
+                                        <p:cTn id="27" dur="500"/>
+                                        <p:tgtEl>
+                                          <p:spTgt spid="3">
+                                            <p:txEl>
+                                              <p:pRg st="4" end="4"/>
+                                            </p:txEl>
+                                          </p:spTgt>
+                                        </p:tgtEl>
+                                      </p:cBhvr>
+                                    </p:animEffect>
+                                  </p:childTnLst>
+                                </p:cTn>
+                              </p:par>
+                            </p:childTnLst>
+                          </p:cTn>
+                        </p:par>
+                      </p:childTnLst>
+                    </p:cTn>
+                  </p:par>
+                  <p:par>
+                    <p:cTn id="28" fill="hold">
+                      <p:stCondLst>
+                        <p:cond delay="indefinite"/>
+                      </p:stCondLst>
+                      <p:childTnLst>
+                        <p:par>
+                          <p:cTn id="29" fill="hold">
+                            <p:stCondLst>
+                              <p:cond delay="0"/>
+                            </p:stCondLst>
+                            <p:childTnLst>
+                              <p:par>
+                                <p:cTn id="30" presetID="10" presetClass="entr" presetSubtype="0" fill="hold" grpId="0" nodeType="clickEffect">
+                                  <p:stCondLst>
+                                    <p:cond delay="0"/>
+                                  </p:stCondLst>
+                                  <p:childTnLst>
+                                    <p:set>
+                                      <p:cBhvr>
+                                        <p:cTn id="31" dur="1" fill="hold">
+                                          <p:stCondLst>
+                                            <p:cond delay="0"/>
+                                          </p:stCondLst>
+                                        </p:cTn>
+                                        <p:tgtEl>
+                                          <p:spTgt spid="3">
+                                            <p:txEl>
+                                              <p:pRg st="5" end="5"/>
+                                            </p:txEl>
+                                          </p:spTgt>
+                                        </p:tgtEl>
+                                        <p:attrNameLst>
+                                          <p:attrName>style.visibility</p:attrName>
+                                        </p:attrNameLst>
+                                      </p:cBhvr>
+                                      <p:to>
+                                        <p:strVal val="visible"/>
+                                      </p:to>
+                                    </p:set>
+                                    <p:animEffect transition="in" filter="fade">
+                                      <p:cBhvr>
+                                        <p:cTn id="32" dur="500"/>
+                                        <p:tgtEl>
+                                          <p:spTgt spid="3">
+                                            <p:txEl>
+                                              <p:pRg st="5" end="5"/>
+                                            </p:txEl>
+                                          </p:spTgt>
+                                        </p:tgtEl>
+                                      </p:cBhvr>
+                                    </p:animEffect>
+                                  </p:childTnLst>
+                                </p:cTn>
+                              </p:par>
+                            </p:childTnLst>
+                          </p:cTn>
+                        </p:par>
+                      </p:childTnLst>
+                    </p:cTn>
+                  </p:par>
+                  <p:par>
+                    <p:cTn id="33" fill="hold">
+                      <p:stCondLst>
+                        <p:cond delay="indefinite"/>
+                      </p:stCondLst>
+                      <p:childTnLst>
+                        <p:par>
+                          <p:cTn id="34" fill="hold">
+                            <p:stCondLst>
+                              <p:cond delay="0"/>
+                            </p:stCondLst>
+                            <p:childTnLst>
+                              <p:par>
+                                <p:cTn id="35" presetID="10" presetClass="entr" presetSubtype="0" fill="hold" grpId="0" nodeType="clickEffect">
+                                  <p:stCondLst>
+                                    <p:cond delay="0"/>
+                                  </p:stCondLst>
+                                  <p:childTnLst>
+                                    <p:set>
+                                      <p:cBhvr>
+                                        <p:cTn id="36" dur="1" fill="hold">
+                                          <p:stCondLst>
+                                            <p:cond delay="0"/>
+                                          </p:stCondLst>
+                                        </p:cTn>
+                                        <p:tgtEl>
+                                          <p:spTgt spid="3">
+                                            <p:txEl>
+                                              <p:pRg st="6" end="6"/>
+                                            </p:txEl>
+                                          </p:spTgt>
+                                        </p:tgtEl>
+                                        <p:attrNameLst>
+                                          <p:attrName>style.visibility</p:attrName>
+                                        </p:attrNameLst>
+                                      </p:cBhvr>
+                                      <p:to>
+                                        <p:strVal val="visible"/>
+                                      </p:to>
+                                    </p:set>
+                                    <p:animEffect transition="in" filter="fade">
+                                      <p:cBhvr>
+                                        <p:cTn id="37" dur="500"/>
+                                        <p:tgtEl>
+                                          <p:spTgt spid="3">
+                                            <p:txEl>
+                                              <p:pRg st="6" end="6"/>
+                                            </p:txEl>
+                                          </p:spTgt>
+                                        </p:tgtEl>
+                                      </p:cBhvr>
+                                    </p:animEffect>
+                                  </p:childTnLst>
+                                </p:cTn>
+                              </p:par>
+                            </p:childTnLst>
+                          </p:cTn>
+                        </p:par>
+                      </p:childTnLst>
+                    </p:cTn>
+                  </p:par>
+                  <p:par>
+                    <p:cTn id="38" fill="hold">
+                      <p:stCondLst>
+                        <p:cond delay="indefinite"/>
+                      </p:stCondLst>
+                      <p:childTnLst>
+                        <p:par>
+                          <p:cTn id="39" fill="hold">
+                            <p:stCondLst>
+                              <p:cond delay="0"/>
+                            </p:stCondLst>
+                            <p:childTnLst>
+                              <p:par>
+                                <p:cTn id="40" presetID="10" presetClass="entr" presetSubtype="0" fill="hold" grpId="0" nodeType="clickEffect">
+                                  <p:stCondLst>
+                                    <p:cond delay="0"/>
+                                  </p:stCondLst>
+                                  <p:childTnLst>
+                                    <p:set>
+                                      <p:cBhvr>
+                                        <p:cTn id="41" dur="1" fill="hold">
+                                          <p:stCondLst>
+                                            <p:cond delay="0"/>
+                                          </p:stCondLst>
+                                        </p:cTn>
+                                        <p:tgtEl>
+                                          <p:spTgt spid="3">
+                                            <p:txEl>
+                                              <p:pRg st="7" end="7"/>
+                                            </p:txEl>
+                                          </p:spTgt>
+                                        </p:tgtEl>
+                                        <p:attrNameLst>
+                                          <p:attrName>style.visibility</p:attrName>
+                                        </p:attrNameLst>
+                                      </p:cBhvr>
+                                      <p:to>
+                                        <p:strVal val="visible"/>
+                                      </p:to>
+                                    </p:set>
+                                    <p:animEffect transition="in" filter="fade">
+                                      <p:cBhvr>
+                                        <p:cTn id="42" dur="500"/>
+                                        <p:tgtEl>
+                                          <p:spTgt spid="3">
+                                            <p:txEl>
+                                              <p:pRg st="7" end="7"/>
+                                            </p:txEl>
+                                          </p:spTgt>
+                                        </p:tgtEl>
+                                      </p:cBhvr>
+                                    </p:animEffect>
+                                  </p:childTnLst>
+                                </p:cTn>
+                              </p:par>
+                            </p:childTnLst>
+                          </p:cTn>
+                        </p:par>
+                      </p:childTnLst>
+                    </p:cTn>
+                  </p:par>
+                </p:childTnLst>
+              </p:cTn>
+              <p:prevCondLst>
+                <p:cond evt="onPrev" delay="0">
+                  <p:tgtEl>
+                    <p:sldTgt/>
+                  </p:tgtEl>
+                </p:cond>
+              </p:prevCondLst>
+              <p:nextCondLst>
+                <p:cond evt="onNext" delay="0">
+                  <p:tgtEl>
+                    <p:sldTgt/>
+                  </p:tgtEl>
+                </p:cond>
+              </p:nextCondLst>
+            </p:seq>
+          </p:childTnLst>
+        </p:cTn>
       </p:par>
     </p:tnLst>
+    <p:bldLst>
+      <p:bldP spid="3" grpId="0" build="p"/>
+    </p:bldLst>
   </p:timing>
 </p:sld>
 </file>
@@ -6974,7 +8059,7 @@
 </file>
 
 <file path=ppt/slides/slide14.xml><?xml version="1.0" encoding="utf-8"?>
-<p:sld xmlns:a="http://schemas.openxmlformats.org/drawingml/2006/main" xmlns:r="http://schemas.openxmlformats.org/officeDocument/2006/relationships" xmlns:p="http://schemas.openxmlformats.org/presentationml/2006/main">
+<p:sld xmlns:a="http://schemas.openxmlformats.org/drawingml/2006/main" xmlns:r="http://schemas.openxmlformats.org/officeDocument/2006/relationships" xmlns:p="http://schemas.openxmlformats.org/presentationml/2006/main" showMasterPhAnim="0">
   <p:cSld>
     <p:spTree>
       <p:nvGrpSpPr>
@@ -7538,9 +8623,6 @@
                     <p:cTn id="3" fill="hold">
                       <p:stCondLst>
                         <p:cond delay="indefinite"/>
-                        <p:cond evt="onBegin" delay="0">
-                          <p:tn val="2"/>
-                        </p:cond>
                       </p:stCondLst>
                       <p:childTnLst>
                         <p:par>
@@ -7550,7 +8632,7 @@
                             </p:stCondLst>
                             <p:childTnLst>
                               <p:par>
-                                <p:cTn id="5" presetID="10" presetClass="entr" presetSubtype="0" fill="hold" nodeType="withEffect">
+                                <p:cTn id="5" presetID="10" presetClass="entr" presetSubtype="0" fill="hold" nodeType="clickEffect">
                                   <p:stCondLst>
                                     <p:cond delay="0"/>
                                   </p:stCondLst>
@@ -7584,6 +8666,145 @@
                                   </p:childTnLst>
                                 </p:cTn>
                               </p:par>
+                              <p:par>
+                                <p:cTn id="8" presetID="10" presetClass="entr" presetSubtype="0" fill="hold" grpId="0" nodeType="withEffect">
+                                  <p:stCondLst>
+                                    <p:cond delay="0"/>
+                                  </p:stCondLst>
+                                  <p:childTnLst>
+                                    <p:set>
+                                      <p:cBhvr>
+                                        <p:cTn id="9" dur="1" fill="hold">
+                                          <p:stCondLst>
+                                            <p:cond delay="0"/>
+                                          </p:stCondLst>
+                                        </p:cTn>
+                                        <p:tgtEl>
+                                          <p:spTgt spid="3">
+                                            <p:txEl>
+                                              <p:pRg st="0" end="0"/>
+                                            </p:txEl>
+                                          </p:spTgt>
+                                        </p:tgtEl>
+                                        <p:attrNameLst>
+                                          <p:attrName>style.visibility</p:attrName>
+                                        </p:attrNameLst>
+                                      </p:cBhvr>
+                                      <p:to>
+                                        <p:strVal val="visible"/>
+                                      </p:to>
+                                    </p:set>
+                                    <p:animEffect transition="in" filter="fade">
+                                      <p:cBhvr>
+                                        <p:cTn id="10" dur="500"/>
+                                        <p:tgtEl>
+                                          <p:spTgt spid="3">
+                                            <p:txEl>
+                                              <p:pRg st="0" end="0"/>
+                                            </p:txEl>
+                                          </p:spTgt>
+                                        </p:tgtEl>
+                                      </p:cBhvr>
+                                    </p:animEffect>
+                                  </p:childTnLst>
+                                </p:cTn>
+                              </p:par>
+                              <p:par>
+                                <p:cTn id="11" presetID="10" presetClass="entr" presetSubtype="0" fill="hold" grpId="0" nodeType="withEffect">
+                                  <p:stCondLst>
+                                    <p:cond delay="0"/>
+                                  </p:stCondLst>
+                                  <p:childTnLst>
+                                    <p:set>
+                                      <p:cBhvr>
+                                        <p:cTn id="12" dur="1" fill="hold">
+                                          <p:stCondLst>
+                                            <p:cond delay="0"/>
+                                          </p:stCondLst>
+                                        </p:cTn>
+                                        <p:tgtEl>
+                                          <p:spTgt spid="3">
+                                            <p:txEl>
+                                              <p:pRg st="1" end="1"/>
+                                            </p:txEl>
+                                          </p:spTgt>
+                                        </p:tgtEl>
+                                        <p:attrNameLst>
+                                          <p:attrName>style.visibility</p:attrName>
+                                        </p:attrNameLst>
+                                      </p:cBhvr>
+                                      <p:to>
+                                        <p:strVal val="visible"/>
+                                      </p:to>
+                                    </p:set>
+                                    <p:animEffect transition="in" filter="fade">
+                                      <p:cBhvr>
+                                        <p:cTn id="13" dur="500"/>
+                                        <p:tgtEl>
+                                          <p:spTgt spid="3">
+                                            <p:txEl>
+                                              <p:pRg st="1" end="1"/>
+                                            </p:txEl>
+                                          </p:spTgt>
+                                        </p:tgtEl>
+                                      </p:cBhvr>
+                                    </p:animEffect>
+                                  </p:childTnLst>
+                                </p:cTn>
+                              </p:par>
+                            </p:childTnLst>
+                          </p:cTn>
+                        </p:par>
+                      </p:childTnLst>
+                    </p:cTn>
+                  </p:par>
+                  <p:par>
+                    <p:cTn id="14" fill="hold">
+                      <p:stCondLst>
+                        <p:cond delay="indefinite"/>
+                      </p:stCondLst>
+                      <p:childTnLst>
+                        <p:par>
+                          <p:cTn id="15" fill="hold">
+                            <p:stCondLst>
+                              <p:cond delay="0"/>
+                            </p:stCondLst>
+                            <p:childTnLst>
+                              <p:par>
+                                <p:cTn id="16" presetID="10" presetClass="entr" presetSubtype="0" fill="hold" grpId="0" nodeType="clickEffect">
+                                  <p:stCondLst>
+                                    <p:cond delay="0"/>
+                                  </p:stCondLst>
+                                  <p:childTnLst>
+                                    <p:set>
+                                      <p:cBhvr>
+                                        <p:cTn id="17" dur="1" fill="hold">
+                                          <p:stCondLst>
+                                            <p:cond delay="0"/>
+                                          </p:stCondLst>
+                                        </p:cTn>
+                                        <p:tgtEl>
+                                          <p:spTgt spid="5"/>
+                                        </p:tgtEl>
+                                        <p:attrNameLst>
+                                          <p:attrName>style.visibility</p:attrName>
+                                        </p:attrNameLst>
+                                      </p:cBhvr>
+                                      <p:to>
+                                        <p:strVal val="visible"/>
+                                      </p:to>
+                                    </p:set>
+                                    <p:animEffect transition="in" filter="fade">
+                                      <p:cBhvr>
+                                        <p:cTn id="18" dur="500"/>
+                                        <p:tgtEl>
+                                          <p:spTgt spid="5"/>
+                                        </p:tgtEl>
+                                      </p:cBhvr>
+                                    </p:animEffect>
+                                  </p:childTnLst>
+                                </p:cTn>
+                              </p:par>
                             </p:childTnLst>
                           </p:cTn>
                         </p:par>
@@ -7611,12 +8832,16 @@
         </p:cTn>
       </p:par>
     </p:tnLst>
+    <p:bldLst>
+      <p:bldP spid="3" grpId="0" uiExpand="1" build="p"/>
+      <p:bldP spid="5" grpId="0"/>
+    </p:bldLst>
   </p:timing>
 </p:sld>
 </file>
 
 <file path=ppt/slides/slide15.xml><?xml version="1.0" encoding="utf-8"?>
-<p:sld xmlns:a="http://schemas.openxmlformats.org/drawingml/2006/main" xmlns:r="http://schemas.openxmlformats.org/officeDocument/2006/relationships" xmlns:p="http://schemas.openxmlformats.org/presentationml/2006/main">
+<p:sld xmlns:a="http://schemas.openxmlformats.org/drawingml/2006/main" xmlns:r="http://schemas.openxmlformats.org/officeDocument/2006/relationships" xmlns:p="http://schemas.openxmlformats.org/presentationml/2006/main" showMasterPhAnim="0">
   <p:cSld>
     <p:spTree>
       <p:nvGrpSpPr>
@@ -7847,9 +9072,6 @@
                     <p:cTn id="3" fill="hold">
                       <p:stCondLst>
                         <p:cond delay="indefinite"/>
-                        <p:cond evt="onBegin" delay="0">
-                          <p:tn val="2"/>
-                        </p:cond>
                       </p:stCondLst>
                       <p:childTnLst>
                         <p:par>
@@ -7859,7 +9081,7 @@
                             </p:stCondLst>
                             <p:childTnLst>
                               <p:par>
-                                <p:cTn id="5" presetID="10" presetClass="entr" presetSubtype="0" fill="hold" nodeType="withEffect">
+                                <p:cTn id="5" presetID="10" presetClass="entr" presetSubtype="0" fill="hold" nodeType="clickEffect">
                                   <p:stCondLst>
                                     <p:cond delay="0"/>
                                   </p:stCondLst>
@@ -7867,6 +9089,231 @@
                                     <p:set>
                                       <p:cBhvr>
                                         <p:cTn id="6" dur="1" fill="hold">
+                                          <p:stCondLst>
+                                            <p:cond delay="0"/>
+                                          </p:stCondLst>
+                                        </p:cTn>
+                                        <p:tgtEl>
+                                          <p:spTgt spid="5"/>
+                                        </p:tgtEl>
+                                        <p:attrNameLst>
+                                          <p:attrName>style.visibility</p:attrName>
+                                        </p:attrNameLst>
+                                      </p:cBhvr>
+                                      <p:to>
+                                        <p:strVal val="visible"/>
+                                      </p:to>
+                                    </p:set>
+                                    <p:animEffect transition="in" filter="fade">
+                                      <p:cBhvr>
+                                        <p:cTn id="7" dur="500"/>
+                                        <p:tgtEl>
+                                          <p:spTgt spid="5"/>
+                                        </p:tgtEl>
+                                      </p:cBhvr>
+                                    </p:animEffect>
+                                  </p:childTnLst>
+                                </p:cTn>
+                              </p:par>
+                              <p:par>
+                                <p:cTn id="8" presetID="10" presetClass="entr" presetSubtype="0" fill="hold" grpId="0" nodeType="withEffect">
+                                  <p:stCondLst>
+                                    <p:cond delay="0"/>
+                                  </p:stCondLst>
+                                  <p:childTnLst>
+                                    <p:set>
+                                      <p:cBhvr>
+                                        <p:cTn id="9" dur="1" fill="hold">
+                                          <p:stCondLst>
+                                            <p:cond delay="0"/>
+                                          </p:stCondLst>
+                                        </p:cTn>
+                                        <p:tgtEl>
+                                          <p:spTgt spid="3">
+                                            <p:txEl>
+                                              <p:pRg st="0" end="0"/>
+                                            </p:txEl>
+                                          </p:spTgt>
+                                        </p:tgtEl>
+                                        <p:attrNameLst>
+                                          <p:attrName>style.visibility</p:attrName>
+                                        </p:attrNameLst>
+                                      </p:cBhvr>
+                                      <p:to>
+                                        <p:strVal val="visible"/>
+                                      </p:to>
+                                    </p:set>
+                                    <p:animEffect transition="in" filter="fade">
+                                      <p:cBhvr>
+                                        <p:cTn id="10" dur="500"/>
+                                        <p:tgtEl>
+                                          <p:spTgt spid="3">
+                                            <p:txEl>
+                                              <p:pRg st="0" end="0"/>
+                                            </p:txEl>
+                                          </p:spTgt>
+                                        </p:tgtEl>
+                                      </p:cBhvr>
+                                    </p:animEffect>
+                                  </p:childTnLst>
+                                </p:cTn>
+                              </p:par>
+                              <p:par>
+                                <p:cTn id="11" presetID="10" presetClass="entr" presetSubtype="0" fill="hold" grpId="0" nodeType="withEffect">
+                                  <p:stCondLst>
+                                    <p:cond delay="0"/>
+                                  </p:stCondLst>
+                                  <p:childTnLst>
+                                    <p:set>
+                                      <p:cBhvr>
+                                        <p:cTn id="12" dur="1" fill="hold">
+                                          <p:stCondLst>
+                                            <p:cond delay="0"/>
+                                          </p:stCondLst>
+                                        </p:cTn>
+                                        <p:tgtEl>
+                                          <p:spTgt spid="3">
+                                            <p:txEl>
+                                              <p:pRg st="1" end="1"/>
+                                            </p:txEl>
+                                          </p:spTgt>
+                                        </p:tgtEl>
+                                        <p:attrNameLst>
+                                          <p:attrName>style.visibility</p:attrName>
+                                        </p:attrNameLst>
+                                      </p:cBhvr>
+                                      <p:to>
+                                        <p:strVal val="visible"/>
+                                      </p:to>
+                                    </p:set>
+                                    <p:animEffect transition="in" filter="fade">
+                                      <p:cBhvr>
+                                        <p:cTn id="13" dur="500"/>
+                                        <p:tgtEl>
+                                          <p:spTgt spid="3">
+                                            <p:txEl>
+                                              <p:pRg st="1" end="1"/>
+                                            </p:txEl>
+                                          </p:spTgt>
+                                        </p:tgtEl>
+                                      </p:cBhvr>
+                                    </p:animEffect>
+                                  </p:childTnLst>
+                                </p:cTn>
+                              </p:par>
+                              <p:par>
+                                <p:cTn id="14" presetID="10" presetClass="entr" presetSubtype="0" fill="hold" grpId="0" nodeType="withEffect">
+                                  <p:stCondLst>
+                                    <p:cond delay="0"/>
+                                  </p:stCondLst>
+                                  <p:childTnLst>
+                                    <p:set>
+                                      <p:cBhvr>
+                                        <p:cTn id="15" dur="1" fill="hold">
+                                          <p:stCondLst>
+                                            <p:cond delay="0"/>
+                                          </p:stCondLst>
+                                        </p:cTn>
+                                        <p:tgtEl>
+                                          <p:spTgt spid="3">
+                                            <p:txEl>
+                                              <p:pRg st="2" end="2"/>
+                                            </p:txEl>
+                                          </p:spTgt>
+                                        </p:tgtEl>
+                                        <p:attrNameLst>
+                                          <p:attrName>style.visibility</p:attrName>
+                                        </p:attrNameLst>
+                                      </p:cBhvr>
+                                      <p:to>
+                                        <p:strVal val="visible"/>
+                                      </p:to>
+                                    </p:set>
+                                    <p:animEffect transition="in" filter="fade">
+                                      <p:cBhvr>
+                                        <p:cTn id="16" dur="500"/>
+                                        <p:tgtEl>
+                                          <p:spTgt spid="3">
+                                            <p:txEl>
+                                              <p:pRg st="2" end="2"/>
+                                            </p:txEl>
+                                          </p:spTgt>
+                                        </p:tgtEl>
+                                      </p:cBhvr>
+                                    </p:animEffect>
+                                  </p:childTnLst>
+                                </p:cTn>
+                              </p:par>
+                              <p:par>
+                                <p:cTn id="17" presetID="10" presetClass="entr" presetSubtype="0" fill="hold" grpId="0" nodeType="withEffect">
+                                  <p:stCondLst>
+                                    <p:cond delay="0"/>
+                                  </p:stCondLst>
+                                  <p:childTnLst>
+                                    <p:set>
+                                      <p:cBhvr>
+                                        <p:cTn id="18" dur="1" fill="hold">
+                                          <p:stCondLst>
+                                            <p:cond delay="0"/>
+                                          </p:stCondLst>
+                                        </p:cTn>
+                                        <p:tgtEl>
+                                          <p:spTgt spid="3">
+                                            <p:txEl>
+                                              <p:pRg st="3" end="3"/>
+                                            </p:txEl>
+                                          </p:spTgt>
+                                        </p:tgtEl>
+                                        <p:attrNameLst>
+                                          <p:attrName>style.visibility</p:attrName>
+                                        </p:attrNameLst>
+                                      </p:cBhvr>
+                                      <p:to>
+                                        <p:strVal val="visible"/>
+                                      </p:to>
+                                    </p:set>
+                                    <p:animEffect transition="in" filter="fade">
+                                      <p:cBhvr>
+                                        <p:cTn id="19" dur="500"/>
+                                        <p:tgtEl>
+                                          <p:spTgt spid="3">
+                                            <p:txEl>
+                                              <p:pRg st="3" end="3"/>
+                                            </p:txEl>
+                                          </p:spTgt>
+                                        </p:tgtEl>
+                                      </p:cBhvr>
+                                    </p:animEffect>
+                                  </p:childTnLst>
+                                </p:cTn>
+                              </p:par>
+                            </p:childTnLst>
+                          </p:cTn>
+                        </p:par>
+                      </p:childTnLst>
+                    </p:cTn>
+                  </p:par>
+                  <p:par>
+                    <p:cTn id="20" fill="hold">
+                      <p:stCondLst>
+                        <p:cond delay="indefinite"/>
+                      </p:stCondLst>
+                      <p:childTnLst>
+                        <p:par>
+                          <p:cTn id="21" fill="hold">
+                            <p:stCondLst>
+                              <p:cond delay="0"/>
+                            </p:stCondLst>
+                            <p:childTnLst>
+                              <p:par>
+                                <p:cTn id="22" presetID="10" presetClass="entr" presetSubtype="0" fill="hold" nodeType="clickEffect">
+                                  <p:stCondLst>
+                                    <p:cond delay="0"/>
+                                  </p:stCondLst>
+                                  <p:childTnLst>
+                                    <p:set>
+                                      <p:cBhvr>
+                                        <p:cTn id="23" dur="1" fill="hold">
                                           <p:stCondLst>
                                             <p:cond delay="0"/>
                                           </p:stCondLst>
@@ -7884,7 +9331,7 @@
                                     </p:set>
                                     <p:animEffect transition="in" filter="fade">
                                       <p:cBhvr>
-                                        <p:cTn id="7" dur="500"/>
+                                        <p:cTn id="24" dur="500"/>
                                         <p:tgtEl>
                                           <p:spTgt spid="4"/>
                                         </p:tgtEl>
@@ -7894,20 +9341,24 @@
                                 </p:cTn>
                               </p:par>
                               <p:par>
-                                <p:cTn id="8" presetID="10" presetClass="entr" presetSubtype="0" fill="hold" nodeType="withEffect">
+                                <p:cTn id="25" presetID="10" presetClass="entr" presetSubtype="0" fill="hold" grpId="0" nodeType="withEffect">
                                   <p:stCondLst>
                                     <p:cond delay="0"/>
                                   </p:stCondLst>
                                   <p:childTnLst>
                                     <p:set>
                                       <p:cBhvr>
-                                        <p:cTn id="9" dur="1" fill="hold">
+                                        <p:cTn id="26" dur="1" fill="hold">
                                           <p:stCondLst>
                                             <p:cond delay="0"/>
                                           </p:stCondLst>
                                         </p:cTn>
                                         <p:tgtEl>
-                                          <p:spTgt spid="5"/>
+                                          <p:spTgt spid="3">
+                                            <p:txEl>
+                                              <p:pRg st="4" end="4"/>
+                                            </p:txEl>
+                                          </p:spTgt>
                                         </p:tgtEl>
                                         <p:attrNameLst>
                                           <p:attrName>style.visibility</p:attrName>
@@ -7919,9 +9370,13 @@
                                     </p:set>
                                     <p:animEffect transition="in" filter="fade">
                                       <p:cBhvr>
-                                        <p:cTn id="10" dur="500"/>
+                                        <p:cTn id="27" dur="500"/>
                                         <p:tgtEl>
-                                          <p:spTgt spid="5"/>
+                                          <p:spTgt spid="3">
+                                            <p:txEl>
+                                              <p:pRg st="4" end="4"/>
+                                            </p:txEl>
+                                          </p:spTgt>
                                         </p:tgtEl>
                                       </p:cBhvr>
                                     </p:animEffect>
@@ -7955,12 +9410,15 @@
         </p:cTn>
       </p:par>
     </p:tnLst>
+    <p:bldLst>
+      <p:bldP spid="3" grpId="0" uiExpand="1" build="p"/>
+    </p:bldLst>
   </p:timing>
 </p:sld>
 </file>
 
 <file path=ppt/slides/slide16.xml><?xml version="1.0" encoding="utf-8"?>
-<p:sld xmlns:a="http://schemas.openxmlformats.org/drawingml/2006/main" xmlns:r="http://schemas.openxmlformats.org/officeDocument/2006/relationships" xmlns:p="http://schemas.openxmlformats.org/presentationml/2006/main">
+<p:sld xmlns:a="http://schemas.openxmlformats.org/drawingml/2006/main" xmlns:r="http://schemas.openxmlformats.org/officeDocument/2006/relationships" xmlns:p="http://schemas.openxmlformats.org/presentationml/2006/main" showMasterPhAnim="0">
   <p:cSld>
     <p:spTree>
       <p:nvGrpSpPr>
@@ -8275,9 +9733,6 @@
                     <p:cTn id="3" fill="hold">
                       <p:stCondLst>
                         <p:cond delay="indefinite"/>
-                        <p:cond evt="onBegin" delay="0">
-                          <p:tn val="2"/>
-                        </p:cond>
                       </p:stCondLst>
                       <p:childTnLst>
                         <p:par>
@@ -8287,7 +9742,7 @@
                             </p:stCondLst>
                             <p:childTnLst>
                               <p:par>
-                                <p:cTn id="5" presetID="10" presetClass="entr" presetSubtype="0" fill="hold" nodeType="withEffect">
+                                <p:cTn id="5" presetID="10" presetClass="entr" presetSubtype="0" fill="hold" grpId="0" nodeType="clickEffect">
                                   <p:stCondLst>
                                     <p:cond delay="0"/>
                                   </p:stCondLst>
@@ -8295,6 +9750,67 @@
                                     <p:set>
                                       <p:cBhvr>
                                         <p:cTn id="6" dur="1" fill="hold">
+                                          <p:stCondLst>
+                                            <p:cond delay="0"/>
+                                          </p:stCondLst>
+                                        </p:cTn>
+                                        <p:tgtEl>
+                                          <p:spTgt spid="3">
+                                            <p:txEl>
+                                              <p:pRg st="0" end="0"/>
+                                            </p:txEl>
+                                          </p:spTgt>
+                                        </p:tgtEl>
+                                        <p:attrNameLst>
+                                          <p:attrName>style.visibility</p:attrName>
+                                        </p:attrNameLst>
+                                      </p:cBhvr>
+                                      <p:to>
+                                        <p:strVal val="visible"/>
+                                      </p:to>
+                                    </p:set>
+                                    <p:animEffect transition="in" filter="fade">
+                                      <p:cBhvr>
+                                        <p:cTn id="7" dur="500"/>
+                                        <p:tgtEl>
+                                          <p:spTgt spid="3">
+                                            <p:txEl>
+                                              <p:pRg st="0" end="0"/>
+                                            </p:txEl>
+                                          </p:spTgt>
+                                        </p:tgtEl>
+                                      </p:cBhvr>
+                                    </p:animEffect>
+                                  </p:childTnLst>
+                                </p:cTn>
+                              </p:par>
+                            </p:childTnLst>
+                          </p:cTn>
+                        </p:par>
+                      </p:childTnLst>
+                    </p:cTn>
+                  </p:par>
+                  <p:par>
+                    <p:cTn id="8" fill="hold">
+                      <p:stCondLst>
+                        <p:cond delay="indefinite"/>
+                      </p:stCondLst>
+                      <p:childTnLst>
+                        <p:par>
+                          <p:cTn id="9" fill="hold">
+                            <p:stCondLst>
+                              <p:cond delay="0"/>
+                            </p:stCondLst>
+                            <p:childTnLst>
+                              <p:par>
+                                <p:cTn id="10" presetID="10" presetClass="entr" presetSubtype="0" fill="hold" nodeType="clickEffect">
+                                  <p:stCondLst>
+                                    <p:cond delay="0"/>
+                                  </p:stCondLst>
+                                  <p:childTnLst>
+                                    <p:set>
+                                      <p:cBhvr>
+                                        <p:cTn id="11" dur="1" fill="hold">
                                           <p:stCondLst>
                                             <p:cond delay="0"/>
                                           </p:stCondLst>
@@ -8312,7 +9828,7 @@
                                     </p:set>
                                     <p:animEffect transition="in" filter="fade">
                                       <p:cBhvr>
-                                        <p:cTn id="7" dur="500"/>
+                                        <p:cTn id="12" dur="500"/>
                                         <p:tgtEl>
                                           <p:spTgt spid="5"/>
                                         </p:tgtEl>
@@ -8322,14 +9838,136 @@
                                 </p:cTn>
                               </p:par>
                               <p:par>
-                                <p:cTn id="8" presetID="10" presetClass="entr" presetSubtype="0" fill="hold" nodeType="withEffect">
+                                <p:cTn id="13" presetID="10" presetClass="entr" presetSubtype="0" fill="hold" grpId="0" nodeType="withEffect">
                                   <p:stCondLst>
                                     <p:cond delay="0"/>
                                   </p:stCondLst>
                                   <p:childTnLst>
                                     <p:set>
                                       <p:cBhvr>
-                                        <p:cTn id="9" dur="1" fill="hold">
+                                        <p:cTn id="14" dur="1" fill="hold">
+                                          <p:stCondLst>
+                                            <p:cond delay="0"/>
+                                          </p:stCondLst>
+                                        </p:cTn>
+                                        <p:tgtEl>
+                                          <p:spTgt spid="3">
+                                            <p:txEl>
+                                              <p:pRg st="1" end="1"/>
+                                            </p:txEl>
+                                          </p:spTgt>
+                                        </p:tgtEl>
+                                        <p:attrNameLst>
+                                          <p:attrName>style.visibility</p:attrName>
+                                        </p:attrNameLst>
+                                      </p:cBhvr>
+                                      <p:to>
+                                        <p:strVal val="visible"/>
+                                      </p:to>
+                                    </p:set>
+                                    <p:animEffect transition="in" filter="fade">
+                                      <p:cBhvr>
+                                        <p:cTn id="15" dur="500"/>
+                                        <p:tgtEl>
+                                          <p:spTgt spid="3">
+                                            <p:txEl>
+                                              <p:pRg st="1" end="1"/>
+                                            </p:txEl>
+                                          </p:spTgt>
+                                        </p:tgtEl>
+                                      </p:cBhvr>
+                                    </p:animEffect>
+                                  </p:childTnLst>
+                                </p:cTn>
+                              </p:par>
+                            </p:childTnLst>
+                          </p:cTn>
+                        </p:par>
+                      </p:childTnLst>
+                    </p:cTn>
+                  </p:par>
+                  <p:par>
+                    <p:cTn id="16" fill="hold">
+                      <p:stCondLst>
+                        <p:cond delay="indefinite"/>
+                      </p:stCondLst>
+                      <p:childTnLst>
+                        <p:par>
+                          <p:cTn id="17" fill="hold">
+                            <p:stCondLst>
+                              <p:cond delay="0"/>
+                            </p:stCondLst>
+                            <p:childTnLst>
+                              <p:par>
+                                <p:cTn id="18" presetID="10" presetClass="entr" presetSubtype="0" fill="hold" grpId="0" nodeType="clickEffect">
+                                  <p:stCondLst>
+                                    <p:cond delay="0"/>
+                                  </p:stCondLst>
+                                  <p:childTnLst>
+                                    <p:set>
+                                      <p:cBhvr>
+                                        <p:cTn id="19" dur="1" fill="hold">
+                                          <p:stCondLst>
+                                            <p:cond delay="0"/>
+                                          </p:stCondLst>
+                                        </p:cTn>
+                                        <p:tgtEl>
+                                          <p:spTgt spid="3">
+                                            <p:txEl>
+                                              <p:pRg st="3" end="3"/>
+                                            </p:txEl>
+                                          </p:spTgt>
+                                        </p:tgtEl>
+                                        <p:attrNameLst>
+                                          <p:attrName>style.visibility</p:attrName>
+                                        </p:attrNameLst>
+                                      </p:cBhvr>
+                                      <p:to>
+                                        <p:strVal val="visible"/>
+                                      </p:to>
+                                    </p:set>
+                                    <p:animEffect transition="in" filter="fade">
+                                      <p:cBhvr>
+                                        <p:cTn id="20" dur="500"/>
+                                        <p:tgtEl>
+                                          <p:spTgt spid="3">
+                                            <p:txEl>
+                                              <p:pRg st="3" end="3"/>
+                                            </p:txEl>
+                                          </p:spTgt>
+                                        </p:tgtEl>
+                                      </p:cBhvr>
+                                    </p:animEffect>
+                                  </p:childTnLst>
+                                </p:cTn>
+                              </p:par>
+                            </p:childTnLst>
+                          </p:cTn>
+                        </p:par>
+                      </p:childTnLst>
+                    </p:cTn>
+                  </p:par>
+                  <p:par>
+                    <p:cTn id="21" fill="hold">
+                      <p:stCondLst>
+                        <p:cond delay="indefinite"/>
+                      </p:stCondLst>
+                      <p:childTnLst>
+                        <p:par>
+                          <p:cTn id="22" fill="hold">
+                            <p:stCondLst>
+                              <p:cond delay="0"/>
+                            </p:stCondLst>
+                            <p:childTnLst>
+                              <p:par>
+                                <p:cTn id="23" presetID="10" presetClass="entr" presetSubtype="0" fill="hold" nodeType="clickEffect">
+                                  <p:stCondLst>
+                                    <p:cond delay="0"/>
+                                  </p:stCondLst>
+                                  <p:childTnLst>
+                                    <p:set>
+                                      <p:cBhvr>
+                                        <p:cTn id="24" dur="1" fill="hold">
                                           <p:stCondLst>
                                             <p:cond delay="0"/>
                                           </p:stCondLst>
@@ -8347,9 +9985,235 @@
                                     </p:set>
                                     <p:animEffect transition="in" filter="fade">
                                       <p:cBhvr>
-                                        <p:cTn id="10" dur="500"/>
+                                        <p:cTn id="25" dur="500"/>
                                         <p:tgtEl>
                                           <p:spTgt spid="6"/>
+                                        </p:tgtEl>
+                                      </p:cBhvr>
+                                    </p:animEffect>
+                                  </p:childTnLst>
+                                </p:cTn>
+                              </p:par>
+                              <p:par>
+                                <p:cTn id="26" presetID="10" presetClass="entr" presetSubtype="0" fill="hold" grpId="0" nodeType="withEffect">
+                                  <p:stCondLst>
+                                    <p:cond delay="0"/>
+                                  </p:stCondLst>
+                                  <p:childTnLst>
+                                    <p:set>
+                                      <p:cBhvr>
+                                        <p:cTn id="27" dur="1" fill="hold">
+                                          <p:stCondLst>
+                                            <p:cond delay="0"/>
+                                          </p:stCondLst>
+                                        </p:cTn>
+                                        <p:tgtEl>
+                                          <p:spTgt spid="3">
+                                            <p:txEl>
+                                              <p:pRg st="4" end="4"/>
+                                            </p:txEl>
+                                          </p:spTgt>
+                                        </p:tgtEl>
+                                        <p:attrNameLst>
+                                          <p:attrName>style.visibility</p:attrName>
+                                        </p:attrNameLst>
+                                      </p:cBhvr>
+                                      <p:to>
+                                        <p:strVal val="visible"/>
+                                      </p:to>
+                                    </p:set>
+                                    <p:animEffect transition="in" filter="fade">
+                                      <p:cBhvr>
+                                        <p:cTn id="28" dur="500"/>
+                                        <p:tgtEl>
+                                          <p:spTgt spid="3">
+                                            <p:txEl>
+                                              <p:pRg st="4" end="4"/>
+                                            </p:txEl>
+                                          </p:spTgt>
+                                        </p:tgtEl>
+                                      </p:cBhvr>
+                                    </p:animEffect>
+                                  </p:childTnLst>
+                                </p:cTn>
+                              </p:par>
+                            </p:childTnLst>
+                          </p:cTn>
+                        </p:par>
+                      </p:childTnLst>
+                    </p:cTn>
+                  </p:par>
+                  <p:par>
+                    <p:cTn id="29" fill="hold">
+                      <p:stCondLst>
+                        <p:cond delay="indefinite"/>
+                      </p:stCondLst>
+                      <p:childTnLst>
+                        <p:par>
+                          <p:cTn id="30" fill="hold">
+                            <p:stCondLst>
+                              <p:cond delay="0"/>
+                            </p:stCondLst>
+                            <p:childTnLst>
+                              <p:par>
+                                <p:cTn id="31" presetID="10" presetClass="entr" presetSubtype="0" fill="hold" grpId="0" nodeType="clickEffect">
+                                  <p:stCondLst>
+                                    <p:cond delay="0"/>
+                                  </p:stCondLst>
+                                  <p:childTnLst>
+                                    <p:set>
+                                      <p:cBhvr>
+                                        <p:cTn id="32" dur="1" fill="hold">
+                                          <p:stCondLst>
+                                            <p:cond delay="0"/>
+                                          </p:stCondLst>
+                                        </p:cTn>
+                                        <p:tgtEl>
+                                          <p:spTgt spid="3">
+                                            <p:txEl>
+                                              <p:pRg st="6" end="6"/>
+                                            </p:txEl>
+                                          </p:spTgt>
+                                        </p:tgtEl>
+                                        <p:attrNameLst>
+                                          <p:attrName>style.visibility</p:attrName>
+                                        </p:attrNameLst>
+                                      </p:cBhvr>
+                                      <p:to>
+                                        <p:strVal val="visible"/>
+                                      </p:to>
+                                    </p:set>
+                                    <p:animEffect transition="in" filter="fade">
+                                      <p:cBhvr>
+                                        <p:cTn id="33" dur="500"/>
+                                        <p:tgtEl>
+                                          <p:spTgt spid="3">
+                                            <p:txEl>
+                                              <p:pRg st="6" end="6"/>
+                                            </p:txEl>
+                                          </p:spTgt>
+                                        </p:tgtEl>
+                                      </p:cBhvr>
+                                    </p:animEffect>
+                                  </p:childTnLst>
+                                </p:cTn>
+                              </p:par>
+                            </p:childTnLst>
+                          </p:cTn>
+                        </p:par>
+                      </p:childTnLst>
+                    </p:cTn>
+                  </p:par>
+                  <p:par>
+                    <p:cTn id="34" fill="hold">
+                      <p:stCondLst>
+                        <p:cond delay="indefinite"/>
+                      </p:stCondLst>
+                      <p:childTnLst>
+                        <p:par>
+                          <p:cTn id="35" fill="hold">
+                            <p:stCondLst>
+                              <p:cond delay="0"/>
+                            </p:stCondLst>
+                            <p:childTnLst>
+                              <p:par>
+                                <p:cTn id="36" presetID="10" presetClass="entr" presetSubtype="0" fill="hold" grpId="0" nodeType="clickEffect">
+                                  <p:stCondLst>
+                                    <p:cond delay="0"/>
+                                  </p:stCondLst>
+                                  <p:childTnLst>
+                                    <p:set>
+                                      <p:cBhvr>
+                                        <p:cTn id="37" dur="1" fill="hold">
+                                          <p:stCondLst>
+                                            <p:cond delay="0"/>
+                                          </p:stCondLst>
+                                        </p:cTn>
+                                        <p:tgtEl>
+                                          <p:spTgt spid="3">
+                                            <p:txEl>
+                                              <p:pRg st="7" end="7"/>
+                                            </p:txEl>
+                                          </p:spTgt>
+                                        </p:tgtEl>
+                                        <p:attrNameLst>
+                                          <p:attrName>style.visibility</p:attrName>
+                                        </p:attrNameLst>
+                                      </p:cBhvr>
+                                      <p:to>
+                                        <p:strVal val="visible"/>
+                                      </p:to>
+                                    </p:set>
+                                    <p:animEffect transition="in" filter="fade">
+                                      <p:cBhvr>
+                                        <p:cTn id="38" dur="500"/>
+                                        <p:tgtEl>
+                                          <p:spTgt spid="3">
+                                            <p:txEl>
+                                              <p:pRg st="7" end="7"/>
+                                            </p:txEl>
+                                          </p:spTgt>
+                                        </p:tgtEl>
+                                      </p:cBhvr>
+                                    </p:animEffect>
+                                  </p:childTnLst>
+                                </p:cTn>
+                              </p:par>
+                            </p:childTnLst>
+                          </p:cTn>
+                        </p:par>
+                      </p:childTnLst>
+                    </p:cTn>
+                  </p:par>
+                  <p:par>
+                    <p:cTn id="39" fill="hold">
+                      <p:stCondLst>
+                        <p:cond delay="indefinite"/>
+                      </p:stCondLst>
+                      <p:childTnLst>
+                        <p:par>
+                          <p:cTn id="40" fill="hold">
+                            <p:stCondLst>
+                              <p:cond delay="0"/>
+                            </p:stCondLst>
+                            <p:childTnLst>
+                              <p:par>
+                                <p:cTn id="41" presetID="10" presetClass="entr" presetSubtype="0" fill="hold" grpId="0" nodeType="clickEffect">
+                                  <p:stCondLst>
+                                    <p:cond delay="0"/>
+                                  </p:stCondLst>
+                                  <p:childTnLst>
+                                    <p:set>
+                                      <p:cBhvr>
+                                        <p:cTn id="42" dur="1" fill="hold">
+                                          <p:stCondLst>
+                                            <p:cond delay="0"/>
+                                          </p:stCondLst>
+                                        </p:cTn>
+                                        <p:tgtEl>
+                                          <p:spTgt spid="3">
+                                            <p:txEl>
+                                              <p:pRg st="8" end="8"/>
+                                            </p:txEl>
+                                          </p:spTgt>
+                                        </p:tgtEl>
+                                        <p:attrNameLst>
+                                          <p:attrName>style.visibility</p:attrName>
+                                        </p:attrNameLst>
+                                      </p:cBhvr>
+                                      <p:to>
+                                        <p:strVal val="visible"/>
+                                      </p:to>
+                                    </p:set>
+                                    <p:animEffect transition="in" filter="fade">
+                                      <p:cBhvr>
+                                        <p:cTn id="43" dur="500"/>
+                                        <p:tgtEl>
+                                          <p:spTgt spid="3">
+                                            <p:txEl>
+                                              <p:pRg st="8" end="8"/>
+                                            </p:txEl>
+                                          </p:spTgt>
                                         </p:tgtEl>
                                       </p:cBhvr>
                                     </p:animEffect>
@@ -8383,12 +10247,15 @@
         </p:cTn>
       </p:par>
     </p:tnLst>
+    <p:bldLst>
+      <p:bldP spid="3" grpId="0" uiExpand="1" build="p"/>
+    </p:bldLst>
   </p:timing>
 </p:sld>
 </file>
 
 <file path=ppt/slides/slide17.xml><?xml version="1.0" encoding="utf-8"?>
-<p:sld xmlns:a="http://schemas.openxmlformats.org/drawingml/2006/main" xmlns:r="http://schemas.openxmlformats.org/officeDocument/2006/relationships" xmlns:p="http://schemas.openxmlformats.org/presentationml/2006/main">
+<p:sld xmlns:a="http://schemas.openxmlformats.org/drawingml/2006/main" xmlns:r="http://schemas.openxmlformats.org/officeDocument/2006/relationships" xmlns:p="http://schemas.openxmlformats.org/presentationml/2006/main" showMasterPhAnim="0">
   <p:cSld>
     <p:spTree>
       <p:nvGrpSpPr>
@@ -8813,7 +10680,7 @@
                                     <m:endChr m:val="}"/>
                                     <m:ctrlPr>
                                       <a:rPr lang="en-US" i="1" smtClean="0">
-                                        <a:latin typeface="Cambria Math"/>
+                                        <a:latin typeface="Cambria Math" panose="02040503050406030204" pitchFamily="18" charset="0"/>
                                       </a:rPr>
                                     </m:ctrlPr>
                                   </m:dPr>
@@ -8830,7 +10697,7 @@
                                         </m:mcs>
                                         <m:ctrlPr>
                                           <a:rPr lang="en-US" i="1" smtClean="0">
-                                            <a:latin typeface="Cambria Math"/>
+                                            <a:latin typeface="Cambria Math" panose="02040503050406030204" pitchFamily="18" charset="0"/>
                                           </a:rPr>
                                         </m:ctrlPr>
                                       </m:mPr>
@@ -8847,19 +10714,10 @@
                                             <m:t>c</m:t>
                                           </m:r>
                                           <m:r>
-                                            <m:rPr>
-                                              <m:brk m:alnAt="7"/>
-                                            </m:rPr>
                                             <a:rPr lang="en-US" b="0" i="0" smtClean="0">
                                               <a:latin typeface="Cambria Math"/>
                                             </a:rPr>
-                                            <m:t>1</m:t>
-                                          </m:r>
-                                          <m:r>
-                                            <a:rPr lang="en-US" b="0" i="0" smtClean="0">
-                                              <a:latin typeface="Cambria Math"/>
-                                            </a:rPr>
-                                            <m:t>1</m:t>
+                                            <m:t>11</m:t>
                                           </m:r>
                                         </m:e>
                                       </m:mr>
@@ -8947,7 +10805,7 @@
                                     <m:endChr m:val="}"/>
                                     <m:ctrlPr>
                                       <a:rPr lang="en-US" i="1" smtClean="0">
-                                        <a:latin typeface="Cambria Math"/>
+                                        <a:latin typeface="Cambria Math" panose="02040503050406030204" pitchFamily="18" charset="0"/>
                                       </a:rPr>
                                     </m:ctrlPr>
                                   </m:dPr>
@@ -8964,7 +10822,7 @@
                                         </m:mcs>
                                         <m:ctrlPr>
                                           <a:rPr lang="en-US" i="1" smtClean="0">
-                                            <a:latin typeface="Cambria Math"/>
+                                            <a:latin typeface="Cambria Math" panose="02040503050406030204" pitchFamily="18" charset="0"/>
                                           </a:rPr>
                                         </m:ctrlPr>
                                       </m:mPr>
@@ -8981,19 +10839,10 @@
                                             <m:t>c</m:t>
                                           </m:r>
                                           <m:r>
-                                            <m:rPr>
-                                              <m:brk m:alnAt="7"/>
-                                            </m:rPr>
                                             <a:rPr lang="en-US" b="0" i="0" smtClean="0">
                                               <a:latin typeface="Cambria Math"/>
                                             </a:rPr>
-                                            <m:t>0</m:t>
-                                          </m:r>
-                                          <m:r>
-                                            <a:rPr lang="en-US" b="0" i="0" smtClean="0">
-                                              <a:latin typeface="Cambria Math"/>
-                                            </a:rPr>
-                                            <m:t>3</m:t>
+                                            <m:t>03</m:t>
                                           </m:r>
                                         </m:e>
                                       </m:mr>
@@ -10053,9 +11902,6 @@
                     <p:cTn id="3" fill="hold">
                       <p:stCondLst>
                         <p:cond delay="indefinite"/>
-                        <p:cond evt="onBegin" delay="0">
-                          <p:tn val="2"/>
-                        </p:cond>
                       </p:stCondLst>
                       <p:childTnLst>
                         <p:par>
@@ -10065,7 +11911,7 @@
                             </p:stCondLst>
                             <p:childTnLst>
                               <p:par>
-                                <p:cTn id="5" presetID="10" presetClass="entr" presetSubtype="0" fill="hold" nodeType="withEffect">
+                                <p:cTn id="5" presetID="10" presetClass="entr" presetSubtype="0" fill="hold" nodeType="clickEffect">
                                   <p:stCondLst>
                                     <p:cond delay="0"/>
                                   </p:stCondLst>
@@ -10099,15 +11945,68 @@
                                   </p:childTnLst>
                                 </p:cTn>
                               </p:par>
+                            </p:childTnLst>
+                          </p:cTn>
+                        </p:par>
+                      </p:childTnLst>
+                    </p:cTn>
+                  </p:par>
+                  <p:par>
+                    <p:cTn id="8" fill="hold">
+                      <p:stCondLst>
+                        <p:cond delay="indefinite"/>
+                      </p:stCondLst>
+                      <p:childTnLst>
+                        <p:par>
+                          <p:cTn id="9" fill="hold">
+                            <p:stCondLst>
+                              <p:cond delay="0"/>
+                            </p:stCondLst>
+                            <p:childTnLst>
                               <p:par>
-                                <p:cTn id="8" presetID="10" presetClass="entr" presetSubtype="0" fill="hold" grpId="0" nodeType="withEffect">
+                                <p:cTn id="10" presetID="10" presetClass="entr" presetSubtype="0" fill="hold" nodeType="clickEffect">
                                   <p:stCondLst>
                                     <p:cond delay="0"/>
                                   </p:stCondLst>
                                   <p:childTnLst>
                                     <p:set>
                                       <p:cBhvr>
-                                        <p:cTn id="9" dur="1" fill="hold">
+                                        <p:cTn id="11" dur="1" fill="hold">
+                                          <p:stCondLst>
+                                            <p:cond delay="0"/>
+                                          </p:stCondLst>
+                                        </p:cTn>
+                                        <p:tgtEl>
+                                          <p:spTgt spid="12"/>
+                                        </p:tgtEl>
+                                        <p:attrNameLst>
+                                          <p:attrName>style.visibility</p:attrName>
+                                        </p:attrNameLst>
+                                      </p:cBhvr>
+                                      <p:to>
+                                        <p:strVal val="visible"/>
+                                      </p:to>
+                                    </p:set>
+                                    <p:animEffect transition="in" filter="fade">
+                                      <p:cBhvr>
+                                        <p:cTn id="12" dur="500"/>
+                                        <p:tgtEl>
+                                          <p:spTgt spid="12"/>
+                                        </p:tgtEl>
+                                      </p:cBhvr>
+                                    </p:animEffect>
+                                  </p:childTnLst>
+                                </p:cTn>
+                              </p:par>
+                              <p:par>
+                                <p:cTn id="13" presetID="10" presetClass="entr" presetSubtype="0" fill="hold" grpId="0" nodeType="withEffect">
+                                  <p:stCondLst>
+                                    <p:cond delay="0"/>
+                                  </p:stCondLst>
+                                  <p:childTnLst>
+                                    <p:set>
+                                      <p:cBhvr>
+                                        <p:cTn id="14" dur="1" fill="hold">
                                           <p:stCondLst>
                                             <p:cond delay="0"/>
                                           </p:stCondLst>
@@ -10125,62 +12024,9 @@
                                     </p:set>
                                     <p:animEffect transition="in" filter="fade">
                                       <p:cBhvr>
-                                        <p:cTn id="10" dur="500"/>
+                                        <p:cTn id="15" dur="500"/>
                                         <p:tgtEl>
                                           <p:spTgt spid="5"/>
-                                        </p:tgtEl>
-                                      </p:cBhvr>
-                                    </p:animEffect>
-                                  </p:childTnLst>
-                                </p:cTn>
-                              </p:par>
-                            </p:childTnLst>
-                          </p:cTn>
-                        </p:par>
-                      </p:childTnLst>
-                    </p:cTn>
-                  </p:par>
-                  <p:par>
-                    <p:cTn id="11" fill="hold">
-                      <p:stCondLst>
-                        <p:cond delay="indefinite"/>
-                      </p:stCondLst>
-                      <p:childTnLst>
-                        <p:par>
-                          <p:cTn id="12" fill="hold">
-                            <p:stCondLst>
-                              <p:cond delay="0"/>
-                            </p:stCondLst>
-                            <p:childTnLst>
-                              <p:par>
-                                <p:cTn id="13" presetID="10" presetClass="entr" presetSubtype="0" fill="hold" nodeType="clickEffect">
-                                  <p:stCondLst>
-                                    <p:cond delay="0"/>
-                                  </p:stCondLst>
-                                  <p:childTnLst>
-                                    <p:set>
-                                      <p:cBhvr>
-                                        <p:cTn id="14" dur="1" fill="hold">
-                                          <p:stCondLst>
-                                            <p:cond delay="0"/>
-                                          </p:stCondLst>
-                                        </p:cTn>
-                                        <p:tgtEl>
-                                          <p:spTgt spid="6"/>
-                                        </p:tgtEl>
-                                        <p:attrNameLst>
-                                          <p:attrName>style.visibility</p:attrName>
-                                        </p:attrNameLst>
-                                      </p:cBhvr>
-                                      <p:to>
-                                        <p:strVal val="visible"/>
-                                      </p:to>
-                                    </p:set>
-                                    <p:animEffect transition="in" filter="fade">
-                                      <p:cBhvr>
-                                        <p:cTn id="15" dur="500"/>
-                                        <p:tgtEl>
-                                          <p:spTgt spid="6"/>
                                         </p:tgtEl>
                                       </p:cBhvr>
                                     </p:animEffect>
@@ -10219,7 +12065,7 @@
                                           </p:stCondLst>
                                         </p:cTn>
                                         <p:tgtEl>
-                                          <p:spTgt spid="13"/>
+                                          <p:spTgt spid="6"/>
                                         </p:tgtEl>
                                         <p:attrNameLst>
                                           <p:attrName>style.visibility</p:attrName>
@@ -10233,7 +12079,7 @@
                                       <p:cBhvr>
                                         <p:cTn id="20" dur="500"/>
                                         <p:tgtEl>
-                                          <p:spTgt spid="13"/>
+                                          <p:spTgt spid="6"/>
                                         </p:tgtEl>
                                       </p:cBhvr>
                                     </p:animEffect>
@@ -10259,7 +12105,7 @@
                             </p:stCondLst>
                             <p:childTnLst>
                               <p:par>
-                                <p:cTn id="23" presetID="10" presetClass="entr" presetSubtype="0" fill="hold" grpId="0" nodeType="clickEffect">
+                                <p:cTn id="23" presetID="10" presetClass="entr" presetSubtype="0" fill="hold" nodeType="clickEffect">
                                   <p:stCondLst>
                                     <p:cond delay="0"/>
                                   </p:stCondLst>
@@ -10267,6 +12113,218 @@
                                     <p:set>
                                       <p:cBhvr>
                                         <p:cTn id="24" dur="1" fill="hold">
+                                          <p:stCondLst>
+                                            <p:cond delay="0"/>
+                                          </p:stCondLst>
+                                        </p:cTn>
+                                        <p:tgtEl>
+                                          <p:spTgt spid="13"/>
+                                        </p:tgtEl>
+                                        <p:attrNameLst>
+                                          <p:attrName>style.visibility</p:attrName>
+                                        </p:attrNameLst>
+                                      </p:cBhvr>
+                                      <p:to>
+                                        <p:strVal val="visible"/>
+                                      </p:to>
+                                    </p:set>
+                                    <p:animEffect transition="in" filter="fade">
+                                      <p:cBhvr>
+                                        <p:cTn id="25" dur="500"/>
+                                        <p:tgtEl>
+                                          <p:spTgt spid="13"/>
+                                        </p:tgtEl>
+                                      </p:cBhvr>
+                                    </p:animEffect>
+                                  </p:childTnLst>
+                                </p:cTn>
+                              </p:par>
+                            </p:childTnLst>
+                          </p:cTn>
+                        </p:par>
+                      </p:childTnLst>
+                    </p:cTn>
+                  </p:par>
+                  <p:par>
+                    <p:cTn id="26" fill="hold">
+                      <p:stCondLst>
+                        <p:cond delay="indefinite"/>
+                      </p:stCondLst>
+                      <p:childTnLst>
+                        <p:par>
+                          <p:cTn id="27" fill="hold">
+                            <p:stCondLst>
+                              <p:cond delay="0"/>
+                            </p:stCondLst>
+                            <p:childTnLst>
+                              <p:par>
+                                <p:cTn id="28" presetID="10" presetClass="entr" presetSubtype="0" fill="hold" nodeType="clickEffect">
+                                  <p:stCondLst>
+                                    <p:cond delay="0"/>
+                                  </p:stCondLst>
+                                  <p:childTnLst>
+                                    <p:set>
+                                      <p:cBhvr>
+                                        <p:cTn id="29" dur="1" fill="hold">
+                                          <p:stCondLst>
+                                            <p:cond delay="0"/>
+                                          </p:stCondLst>
+                                        </p:cTn>
+                                        <p:tgtEl>
+                                          <p:spTgt spid="30"/>
+                                        </p:tgtEl>
+                                        <p:attrNameLst>
+                                          <p:attrName>style.visibility</p:attrName>
+                                        </p:attrNameLst>
+                                      </p:cBhvr>
+                                      <p:to>
+                                        <p:strVal val="visible"/>
+                                      </p:to>
+                                    </p:set>
+                                    <p:animEffect transition="in" filter="fade">
+                                      <p:cBhvr>
+                                        <p:cTn id="30" dur="500"/>
+                                        <p:tgtEl>
+                                          <p:spTgt spid="30"/>
+                                        </p:tgtEl>
+                                      </p:cBhvr>
+                                    </p:animEffect>
+                                  </p:childTnLst>
+                                </p:cTn>
+                              </p:par>
+                            </p:childTnLst>
+                          </p:cTn>
+                        </p:par>
+                      </p:childTnLst>
+                    </p:cTn>
+                  </p:par>
+                  <p:par>
+                    <p:cTn id="31" fill="hold">
+                      <p:stCondLst>
+                        <p:cond delay="indefinite"/>
+                      </p:stCondLst>
+                      <p:childTnLst>
+                        <p:par>
+                          <p:cTn id="32" fill="hold">
+                            <p:stCondLst>
+                              <p:cond delay="0"/>
+                            </p:stCondLst>
+                            <p:childTnLst>
+                              <p:par>
+                                <p:cTn id="33" presetID="10" presetClass="entr" presetSubtype="0" fill="hold" nodeType="clickEffect">
+                                  <p:stCondLst>
+                                    <p:cond delay="0"/>
+                                  </p:stCondLst>
+                                  <p:childTnLst>
+                                    <p:set>
+                                      <p:cBhvr>
+                                        <p:cTn id="34" dur="1" fill="hold">
+                                          <p:stCondLst>
+                                            <p:cond delay="0"/>
+                                          </p:stCondLst>
+                                        </p:cTn>
+                                        <p:tgtEl>
+                                          <p:spTgt spid="29"/>
+                                        </p:tgtEl>
+                                        <p:attrNameLst>
+                                          <p:attrName>style.visibility</p:attrName>
+                                        </p:attrNameLst>
+                                      </p:cBhvr>
+                                      <p:to>
+                                        <p:strVal val="visible"/>
+                                      </p:to>
+                                    </p:set>
+                                    <p:animEffect transition="in" filter="fade">
+                                      <p:cBhvr>
+                                        <p:cTn id="35" dur="500"/>
+                                        <p:tgtEl>
+                                          <p:spTgt spid="29"/>
+                                        </p:tgtEl>
+                                      </p:cBhvr>
+                                    </p:animEffect>
+                                  </p:childTnLst>
+                                </p:cTn>
+                              </p:par>
+                            </p:childTnLst>
+                          </p:cTn>
+                        </p:par>
+                      </p:childTnLst>
+                    </p:cTn>
+                  </p:par>
+                  <p:par>
+                    <p:cTn id="36" fill="hold">
+                      <p:stCondLst>
+                        <p:cond delay="indefinite"/>
+                      </p:stCondLst>
+                      <p:childTnLst>
+                        <p:par>
+                          <p:cTn id="37" fill="hold">
+                            <p:stCondLst>
+                              <p:cond delay="0"/>
+                            </p:stCondLst>
+                            <p:childTnLst>
+                              <p:par>
+                                <p:cTn id="38" presetID="22" presetClass="entr" presetSubtype="1" fill="hold" nodeType="clickEffect">
+                                  <p:stCondLst>
+                                    <p:cond delay="0"/>
+                                  </p:stCondLst>
+                                  <p:childTnLst>
+                                    <p:set>
+                                      <p:cBhvr>
+                                        <p:cTn id="39" dur="1" fill="hold">
+                                          <p:stCondLst>
+                                            <p:cond delay="0"/>
+                                          </p:stCondLst>
+                                        </p:cTn>
+                                        <p:tgtEl>
+                                          <p:spTgt spid="22"/>
+                                        </p:tgtEl>
+                                        <p:attrNameLst>
+                                          <p:attrName>style.visibility</p:attrName>
+                                        </p:attrNameLst>
+                                      </p:cBhvr>
+                                      <p:to>
+                                        <p:strVal val="visible"/>
+                                      </p:to>
+                                    </p:set>
+                                    <p:animEffect transition="in" filter="wipe(up)">
+                                      <p:cBhvr>
+                                        <p:cTn id="40" dur="500"/>
+                                        <p:tgtEl>
+                                          <p:spTgt spid="22"/>
+                                        </p:tgtEl>
+                                      </p:cBhvr>
+                                    </p:animEffect>
+                                  </p:childTnLst>
+                                </p:cTn>
+                              </p:par>
+                            </p:childTnLst>
+                          </p:cTn>
+                        </p:par>
+                      </p:childTnLst>
+                    </p:cTn>
+                  </p:par>
+                  <p:par>
+                    <p:cTn id="41" fill="hold">
+                      <p:stCondLst>
+                        <p:cond delay="indefinite"/>
+                      </p:stCondLst>
+                      <p:childTnLst>
+                        <p:par>
+                          <p:cTn id="42" fill="hold">
+                            <p:stCondLst>
+                              <p:cond delay="0"/>
+                            </p:stCondLst>
+                            <p:childTnLst>
+                              <p:par>
+                                <p:cTn id="43" presetID="10" presetClass="entr" presetSubtype="0" fill="hold" grpId="0" nodeType="clickEffect">
+                                  <p:stCondLst>
+                                    <p:cond delay="0"/>
+                                  </p:stCondLst>
+                                  <p:childTnLst>
+                                    <p:set>
+                                      <p:cBhvr>
+                                        <p:cTn id="44" dur="1" fill="hold">
                                           <p:stCondLst>
                                             <p:cond delay="0"/>
                                           </p:stCondLst>
@@ -10284,7 +12342,7 @@
                                     </p:set>
                                     <p:animEffect transition="in" filter="fade">
                                       <p:cBhvr>
-                                        <p:cTn id="25" dur="500"/>
+                                        <p:cTn id="45" dur="500"/>
                                         <p:tgtEl>
                                           <p:spTgt spid="21"/>
                                         </p:tgtEl>
@@ -10294,14 +12352,14 @@
                                 </p:cTn>
                               </p:par>
                               <p:par>
-                                <p:cTn id="26" presetID="10" presetClass="entr" presetSubtype="0" fill="hold" nodeType="withEffect">
+                                <p:cTn id="46" presetID="10" presetClass="entr" presetSubtype="0" fill="hold" nodeType="withEffect">
                                   <p:stCondLst>
                                     <p:cond delay="0"/>
                                   </p:stCondLst>
                                   <p:childTnLst>
                                     <p:set>
                                       <p:cBhvr>
-                                        <p:cTn id="27" dur="1" fill="hold">
+                                        <p:cTn id="47" dur="1" fill="hold">
                                           <p:stCondLst>
                                             <p:cond delay="0"/>
                                           </p:stCondLst>
@@ -10319,7 +12377,7 @@
                                     </p:set>
                                     <p:animEffect transition="in" filter="fade">
                                       <p:cBhvr>
-                                        <p:cTn id="28" dur="500"/>
+                                        <p:cTn id="48" dur="500"/>
                                         <p:tgtEl>
                                           <p:spTgt spid="31"/>
                                         </p:tgtEl>
@@ -10335,70 +12393,26 @@
                     </p:cTn>
                   </p:par>
                   <p:par>
-                    <p:cTn id="29" fill="hold">
+                    <p:cTn id="49" fill="hold">
                       <p:stCondLst>
                         <p:cond delay="indefinite"/>
                       </p:stCondLst>
                       <p:childTnLst>
                         <p:par>
-                          <p:cTn id="30" fill="hold">
+                          <p:cTn id="50" fill="hold">
                             <p:stCondLst>
                               <p:cond delay="0"/>
                             </p:stCondLst>
                             <p:childTnLst>
                               <p:par>
-                                <p:cTn id="31" presetID="22" presetClass="entr" presetSubtype="1" fill="hold" nodeType="clickEffect">
+                                <p:cTn id="51" presetID="10" presetClass="entr" presetSubtype="0" fill="hold" nodeType="clickEffect">
                                   <p:stCondLst>
                                     <p:cond delay="0"/>
                                   </p:stCondLst>
                                   <p:childTnLst>
                                     <p:set>
                                       <p:cBhvr>
-                                        <p:cTn id="32" dur="1" fill="hold">
-                                          <p:stCondLst>
-                                            <p:cond delay="0"/>
-                                          </p:stCondLst>
-                                        </p:cTn>
-                                        <p:tgtEl>
-                                          <p:spTgt spid="22"/>
-                                        </p:tgtEl>
-                                        <p:attrNameLst>
-                                          <p:attrName>style.visibility</p:attrName>
-                                        </p:attrNameLst>
-                                      </p:cBhvr>
-                                      <p:to>
-                                        <p:strVal val="visible"/>
-                                      </p:to>
-                                    </p:set>
-                                    <p:animEffect transition="in" filter="wipe(up)">
-                                      <p:cBhvr>
-                                        <p:cTn id="33" dur="500"/>
-                                        <p:tgtEl>
-                                          <p:spTgt spid="22"/>
-                                        </p:tgtEl>
-                                      </p:cBhvr>
-                                    </p:animEffect>
-                                  </p:childTnLst>
-                                </p:cTn>
-                              </p:par>
-                            </p:childTnLst>
-                          </p:cTn>
-                        </p:par>
-                        <p:par>
-                          <p:cTn id="34" fill="hold">
-                            <p:stCondLst>
-                              <p:cond delay="500"/>
-                            </p:stCondLst>
-                            <p:childTnLst>
-                              <p:par>
-                                <p:cTn id="35" presetID="10" presetClass="entr" presetSubtype="0" fill="hold" nodeType="afterEffect">
-                                  <p:stCondLst>
-                                    <p:cond delay="0"/>
-                                  </p:stCondLst>
-                                  <p:childTnLst>
-                                    <p:set>
-                                      <p:cBhvr>
-                                        <p:cTn id="36" dur="1" fill="hold">
+                                        <p:cTn id="52" dur="1" fill="hold">
                                           <p:stCondLst>
                                             <p:cond delay="0"/>
                                           </p:stCondLst>
@@ -10416,7 +12430,7 @@
                                     </p:set>
                                     <p:animEffect transition="in" filter="fade">
                                       <p:cBhvr>
-                                        <p:cTn id="37" dur="500"/>
+                                        <p:cTn id="53" dur="500"/>
                                         <p:tgtEl>
                                           <p:spTgt spid="23"/>
                                         </p:tgtEl>
@@ -10461,7 +12475,7 @@
 </file>
 
 <file path=ppt/slides/slide18.xml><?xml version="1.0" encoding="utf-8"?>
-<p:sld xmlns:a="http://schemas.openxmlformats.org/drawingml/2006/main" xmlns:r="http://schemas.openxmlformats.org/officeDocument/2006/relationships" xmlns:p="http://schemas.openxmlformats.org/presentationml/2006/main">
+<p:sld xmlns:a="http://schemas.openxmlformats.org/drawingml/2006/main" xmlns:r="http://schemas.openxmlformats.org/officeDocument/2006/relationships" xmlns:p="http://schemas.openxmlformats.org/presentationml/2006/main" showMasterPhAnim="0">
   <p:cSld>
     <p:spTree>
       <p:nvGrpSpPr>
@@ -10899,7 +12913,7 @@
                                     <m:endChr m:val="}"/>
                                     <m:ctrlPr>
                                       <a:rPr lang="en-US" i="1" smtClean="0">
-                                        <a:latin typeface="Cambria Math"/>
+                                        <a:latin typeface="Cambria Math" panose="02040503050406030204" pitchFamily="18" charset="0"/>
                                       </a:rPr>
                                     </m:ctrlPr>
                                   </m:dPr>
@@ -10916,7 +12930,7 @@
                                         </m:mcs>
                                         <m:ctrlPr>
                                           <a:rPr lang="en-US" i="1" smtClean="0">
-                                            <a:latin typeface="Cambria Math"/>
+                                            <a:latin typeface="Cambria Math" panose="02040503050406030204" pitchFamily="18" charset="0"/>
                                           </a:rPr>
                                         </m:ctrlPr>
                                       </m:mPr>
@@ -10933,28 +12947,10 @@
                                             <m:t>p</m:t>
                                           </m:r>
                                           <m:r>
-                                            <m:rPr>
-                                              <m:brk m:alnAt="7"/>
-                                            </m:rPr>
                                             <a:rPr lang="en-US" b="0" i="0" smtClean="0">
                                               <a:latin typeface="Cambria Math"/>
                                             </a:rPr>
-                                            <m:t>1</m:t>
-                                          </m:r>
-                                          <m:r>
-                                            <m:rPr>
-                                              <m:brk m:alnAt="7"/>
-                                            </m:rPr>
-                                            <a:rPr lang="en-US" b="0" i="0" smtClean="0">
-                                              <a:latin typeface="Cambria Math"/>
-                                            </a:rPr>
-                                            <m:t> </m:t>
-                                          </m:r>
-                                          <m:r>
-                                            <a:rPr lang="en-US" b="0" i="0" smtClean="0">
-                                              <a:latin typeface="Cambria Math"/>
-                                            </a:rPr>
-                                            <m:t>       </m:t>
+                                            <m:t>1        </m:t>
                                           </m:r>
                                           <m:r>
                                             <m:rPr>
@@ -10988,19 +12984,7 @@
                                             <a:rPr lang="en-US" b="0" i="0" smtClean="0">
                                               <a:latin typeface="Cambria Math"/>
                                             </a:rPr>
-                                            <m:t>2</m:t>
-                                          </m:r>
-                                          <m:r>
-                                            <a:rPr lang="en-US" b="0" i="0" smtClean="0">
-                                              <a:latin typeface="Cambria Math"/>
-                                            </a:rPr>
-                                            <m:t>          </m:t>
-                                          </m:r>
-                                          <m:r>
-                                            <a:rPr lang="en-US" b="0" i="0" smtClean="0">
-                                              <a:latin typeface="Cambria Math"/>
-                                            </a:rPr>
-                                            <m:t>90</m:t>
+                                            <m:t>2          90</m:t>
                                           </m:r>
                                         </m:e>
                                       </m:mr>
@@ -11019,19 +13003,7 @@
                                             <a:rPr lang="en-US" b="0" i="0" smtClean="0">
                                               <a:latin typeface="Cambria Math"/>
                                             </a:rPr>
-                                            <m:t>3</m:t>
-                                          </m:r>
-                                          <m:r>
-                                            <a:rPr lang="en-US" b="0" i="0" smtClean="0">
-                                              <a:latin typeface="Cambria Math"/>
-                                            </a:rPr>
-                                            <m:t>          </m:t>
-                                          </m:r>
-                                          <m:r>
-                                            <a:rPr lang="en-US" b="0" i="0" smtClean="0">
-                                              <a:latin typeface="Cambria Math"/>
-                                            </a:rPr>
-                                            <m:t>50</m:t>
+                                            <m:t>3          50</m:t>
                                           </m:r>
                                         </m:e>
                                       </m:mr>
@@ -11081,7 +13053,7 @@
                                     <m:endChr m:val="}"/>
                                     <m:ctrlPr>
                                       <a:rPr lang="en-US" i="1" smtClean="0">
-                                        <a:latin typeface="Cambria Math"/>
+                                        <a:latin typeface="Cambria Math" panose="02040503050406030204" pitchFamily="18" charset="0"/>
                                       </a:rPr>
                                     </m:ctrlPr>
                                   </m:dPr>
@@ -11098,7 +13070,7 @@
                                         </m:mcs>
                                         <m:ctrlPr>
                                           <a:rPr lang="en-US" i="1" smtClean="0">
-                                            <a:latin typeface="Cambria Math"/>
+                                            <a:latin typeface="Cambria Math" panose="02040503050406030204" pitchFamily="18" charset="0"/>
                                           </a:rPr>
                                         </m:ctrlPr>
                                       </m:mPr>
@@ -11115,28 +13087,10 @@
                                             <m:t>p</m:t>
                                           </m:r>
                                           <m:r>
-                                            <m:rPr>
-                                              <m:brk m:alnAt="7"/>
-                                            </m:rPr>
                                             <a:rPr lang="en-US" b="0" i="0" smtClean="0">
                                               <a:latin typeface="Cambria Math"/>
                                             </a:rPr>
-                                            <m:t>1</m:t>
-                                          </m:r>
-                                          <m:r>
-                                            <m:rPr>
-                                              <m:brk m:alnAt="7"/>
-                                            </m:rPr>
-                                            <a:rPr lang="en-US" b="0" i="0" smtClean="0">
-                                              <a:latin typeface="Cambria Math"/>
-                                            </a:rPr>
-                                            <m:t> </m:t>
-                                          </m:r>
-                                          <m:r>
-                                            <a:rPr lang="en-US" b="0" i="0" smtClean="0">
-                                              <a:latin typeface="Cambria Math"/>
-                                            </a:rPr>
-                                            <m:t>         </m:t>
+                                            <m:t>1          </m:t>
                                           </m:r>
                                           <m:r>
                                             <m:rPr>
@@ -11170,19 +13124,7 @@
                                             <a:rPr lang="en-US" b="0" i="0" smtClean="0">
                                               <a:latin typeface="Cambria Math"/>
                                             </a:rPr>
-                                            <m:t>2</m:t>
-                                          </m:r>
-                                          <m:r>
-                                            <a:rPr lang="en-US" b="0" i="0" smtClean="0">
-                                              <a:latin typeface="Cambria Math"/>
-                                            </a:rPr>
-                                            <m:t>          </m:t>
-                                          </m:r>
-                                          <m:r>
-                                            <a:rPr lang="en-US" b="0" i="0" smtClean="0">
-                                              <a:latin typeface="Cambria Math"/>
-                                            </a:rPr>
-                                            <m:t>90</m:t>
+                                            <m:t>2          90</m:t>
                                           </m:r>
                                         </m:e>
                                       </m:mr>
@@ -12324,9 +14266,6 @@
                     <p:cTn id="3" fill="hold">
                       <p:stCondLst>
                         <p:cond delay="indefinite"/>
-                        <p:cond evt="onBegin" delay="0">
-                          <p:tn val="2"/>
-                        </p:cond>
                       </p:stCondLst>
                       <p:childTnLst>
                         <p:par>
@@ -12336,7 +14275,7 @@
                             </p:stCondLst>
                             <p:childTnLst>
                               <p:par>
-                                <p:cTn id="5" presetID="10" presetClass="entr" presetSubtype="0" fill="hold" nodeType="withEffect">
+                                <p:cTn id="5" presetID="10" presetClass="entr" presetSubtype="0" fill="hold" nodeType="clickEffect">
                                   <p:stCondLst>
                                     <p:cond delay="0"/>
                                   </p:stCondLst>
@@ -12370,15 +14309,68 @@
                                   </p:childTnLst>
                                 </p:cTn>
                               </p:par>
+                            </p:childTnLst>
+                          </p:cTn>
+                        </p:par>
+                      </p:childTnLst>
+                    </p:cTn>
+                  </p:par>
+                  <p:par>
+                    <p:cTn id="8" fill="hold">
+                      <p:stCondLst>
+                        <p:cond delay="indefinite"/>
+                      </p:stCondLst>
+                      <p:childTnLst>
+                        <p:par>
+                          <p:cTn id="9" fill="hold">
+                            <p:stCondLst>
+                              <p:cond delay="0"/>
+                            </p:stCondLst>
+                            <p:childTnLst>
                               <p:par>
-                                <p:cTn id="8" presetID="10" presetClass="entr" presetSubtype="0" fill="hold" grpId="0" nodeType="withEffect">
+                                <p:cTn id="10" presetID="10" presetClass="entr" presetSubtype="0" fill="hold" nodeType="clickEffect">
                                   <p:stCondLst>
                                     <p:cond delay="0"/>
                                   </p:stCondLst>
                                   <p:childTnLst>
                                     <p:set>
                                       <p:cBhvr>
-                                        <p:cTn id="9" dur="1" fill="hold">
+                                        <p:cTn id="11" dur="1" fill="hold">
+                                          <p:stCondLst>
+                                            <p:cond delay="0"/>
+                                          </p:stCondLst>
+                                        </p:cTn>
+                                        <p:tgtEl>
+                                          <p:spTgt spid="12"/>
+                                        </p:tgtEl>
+                                        <p:attrNameLst>
+                                          <p:attrName>style.visibility</p:attrName>
+                                        </p:attrNameLst>
+                                      </p:cBhvr>
+                                      <p:to>
+                                        <p:strVal val="visible"/>
+                                      </p:to>
+                                    </p:set>
+                                    <p:animEffect transition="in" filter="fade">
+                                      <p:cBhvr>
+                                        <p:cTn id="12" dur="500"/>
+                                        <p:tgtEl>
+                                          <p:spTgt spid="12"/>
+                                        </p:tgtEl>
+                                      </p:cBhvr>
+                                    </p:animEffect>
+                                  </p:childTnLst>
+                                </p:cTn>
+                              </p:par>
+                              <p:par>
+                                <p:cTn id="13" presetID="10" presetClass="entr" presetSubtype="0" fill="hold" grpId="0" nodeType="withEffect">
+                                  <p:stCondLst>
+                                    <p:cond delay="0"/>
+                                  </p:stCondLst>
+                                  <p:childTnLst>
+                                    <p:set>
+                                      <p:cBhvr>
+                                        <p:cTn id="14" dur="1" fill="hold">
                                           <p:stCondLst>
                                             <p:cond delay="0"/>
                                           </p:stCondLst>
@@ -12396,7 +14388,7 @@
                                     </p:set>
                                     <p:animEffect transition="in" filter="fade">
                                       <p:cBhvr>
-                                        <p:cTn id="10" dur="500"/>
+                                        <p:cTn id="15" dur="500"/>
                                         <p:tgtEl>
                                           <p:spTgt spid="5"/>
                                         </p:tgtEl>
@@ -12406,14 +14398,14 @@
                                 </p:cTn>
                               </p:par>
                               <p:par>
-                                <p:cTn id="11" presetID="10" presetClass="entr" presetSubtype="0" fill="hold" nodeType="withEffect">
+                                <p:cTn id="16" presetID="10" presetClass="entr" presetSubtype="0" fill="hold" nodeType="withEffect">
                                   <p:stCondLst>
                                     <p:cond delay="0"/>
                                   </p:stCondLst>
                                   <p:childTnLst>
                                     <p:set>
                                       <p:cBhvr>
-                                        <p:cTn id="12" dur="1" fill="hold">
+                                        <p:cTn id="17" dur="1" fill="hold">
                                           <p:stCondLst>
                                             <p:cond delay="0"/>
                                           </p:stCondLst>
@@ -12431,7 +14423,7 @@
                                     </p:set>
                                     <p:animEffect transition="in" filter="fade">
                                       <p:cBhvr>
-                                        <p:cTn id="13" dur="500"/>
+                                        <p:cTn id="18" dur="500"/>
                                         <p:tgtEl>
                                           <p:spTgt spid="26"/>
                                         </p:tgtEl>
@@ -12447,26 +14439,26 @@
                     </p:cTn>
                   </p:par>
                   <p:par>
-                    <p:cTn id="14" fill="hold">
+                    <p:cTn id="19" fill="hold">
                       <p:stCondLst>
                         <p:cond delay="indefinite"/>
                       </p:stCondLst>
                       <p:childTnLst>
                         <p:par>
-                          <p:cTn id="15" fill="hold">
+                          <p:cTn id="20" fill="hold">
                             <p:stCondLst>
                               <p:cond delay="0"/>
                             </p:stCondLst>
                             <p:childTnLst>
                               <p:par>
-                                <p:cTn id="16" presetID="10" presetClass="entr" presetSubtype="0" fill="hold" nodeType="clickEffect">
+                                <p:cTn id="21" presetID="10" presetClass="entr" presetSubtype="0" fill="hold" nodeType="clickEffect">
                                   <p:stCondLst>
                                     <p:cond delay="0"/>
                                   </p:stCondLst>
                                   <p:childTnLst>
                                     <p:set>
                                       <p:cBhvr>
-                                        <p:cTn id="17" dur="1" fill="hold">
+                                        <p:cTn id="22" dur="1" fill="hold">
                                           <p:stCondLst>
                                             <p:cond delay="0"/>
                                           </p:stCondLst>
@@ -12484,7 +14476,7 @@
                                     </p:set>
                                     <p:animEffect transition="in" filter="fade">
                                       <p:cBhvr>
-                                        <p:cTn id="18" dur="500"/>
+                                        <p:cTn id="23" dur="500"/>
                                         <p:tgtEl>
                                           <p:spTgt spid="6"/>
                                         </p:tgtEl>
@@ -12493,24 +14485,15 @@
                                   </p:childTnLst>
                                 </p:cTn>
                               </p:par>
-                            </p:childTnLst>
-                          </p:cTn>
-                        </p:par>
-                        <p:par>
-                          <p:cTn id="19" fill="hold">
-                            <p:stCondLst>
-                              <p:cond delay="500"/>
-                            </p:stCondLst>
-                            <p:childTnLst>
                               <p:par>
-                                <p:cTn id="20" presetID="10" presetClass="entr" presetSubtype="0" fill="hold" nodeType="afterEffect">
+                                <p:cTn id="24" presetID="10" presetClass="entr" presetSubtype="0" fill="hold" nodeType="withEffect">
                                   <p:stCondLst>
                                     <p:cond delay="0"/>
                                   </p:stCondLst>
                                   <p:childTnLst>
                                     <p:set>
                                       <p:cBhvr>
-                                        <p:cTn id="21" dur="1" fill="hold">
+                                        <p:cTn id="25" dur="1" fill="hold">
                                           <p:stCondLst>
                                             <p:cond delay="0"/>
                                           </p:stCondLst>
@@ -12528,7 +14511,7 @@
                                     </p:set>
                                     <p:animEffect transition="in" filter="fade">
                                       <p:cBhvr>
-                                        <p:cTn id="22" dur="500"/>
+                                        <p:cTn id="26" dur="500"/>
                                         <p:tgtEl>
                                           <p:spTgt spid="13"/>
                                         </p:tgtEl>
@@ -12544,26 +14527,79 @@
                     </p:cTn>
                   </p:par>
                   <p:par>
-                    <p:cTn id="23" fill="hold">
+                    <p:cTn id="27" fill="hold">
                       <p:stCondLst>
                         <p:cond delay="indefinite"/>
                       </p:stCondLst>
                       <p:childTnLst>
                         <p:par>
-                          <p:cTn id="24" fill="hold">
+                          <p:cTn id="28" fill="hold">
                             <p:stCondLst>
                               <p:cond delay="0"/>
                             </p:stCondLst>
                             <p:childTnLst>
                               <p:par>
-                                <p:cTn id="25" presetID="10" presetClass="entr" presetSubtype="0" fill="hold" grpId="0" nodeType="clickEffect">
+                                <p:cTn id="29" presetID="10" presetClass="entr" presetSubtype="0" fill="hold" nodeType="clickEffect">
                                   <p:stCondLst>
                                     <p:cond delay="0"/>
                                   </p:stCondLst>
                                   <p:childTnLst>
                                     <p:set>
                                       <p:cBhvr>
-                                        <p:cTn id="26" dur="1" fill="hold">
+                                        <p:cTn id="30" dur="1" fill="hold">
+                                          <p:stCondLst>
+                                            <p:cond delay="0"/>
+                                          </p:stCondLst>
+                                        </p:cTn>
+                                        <p:tgtEl>
+                                          <p:spTgt spid="23"/>
+                                        </p:tgtEl>
+                                        <p:attrNameLst>
+                                          <p:attrName>style.visibility</p:attrName>
+                                        </p:attrNameLst>
+                                      </p:cBhvr>
+                                      <p:to>
+                                        <p:strVal val="visible"/>
+                                      </p:to>
+                                    </p:set>
+                                    <p:animEffect transition="in" filter="fade">
+                                      <p:cBhvr>
+                                        <p:cTn id="31" dur="500"/>
+                                        <p:tgtEl>
+                                          <p:spTgt spid="23"/>
+                                        </p:tgtEl>
+                                      </p:cBhvr>
+                                    </p:animEffect>
+                                  </p:childTnLst>
+                                </p:cTn>
+                              </p:par>
+                            </p:childTnLst>
+                          </p:cTn>
+                        </p:par>
+                      </p:childTnLst>
+                    </p:cTn>
+                  </p:par>
+                  <p:par>
+                    <p:cTn id="32" fill="hold">
+                      <p:stCondLst>
+                        <p:cond delay="indefinite"/>
+                      </p:stCondLst>
+                      <p:childTnLst>
+                        <p:par>
+                          <p:cTn id="33" fill="hold">
+                            <p:stCondLst>
+                              <p:cond delay="0"/>
+                            </p:stCondLst>
+                            <p:childTnLst>
+                              <p:par>
+                                <p:cTn id="34" presetID="10" presetClass="entr" presetSubtype="0" fill="hold" grpId="0" nodeType="clickEffect">
+                                  <p:stCondLst>
+                                    <p:cond delay="0"/>
+                                  </p:stCondLst>
+                                  <p:childTnLst>
+                                    <p:set>
+                                      <p:cBhvr>
+                                        <p:cTn id="35" dur="1" fill="hold">
                                           <p:stCondLst>
                                             <p:cond delay="0"/>
                                           </p:stCondLst>
@@ -12581,7 +14617,7 @@
                                     </p:set>
                                     <p:animEffect transition="in" filter="fade">
                                       <p:cBhvr>
-                                        <p:cTn id="27" dur="500"/>
+                                        <p:cTn id="36" dur="500"/>
                                         <p:tgtEl>
                                           <p:spTgt spid="17"/>
                                         </p:tgtEl>
@@ -12591,14 +14627,14 @@
                                 </p:cTn>
                               </p:par>
                               <p:par>
-                                <p:cTn id="28" presetID="10" presetClass="entr" presetSubtype="0" fill="hold" nodeType="withEffect">
+                                <p:cTn id="37" presetID="10" presetClass="entr" presetSubtype="0" fill="hold" nodeType="withEffect">
                                   <p:stCondLst>
                                     <p:cond delay="0"/>
                                   </p:stCondLst>
                                   <p:childTnLst>
                                     <p:set>
                                       <p:cBhvr>
-                                        <p:cTn id="29" dur="1" fill="hold">
+                                        <p:cTn id="38" dur="1" fill="hold">
                                           <p:stCondLst>
                                             <p:cond delay="0"/>
                                           </p:stCondLst>
@@ -12616,7 +14652,7 @@
                                     </p:set>
                                     <p:animEffect transition="in" filter="fade">
                                       <p:cBhvr>
-                                        <p:cTn id="30" dur="500"/>
+                                        <p:cTn id="39" dur="500"/>
                                         <p:tgtEl>
                                           <p:spTgt spid="27"/>
                                         </p:tgtEl>
@@ -12632,26 +14668,26 @@
                     </p:cTn>
                   </p:par>
                   <p:par>
-                    <p:cTn id="31" fill="hold">
+                    <p:cTn id="40" fill="hold">
                       <p:stCondLst>
                         <p:cond delay="indefinite"/>
                       </p:stCondLst>
                       <p:childTnLst>
                         <p:par>
-                          <p:cTn id="32" fill="hold">
+                          <p:cTn id="41" fill="hold">
                             <p:stCondLst>
                               <p:cond delay="0"/>
                             </p:stCondLst>
                             <p:childTnLst>
                               <p:par>
-                                <p:cTn id="33" presetID="22" presetClass="entr" presetSubtype="1" fill="hold" nodeType="clickEffect">
+                                <p:cTn id="42" presetID="22" presetClass="entr" presetSubtype="1" fill="hold" nodeType="clickEffect">
                                   <p:stCondLst>
                                     <p:cond delay="0"/>
                                   </p:stCondLst>
                                   <p:childTnLst>
                                     <p:set>
                                       <p:cBhvr>
-                                        <p:cTn id="34" dur="1" fill="hold">
+                                        <p:cTn id="43" dur="1" fill="hold">
                                           <p:stCondLst>
                                             <p:cond delay="0"/>
                                           </p:stCondLst>
@@ -12669,7 +14705,7 @@
                                     </p:set>
                                     <p:animEffect transition="in" filter="wipe(up)">
                                       <p:cBhvr>
-                                        <p:cTn id="35" dur="500"/>
+                                        <p:cTn id="44" dur="500"/>
                                         <p:tgtEl>
                                           <p:spTgt spid="18"/>
                                         </p:tgtEl>
@@ -12682,20 +14718,20 @@
                           </p:cTn>
                         </p:par>
                         <p:par>
-                          <p:cTn id="36" fill="hold">
+                          <p:cTn id="45" fill="hold">
                             <p:stCondLst>
                               <p:cond delay="500"/>
                             </p:stCondLst>
                             <p:childTnLst>
                               <p:par>
-                                <p:cTn id="37" presetID="10" presetClass="entr" presetSubtype="0" fill="hold" nodeType="afterEffect">
+                                <p:cTn id="46" presetID="10" presetClass="entr" presetSubtype="0" fill="hold" nodeType="afterEffect">
                                   <p:stCondLst>
                                     <p:cond delay="0"/>
                                   </p:stCondLst>
                                   <p:childTnLst>
                                     <p:set>
                                       <p:cBhvr>
-                                        <p:cTn id="38" dur="1" fill="hold">
+                                        <p:cTn id="47" dur="1" fill="hold">
                                           <p:stCondLst>
                                             <p:cond delay="0"/>
                                           </p:stCondLst>
@@ -12713,7 +14749,7 @@
                                     </p:set>
                                     <p:animEffect transition="in" filter="fade">
                                       <p:cBhvr>
-                                        <p:cTn id="39" dur="500"/>
+                                        <p:cTn id="48" dur="500"/>
                                         <p:tgtEl>
                                           <p:spTgt spid="19"/>
                                         </p:tgtEl>
@@ -12758,7 +14794,7 @@
 </file>
 
 <file path=ppt/slides/slide19.xml><?xml version="1.0" encoding="utf-8"?>
-<p:sld xmlns:a="http://schemas.openxmlformats.org/drawingml/2006/main" xmlns:r="http://schemas.openxmlformats.org/officeDocument/2006/relationships" xmlns:p="http://schemas.openxmlformats.org/presentationml/2006/main">
+<p:sld xmlns:a="http://schemas.openxmlformats.org/drawingml/2006/main" xmlns:r="http://schemas.openxmlformats.org/officeDocument/2006/relationships" xmlns:p="http://schemas.openxmlformats.org/presentationml/2006/main" showMasterPhAnim="0">
   <p:cSld>
     <p:spTree>
       <p:nvGrpSpPr>
@@ -13632,7 +15668,7 @@
                               <a:solidFill>
                                 <a:schemeClr val="tx1"/>
                               </a:solidFill>
-                              <a:latin typeface="Cambria Math"/>
+                              <a:latin typeface="Cambria Math" panose="02040503050406030204" pitchFamily="18" charset="0"/>
                             </a:rPr>
                           </m:ctrlPr>
                         </m:sSubPr>
@@ -13970,7 +16006,7 @@
                               <a:solidFill>
                                 <a:schemeClr val="tx1"/>
                               </a:solidFill>
-                              <a:latin typeface="Cambria Math"/>
+                              <a:latin typeface="Cambria Math" panose="02040503050406030204" pitchFamily="18" charset="0"/>
                             </a:rPr>
                           </m:ctrlPr>
                         </m:sSubPr>
@@ -14207,9 +16243,6 @@
                     <p:cTn id="3" fill="hold">
                       <p:stCondLst>
                         <p:cond delay="indefinite"/>
-                        <p:cond evt="onBegin" delay="0">
-                          <p:tn val="2"/>
-                        </p:cond>
                       </p:stCondLst>
                       <p:childTnLst>
                         <p:par>
@@ -14219,7 +16252,7 @@
                             </p:stCondLst>
                             <p:childTnLst>
                               <p:par>
-                                <p:cTn id="5" presetID="10" presetClass="entr" presetSubtype="0" fill="hold" nodeType="afterEffect">
+                                <p:cTn id="5" presetID="10" presetClass="entr" presetSubtype="0" fill="hold" grpId="0" nodeType="clickEffect">
                                   <p:stCondLst>
                                     <p:cond delay="0"/>
                                   </p:stCondLst>
@@ -14227,6 +16260,180 @@
                                     <p:set>
                                       <p:cBhvr>
                                         <p:cTn id="6" dur="1" fill="hold">
+                                          <p:stCondLst>
+                                            <p:cond delay="0"/>
+                                          </p:stCondLst>
+                                        </p:cTn>
+                                        <p:tgtEl>
+                                          <p:spTgt spid="3">
+                                            <p:txEl>
+                                              <p:pRg st="0" end="0"/>
+                                            </p:txEl>
+                                          </p:spTgt>
+                                        </p:tgtEl>
+                                        <p:attrNameLst>
+                                          <p:attrName>style.visibility</p:attrName>
+                                        </p:attrNameLst>
+                                      </p:cBhvr>
+                                      <p:to>
+                                        <p:strVal val="visible"/>
+                                      </p:to>
+                                    </p:set>
+                                    <p:animEffect transition="in" filter="fade">
+                                      <p:cBhvr>
+                                        <p:cTn id="7" dur="500"/>
+                                        <p:tgtEl>
+                                          <p:spTgt spid="3">
+                                            <p:txEl>
+                                              <p:pRg st="0" end="0"/>
+                                            </p:txEl>
+                                          </p:spTgt>
+                                        </p:tgtEl>
+                                      </p:cBhvr>
+                                    </p:animEffect>
+                                  </p:childTnLst>
+                                </p:cTn>
+                              </p:par>
+                            </p:childTnLst>
+                          </p:cTn>
+                        </p:par>
+                      </p:childTnLst>
+                    </p:cTn>
+                  </p:par>
+                  <p:par>
+                    <p:cTn id="8" fill="hold">
+                      <p:stCondLst>
+                        <p:cond delay="indefinite"/>
+                      </p:stCondLst>
+                      <p:childTnLst>
+                        <p:par>
+                          <p:cTn id="9" fill="hold">
+                            <p:stCondLst>
+                              <p:cond delay="0"/>
+                            </p:stCondLst>
+                            <p:childTnLst>
+                              <p:par>
+                                <p:cTn id="10" presetID="10" presetClass="entr" presetSubtype="0" fill="hold" grpId="0" nodeType="clickEffect">
+                                  <p:stCondLst>
+                                    <p:cond delay="0"/>
+                                  </p:stCondLst>
+                                  <p:childTnLst>
+                                    <p:set>
+                                      <p:cBhvr>
+                                        <p:cTn id="11" dur="1" fill="hold">
+                                          <p:stCondLst>
+                                            <p:cond delay="0"/>
+                                          </p:stCondLst>
+                                        </p:cTn>
+                                        <p:tgtEl>
+                                          <p:spTgt spid="3">
+                                            <p:txEl>
+                                              <p:pRg st="2" end="2"/>
+                                            </p:txEl>
+                                          </p:spTgt>
+                                        </p:tgtEl>
+                                        <p:attrNameLst>
+                                          <p:attrName>style.visibility</p:attrName>
+                                        </p:attrNameLst>
+                                      </p:cBhvr>
+                                      <p:to>
+                                        <p:strVal val="visible"/>
+                                      </p:to>
+                                    </p:set>
+                                    <p:animEffect transition="in" filter="fade">
+                                      <p:cBhvr>
+                                        <p:cTn id="12" dur="500"/>
+                                        <p:tgtEl>
+                                          <p:spTgt spid="3">
+                                            <p:txEl>
+                                              <p:pRg st="2" end="2"/>
+                                            </p:txEl>
+                                          </p:spTgt>
+                                        </p:tgtEl>
+                                      </p:cBhvr>
+                                    </p:animEffect>
+                                  </p:childTnLst>
+                                </p:cTn>
+                              </p:par>
+                              <p:par>
+                                <p:cTn id="13" presetID="10" presetClass="entr" presetSubtype="0" fill="hold" grpId="0" nodeType="withEffect">
+                                  <p:stCondLst>
+                                    <p:cond delay="0"/>
+                                  </p:stCondLst>
+                                  <p:childTnLst>
+                                    <p:set>
+                                      <p:cBhvr>
+                                        <p:cTn id="14" dur="1" fill="hold">
+                                          <p:stCondLst>
+                                            <p:cond delay="0"/>
+                                          </p:stCondLst>
+                                        </p:cTn>
+                                        <p:tgtEl>
+                                          <p:spTgt spid="7"/>
+                                        </p:tgtEl>
+                                        <p:attrNameLst>
+                                          <p:attrName>style.visibility</p:attrName>
+                                        </p:attrNameLst>
+                                      </p:cBhvr>
+                                      <p:to>
+                                        <p:strVal val="visible"/>
+                                      </p:to>
+                                    </p:set>
+                                    <p:animEffect transition="in" filter="fade">
+                                      <p:cBhvr>
+                                        <p:cTn id="15" dur="500"/>
+                                        <p:tgtEl>
+                                          <p:spTgt spid="7"/>
+                                        </p:tgtEl>
+                                      </p:cBhvr>
+                                    </p:animEffect>
+                                  </p:childTnLst>
+                                </p:cTn>
+                              </p:par>
+                              <p:par>
+                                <p:cTn id="16" presetID="10" presetClass="entr" presetSubtype="0" fill="hold" grpId="0" nodeType="withEffect">
+                                  <p:stCondLst>
+                                    <p:cond delay="0"/>
+                                  </p:stCondLst>
+                                  <p:childTnLst>
+                                    <p:set>
+                                      <p:cBhvr>
+                                        <p:cTn id="17" dur="1" fill="hold">
+                                          <p:stCondLst>
+                                            <p:cond delay="0"/>
+                                          </p:stCondLst>
+                                        </p:cTn>
+                                        <p:tgtEl>
+                                          <p:spTgt spid="8"/>
+                                        </p:tgtEl>
+                                        <p:attrNameLst>
+                                          <p:attrName>style.visibility</p:attrName>
+                                        </p:attrNameLst>
+                                      </p:cBhvr>
+                                      <p:to>
+                                        <p:strVal val="visible"/>
+                                      </p:to>
+                                    </p:set>
+                                    <p:animEffect transition="in" filter="fade">
+                                      <p:cBhvr>
+                                        <p:cTn id="18" dur="500"/>
+                                        <p:tgtEl>
+                                          <p:spTgt spid="8"/>
+                                        </p:tgtEl>
+                                      </p:cBhvr>
+                                    </p:animEffect>
+                                  </p:childTnLst>
+                                </p:cTn>
+                              </p:par>
+                              <p:par>
+                                <p:cTn id="19" presetID="10" presetClass="entr" presetSubtype="0" fill="hold" nodeType="withEffect">
+                                  <p:stCondLst>
+                                    <p:cond delay="0"/>
+                                  </p:stCondLst>
+                                  <p:childTnLst>
+                                    <p:set>
+                                      <p:cBhvr>
+                                        <p:cTn id="20" dur="1" fill="hold">
                                           <p:stCondLst>
                                             <p:cond delay="0"/>
                                           </p:stCondLst>
@@ -14244,7 +16451,7 @@
                                     </p:set>
                                     <p:animEffect transition="in" filter="fade">
                                       <p:cBhvr>
-                                        <p:cTn id="7" dur="500"/>
+                                        <p:cTn id="21" dur="500"/>
                                         <p:tgtEl>
                                           <p:spTgt spid="9"/>
                                         </p:tgtEl>
@@ -14254,14 +16461,67 @@
                                 </p:cTn>
                               </p:par>
                               <p:par>
-                                <p:cTn id="8" presetID="10" presetClass="entr" presetSubtype="0" fill="hold" nodeType="withEffect">
+                                <p:cTn id="22" presetID="10" presetClass="entr" presetSubtype="0" fill="hold" grpId="0" nodeType="withEffect">
                                   <p:stCondLst>
                                     <p:cond delay="0"/>
                                   </p:stCondLst>
                                   <p:childTnLst>
                                     <p:set>
                                       <p:cBhvr>
-                                        <p:cTn id="9" dur="1" fill="hold">
+                                        <p:cTn id="23" dur="1" fill="hold">
+                                          <p:stCondLst>
+                                            <p:cond delay="0"/>
+                                          </p:stCondLst>
+                                        </p:cTn>
+                                        <p:tgtEl>
+                                          <p:spTgt spid="24"/>
+                                        </p:tgtEl>
+                                        <p:attrNameLst>
+                                          <p:attrName>style.visibility</p:attrName>
+                                        </p:attrNameLst>
+                                      </p:cBhvr>
+                                      <p:to>
+                                        <p:strVal val="visible"/>
+                                      </p:to>
+                                    </p:set>
+                                    <p:animEffect transition="in" filter="fade">
+                                      <p:cBhvr>
+                                        <p:cTn id="24" dur="500"/>
+                                        <p:tgtEl>
+                                          <p:spTgt spid="24"/>
+                                        </p:tgtEl>
+                                      </p:cBhvr>
+                                    </p:animEffect>
+                                  </p:childTnLst>
+                                </p:cTn>
+                              </p:par>
+                            </p:childTnLst>
+                          </p:cTn>
+                        </p:par>
+                      </p:childTnLst>
+                    </p:cTn>
+                  </p:par>
+                  <p:par>
+                    <p:cTn id="25" fill="hold">
+                      <p:stCondLst>
+                        <p:cond delay="indefinite"/>
+                      </p:stCondLst>
+                      <p:childTnLst>
+                        <p:par>
+                          <p:cTn id="26" fill="hold">
+                            <p:stCondLst>
+                              <p:cond delay="0"/>
+                            </p:stCondLst>
+                            <p:childTnLst>
+                              <p:par>
+                                <p:cTn id="27" presetID="10" presetClass="entr" presetSubtype="0" fill="hold" nodeType="clickEffect">
+                                  <p:stCondLst>
+                                    <p:cond delay="0"/>
+                                  </p:stCondLst>
+                                  <p:childTnLst>
+                                    <p:set>
+                                      <p:cBhvr>
+                                        <p:cTn id="28" dur="1" fill="hold">
                                           <p:stCondLst>
                                             <p:cond delay="0"/>
                                           </p:stCondLst>
@@ -14279,9 +16539,52 @@
                                     </p:set>
                                     <p:animEffect transition="in" filter="fade">
                                       <p:cBhvr>
-                                        <p:cTn id="10" dur="500"/>
+                                        <p:cTn id="29" dur="500"/>
                                         <p:tgtEl>
                                           <p:spTgt spid="25"/>
+                                        </p:tgtEl>
+                                      </p:cBhvr>
+                                    </p:animEffect>
+                                  </p:childTnLst>
+                                </p:cTn>
+                              </p:par>
+                              <p:par>
+                                <p:cTn id="30" presetID="10" presetClass="entr" presetSubtype="0" fill="hold" grpId="0" nodeType="withEffect">
+                                  <p:stCondLst>
+                                    <p:cond delay="0"/>
+                                  </p:stCondLst>
+                                  <p:childTnLst>
+                                    <p:set>
+                                      <p:cBhvr>
+                                        <p:cTn id="31" dur="1" fill="hold">
+                                          <p:stCondLst>
+                                            <p:cond delay="0"/>
+                                          </p:stCondLst>
+                                        </p:cTn>
+                                        <p:tgtEl>
+                                          <p:spTgt spid="3">
+                                            <p:txEl>
+                                              <p:pRg st="5" end="5"/>
+                                            </p:txEl>
+                                          </p:spTgt>
+                                        </p:tgtEl>
+                                        <p:attrNameLst>
+                                          <p:attrName>style.visibility</p:attrName>
+                                        </p:attrNameLst>
+                                      </p:cBhvr>
+                                      <p:to>
+                                        <p:strVal val="visible"/>
+                                      </p:to>
+                                    </p:set>
+                                    <p:animEffect transition="in" filter="fade">
+                                      <p:cBhvr>
+                                        <p:cTn id="32" dur="500"/>
+                                        <p:tgtEl>
+                                          <p:spTgt spid="3">
+                                            <p:txEl>
+                                              <p:pRg st="5" end="5"/>
+                                            </p:txEl>
+                                          </p:spTgt>
                                         </p:tgtEl>
                                       </p:cBhvr>
                                     </p:animEffect>
@@ -14295,26 +16598,69 @@
                     </p:cTn>
                   </p:par>
                   <p:par>
-                    <p:cTn id="11" fill="hold">
+                    <p:cTn id="33" fill="hold">
                       <p:stCondLst>
                         <p:cond delay="indefinite"/>
                       </p:stCondLst>
                       <p:childTnLst>
                         <p:par>
-                          <p:cTn id="12" fill="hold">
+                          <p:cTn id="34" fill="hold">
                             <p:stCondLst>
                               <p:cond delay="0"/>
                             </p:stCondLst>
                             <p:childTnLst>
                               <p:par>
-                                <p:cTn id="13" presetID="10" presetClass="entr" presetSubtype="0" fill="hold" nodeType="clickEffect">
+                                <p:cTn id="35" presetID="10" presetClass="entr" presetSubtype="0" fill="hold" grpId="0" nodeType="clickEffect">
                                   <p:stCondLst>
                                     <p:cond delay="0"/>
                                   </p:stCondLst>
                                   <p:childTnLst>
                                     <p:set>
                                       <p:cBhvr>
-                                        <p:cTn id="14" dur="1" fill="hold">
+                                        <p:cTn id="36" dur="1" fill="hold">
+                                          <p:stCondLst>
+                                            <p:cond delay="0"/>
+                                          </p:stCondLst>
+                                        </p:cTn>
+                                        <p:tgtEl>
+                                          <p:spTgt spid="3">
+                                            <p:txEl>
+                                              <p:pRg st="7" end="7"/>
+                                            </p:txEl>
+                                          </p:spTgt>
+                                        </p:tgtEl>
+                                        <p:attrNameLst>
+                                          <p:attrName>style.visibility</p:attrName>
+                                        </p:attrNameLst>
+                                      </p:cBhvr>
+                                      <p:to>
+                                        <p:strVal val="visible"/>
+                                      </p:to>
+                                    </p:set>
+                                    <p:animEffect transition="in" filter="fade">
+                                      <p:cBhvr>
+                                        <p:cTn id="37" dur="500"/>
+                                        <p:tgtEl>
+                                          <p:spTgt spid="3">
+                                            <p:txEl>
+                                              <p:pRg st="7" end="7"/>
+                                            </p:txEl>
+                                          </p:spTgt>
+                                        </p:tgtEl>
+                                      </p:cBhvr>
+                                    </p:animEffect>
+                                  </p:childTnLst>
+                                </p:cTn>
+                              </p:par>
+                              <p:par>
+                                <p:cTn id="38" presetID="10" presetClass="entr" presetSubtype="0" fill="hold" nodeType="withEffect">
+                                  <p:stCondLst>
+                                    <p:cond delay="0"/>
+                                  </p:stCondLst>
+                                  <p:childTnLst>
+                                    <p:set>
+                                      <p:cBhvr>
+                                        <p:cTn id="39" dur="1" fill="hold">
                                           <p:stCondLst>
                                             <p:cond delay="0"/>
                                           </p:stCondLst>
@@ -14332,7 +16678,7 @@
                                     </p:set>
                                     <p:animEffect transition="in" filter="fade">
                                       <p:cBhvr>
-                                        <p:cTn id="15" dur="500"/>
+                                        <p:cTn id="40" dur="500"/>
                                         <p:tgtEl>
                                           <p:spTgt spid="36"/>
                                         </p:tgtEl>
@@ -14348,26 +16694,26 @@
                     </p:cTn>
                   </p:par>
                   <p:par>
-                    <p:cTn id="16" fill="hold">
+                    <p:cTn id="41" fill="hold">
                       <p:stCondLst>
                         <p:cond delay="indefinite"/>
                       </p:stCondLst>
                       <p:childTnLst>
                         <p:par>
-                          <p:cTn id="17" fill="hold">
+                          <p:cTn id="42" fill="hold">
                             <p:stCondLst>
                               <p:cond delay="0"/>
                             </p:stCondLst>
                             <p:childTnLst>
                               <p:par>
-                                <p:cTn id="18" presetID="10" presetClass="entr" presetSubtype="0" fill="hold" nodeType="clickEffect">
+                                <p:cTn id="43" presetID="10" presetClass="entr" presetSubtype="0" fill="hold" nodeType="clickEffect">
                                   <p:stCondLst>
                                     <p:cond delay="0"/>
                                   </p:stCondLst>
                                   <p:childTnLst>
                                     <p:set>
                                       <p:cBhvr>
-                                        <p:cTn id="19" dur="1" fill="hold">
+                                        <p:cTn id="44" dur="1" fill="hold">
                                           <p:stCondLst>
                                             <p:cond delay="0"/>
                                           </p:stCondLst>
@@ -14385,7 +16731,7 @@
                                     </p:set>
                                     <p:animEffect transition="in" filter="fade">
                                       <p:cBhvr>
-                                        <p:cTn id="20" dur="500"/>
+                                        <p:cTn id="45" dur="500"/>
                                         <p:tgtEl>
                                           <p:spTgt spid="45"/>
                                         </p:tgtEl>
@@ -14421,12 +16767,18 @@
         </p:cTn>
       </p:par>
     </p:tnLst>
+    <p:bldLst>
+      <p:bldP spid="3" grpId="0" uiExpand="1" build="p"/>
+      <p:bldP spid="7" grpId="0" animBg="1"/>
+      <p:bldP spid="8" grpId="0"/>
+      <p:bldP spid="24" grpId="0" animBg="1"/>
+    </p:bldLst>
   </p:timing>
 </p:sld>
 </file>
 
 <file path=ppt/slides/slide2.xml><?xml version="1.0" encoding="utf-8"?>
-<p:sld xmlns:a="http://schemas.openxmlformats.org/drawingml/2006/main" xmlns:r="http://schemas.openxmlformats.org/officeDocument/2006/relationships" xmlns:p="http://schemas.openxmlformats.org/presentationml/2006/main">
+<p:sld xmlns:a="http://schemas.openxmlformats.org/drawingml/2006/main" xmlns:r="http://schemas.openxmlformats.org/officeDocument/2006/relationships" xmlns:p="http://schemas.openxmlformats.org/presentationml/2006/main" showMasterPhAnim="0">
   <p:cSld>
     <p:spTree>
       <p:nvGrpSpPr>
@@ -14870,15 +17222,901 @@
   <p:timing>
     <p:tnLst>
       <p:par>
-        <p:cTn id="1" dur="indefinite" restart="never" nodeType="tmRoot"/>
+        <p:cTn id="1" dur="indefinite" restart="never" nodeType="tmRoot">
+          <p:childTnLst>
+            <p:seq concurrent="1" nextAc="seek">
+              <p:cTn id="2" dur="indefinite" nodeType="mainSeq">
+                <p:childTnLst>
+                  <p:par>
+                    <p:cTn id="3" fill="hold">
+                      <p:stCondLst>
+                        <p:cond delay="indefinite"/>
+                      </p:stCondLst>
+                      <p:childTnLst>
+                        <p:par>
+                          <p:cTn id="4" fill="hold">
+                            <p:stCondLst>
+                              <p:cond delay="0"/>
+                            </p:stCondLst>
+                            <p:childTnLst>
+                              <p:par>
+                                <p:cTn id="5" presetID="10" presetClass="entr" presetSubtype="0" fill="hold" grpId="0" nodeType="clickEffect">
+                                  <p:stCondLst>
+                                    <p:cond delay="0"/>
+                                  </p:stCondLst>
+                                  <p:childTnLst>
+                                    <p:set>
+                                      <p:cBhvr>
+                                        <p:cTn id="6" dur="1" fill="hold">
+                                          <p:stCondLst>
+                                            <p:cond delay="0"/>
+                                          </p:stCondLst>
+                                        </p:cTn>
+                                        <p:tgtEl>
+                                          <p:spTgt spid="3">
+                                            <p:txEl>
+                                              <p:pRg st="0" end="0"/>
+                                            </p:txEl>
+                                          </p:spTgt>
+                                        </p:tgtEl>
+                                        <p:attrNameLst>
+                                          <p:attrName>style.visibility</p:attrName>
+                                        </p:attrNameLst>
+                                      </p:cBhvr>
+                                      <p:to>
+                                        <p:strVal val="visible"/>
+                                      </p:to>
+                                    </p:set>
+                                    <p:animEffect transition="in" filter="fade">
+                                      <p:cBhvr>
+                                        <p:cTn id="7" dur="500"/>
+                                        <p:tgtEl>
+                                          <p:spTgt spid="3">
+                                            <p:txEl>
+                                              <p:pRg st="0" end="0"/>
+                                            </p:txEl>
+                                          </p:spTgt>
+                                        </p:tgtEl>
+                                      </p:cBhvr>
+                                    </p:animEffect>
+                                  </p:childTnLst>
+                                </p:cTn>
+                              </p:par>
+                            </p:childTnLst>
+                          </p:cTn>
+                        </p:par>
+                      </p:childTnLst>
+                    </p:cTn>
+                  </p:par>
+                  <p:par>
+                    <p:cTn id="8" fill="hold">
+                      <p:stCondLst>
+                        <p:cond delay="indefinite"/>
+                      </p:stCondLst>
+                      <p:childTnLst>
+                        <p:par>
+                          <p:cTn id="9" fill="hold">
+                            <p:stCondLst>
+                              <p:cond delay="0"/>
+                            </p:stCondLst>
+                            <p:childTnLst>
+                              <p:par>
+                                <p:cTn id="10" presetID="10" presetClass="entr" presetSubtype="0" fill="hold" grpId="0" nodeType="clickEffect">
+                                  <p:stCondLst>
+                                    <p:cond delay="0"/>
+                                  </p:stCondLst>
+                                  <p:childTnLst>
+                                    <p:set>
+                                      <p:cBhvr>
+                                        <p:cTn id="11" dur="1" fill="hold">
+                                          <p:stCondLst>
+                                            <p:cond delay="0"/>
+                                          </p:stCondLst>
+                                        </p:cTn>
+                                        <p:tgtEl>
+                                          <p:spTgt spid="3">
+                                            <p:txEl>
+                                              <p:pRg st="1" end="1"/>
+                                            </p:txEl>
+                                          </p:spTgt>
+                                        </p:tgtEl>
+                                        <p:attrNameLst>
+                                          <p:attrName>style.visibility</p:attrName>
+                                        </p:attrNameLst>
+                                      </p:cBhvr>
+                                      <p:to>
+                                        <p:strVal val="visible"/>
+                                      </p:to>
+                                    </p:set>
+                                    <p:animEffect transition="in" filter="fade">
+                                      <p:cBhvr>
+                                        <p:cTn id="12" dur="500"/>
+                                        <p:tgtEl>
+                                          <p:spTgt spid="3">
+                                            <p:txEl>
+                                              <p:pRg st="1" end="1"/>
+                                            </p:txEl>
+                                          </p:spTgt>
+                                        </p:tgtEl>
+                                      </p:cBhvr>
+                                    </p:animEffect>
+                                  </p:childTnLst>
+                                </p:cTn>
+                              </p:par>
+                            </p:childTnLst>
+                          </p:cTn>
+                        </p:par>
+                      </p:childTnLst>
+                    </p:cTn>
+                  </p:par>
+                  <p:par>
+                    <p:cTn id="13" fill="hold">
+                      <p:stCondLst>
+                        <p:cond delay="indefinite"/>
+                      </p:stCondLst>
+                      <p:childTnLst>
+                        <p:par>
+                          <p:cTn id="14" fill="hold">
+                            <p:stCondLst>
+                              <p:cond delay="0"/>
+                            </p:stCondLst>
+                            <p:childTnLst>
+                              <p:par>
+                                <p:cTn id="15" presetID="10" presetClass="entr" presetSubtype="0" fill="hold" grpId="0" nodeType="clickEffect">
+                                  <p:stCondLst>
+                                    <p:cond delay="0"/>
+                                  </p:stCondLst>
+                                  <p:childTnLst>
+                                    <p:set>
+                                      <p:cBhvr>
+                                        <p:cTn id="16" dur="1" fill="hold">
+                                          <p:stCondLst>
+                                            <p:cond delay="0"/>
+                                          </p:stCondLst>
+                                        </p:cTn>
+                                        <p:tgtEl>
+                                          <p:spTgt spid="3">
+                                            <p:txEl>
+                                              <p:pRg st="2" end="2"/>
+                                            </p:txEl>
+                                          </p:spTgt>
+                                        </p:tgtEl>
+                                        <p:attrNameLst>
+                                          <p:attrName>style.visibility</p:attrName>
+                                        </p:attrNameLst>
+                                      </p:cBhvr>
+                                      <p:to>
+                                        <p:strVal val="visible"/>
+                                      </p:to>
+                                    </p:set>
+                                    <p:animEffect transition="in" filter="fade">
+                                      <p:cBhvr>
+                                        <p:cTn id="17" dur="500"/>
+                                        <p:tgtEl>
+                                          <p:spTgt spid="3">
+                                            <p:txEl>
+                                              <p:pRg st="2" end="2"/>
+                                            </p:txEl>
+                                          </p:spTgt>
+                                        </p:tgtEl>
+                                      </p:cBhvr>
+                                    </p:animEffect>
+                                  </p:childTnLst>
+                                </p:cTn>
+                              </p:par>
+                            </p:childTnLst>
+                          </p:cTn>
+                        </p:par>
+                      </p:childTnLst>
+                    </p:cTn>
+                  </p:par>
+                  <p:par>
+                    <p:cTn id="18" fill="hold">
+                      <p:stCondLst>
+                        <p:cond delay="indefinite"/>
+                      </p:stCondLst>
+                      <p:childTnLst>
+                        <p:par>
+                          <p:cTn id="19" fill="hold">
+                            <p:stCondLst>
+                              <p:cond delay="0"/>
+                            </p:stCondLst>
+                            <p:childTnLst>
+                              <p:par>
+                                <p:cTn id="20" presetID="10" presetClass="entr" presetSubtype="0" fill="hold" grpId="0" nodeType="clickEffect">
+                                  <p:stCondLst>
+                                    <p:cond delay="0"/>
+                                  </p:stCondLst>
+                                  <p:childTnLst>
+                                    <p:set>
+                                      <p:cBhvr>
+                                        <p:cTn id="21" dur="1" fill="hold">
+                                          <p:stCondLst>
+                                            <p:cond delay="0"/>
+                                          </p:stCondLst>
+                                        </p:cTn>
+                                        <p:tgtEl>
+                                          <p:spTgt spid="3">
+                                            <p:txEl>
+                                              <p:pRg st="3" end="3"/>
+                                            </p:txEl>
+                                          </p:spTgt>
+                                        </p:tgtEl>
+                                        <p:attrNameLst>
+                                          <p:attrName>style.visibility</p:attrName>
+                                        </p:attrNameLst>
+                                      </p:cBhvr>
+                                      <p:to>
+                                        <p:strVal val="visible"/>
+                                      </p:to>
+                                    </p:set>
+                                    <p:animEffect transition="in" filter="fade">
+                                      <p:cBhvr>
+                                        <p:cTn id="22" dur="500"/>
+                                        <p:tgtEl>
+                                          <p:spTgt spid="3">
+                                            <p:txEl>
+                                              <p:pRg st="3" end="3"/>
+                                            </p:txEl>
+                                          </p:spTgt>
+                                        </p:tgtEl>
+                                      </p:cBhvr>
+                                    </p:animEffect>
+                                  </p:childTnLst>
+                                </p:cTn>
+                              </p:par>
+                            </p:childTnLst>
+                          </p:cTn>
+                        </p:par>
+                      </p:childTnLst>
+                    </p:cTn>
+                  </p:par>
+                  <p:par>
+                    <p:cTn id="23" fill="hold">
+                      <p:stCondLst>
+                        <p:cond delay="indefinite"/>
+                      </p:stCondLst>
+                      <p:childTnLst>
+                        <p:par>
+                          <p:cTn id="24" fill="hold">
+                            <p:stCondLst>
+                              <p:cond delay="0"/>
+                            </p:stCondLst>
+                            <p:childTnLst>
+                              <p:par>
+                                <p:cTn id="25" presetID="10" presetClass="entr" presetSubtype="0" fill="hold" grpId="0" nodeType="clickEffect">
+                                  <p:stCondLst>
+                                    <p:cond delay="0"/>
+                                  </p:stCondLst>
+                                  <p:childTnLst>
+                                    <p:set>
+                                      <p:cBhvr>
+                                        <p:cTn id="26" dur="1" fill="hold">
+                                          <p:stCondLst>
+                                            <p:cond delay="0"/>
+                                          </p:stCondLst>
+                                        </p:cTn>
+                                        <p:tgtEl>
+                                          <p:spTgt spid="3">
+                                            <p:txEl>
+                                              <p:pRg st="4" end="4"/>
+                                            </p:txEl>
+                                          </p:spTgt>
+                                        </p:tgtEl>
+                                        <p:attrNameLst>
+                                          <p:attrName>style.visibility</p:attrName>
+                                        </p:attrNameLst>
+                                      </p:cBhvr>
+                                      <p:to>
+                                        <p:strVal val="visible"/>
+                                      </p:to>
+                                    </p:set>
+                                    <p:animEffect transition="in" filter="fade">
+                                      <p:cBhvr>
+                                        <p:cTn id="27" dur="500"/>
+                                        <p:tgtEl>
+                                          <p:spTgt spid="3">
+                                            <p:txEl>
+                                              <p:pRg st="4" end="4"/>
+                                            </p:txEl>
+                                          </p:spTgt>
+                                        </p:tgtEl>
+                                      </p:cBhvr>
+                                    </p:animEffect>
+                                  </p:childTnLst>
+                                </p:cTn>
+                              </p:par>
+                            </p:childTnLst>
+                          </p:cTn>
+                        </p:par>
+                      </p:childTnLst>
+                    </p:cTn>
+                  </p:par>
+                  <p:par>
+                    <p:cTn id="28" fill="hold">
+                      <p:stCondLst>
+                        <p:cond delay="indefinite"/>
+                      </p:stCondLst>
+                      <p:childTnLst>
+                        <p:par>
+                          <p:cTn id="29" fill="hold">
+                            <p:stCondLst>
+                              <p:cond delay="0"/>
+                            </p:stCondLst>
+                            <p:childTnLst>
+                              <p:par>
+                                <p:cTn id="30" presetID="10" presetClass="entr" presetSubtype="0" fill="hold" grpId="0" nodeType="clickEffect">
+                                  <p:stCondLst>
+                                    <p:cond delay="0"/>
+                                  </p:stCondLst>
+                                  <p:childTnLst>
+                                    <p:set>
+                                      <p:cBhvr>
+                                        <p:cTn id="31" dur="1" fill="hold">
+                                          <p:stCondLst>
+                                            <p:cond delay="0"/>
+                                          </p:stCondLst>
+                                        </p:cTn>
+                                        <p:tgtEl>
+                                          <p:spTgt spid="3">
+                                            <p:txEl>
+                                              <p:pRg st="5" end="5"/>
+                                            </p:txEl>
+                                          </p:spTgt>
+                                        </p:tgtEl>
+                                        <p:attrNameLst>
+                                          <p:attrName>style.visibility</p:attrName>
+                                        </p:attrNameLst>
+                                      </p:cBhvr>
+                                      <p:to>
+                                        <p:strVal val="visible"/>
+                                      </p:to>
+                                    </p:set>
+                                    <p:animEffect transition="in" filter="fade">
+                                      <p:cBhvr>
+                                        <p:cTn id="32" dur="500"/>
+                                        <p:tgtEl>
+                                          <p:spTgt spid="3">
+                                            <p:txEl>
+                                              <p:pRg st="5" end="5"/>
+                                            </p:txEl>
+                                          </p:spTgt>
+                                        </p:tgtEl>
+                                      </p:cBhvr>
+                                    </p:animEffect>
+                                  </p:childTnLst>
+                                </p:cTn>
+                              </p:par>
+                            </p:childTnLst>
+                          </p:cTn>
+                        </p:par>
+                      </p:childTnLst>
+                    </p:cTn>
+                  </p:par>
+                  <p:par>
+                    <p:cTn id="33" fill="hold">
+                      <p:stCondLst>
+                        <p:cond delay="indefinite"/>
+                      </p:stCondLst>
+                      <p:childTnLst>
+                        <p:par>
+                          <p:cTn id="34" fill="hold">
+                            <p:stCondLst>
+                              <p:cond delay="0"/>
+                            </p:stCondLst>
+                            <p:childTnLst>
+                              <p:par>
+                                <p:cTn id="35" presetID="10" presetClass="entr" presetSubtype="0" fill="hold" grpId="0" nodeType="clickEffect">
+                                  <p:stCondLst>
+                                    <p:cond delay="0"/>
+                                  </p:stCondLst>
+                                  <p:childTnLst>
+                                    <p:set>
+                                      <p:cBhvr>
+                                        <p:cTn id="36" dur="1" fill="hold">
+                                          <p:stCondLst>
+                                            <p:cond delay="0"/>
+                                          </p:stCondLst>
+                                        </p:cTn>
+                                        <p:tgtEl>
+                                          <p:spTgt spid="3">
+                                            <p:txEl>
+                                              <p:pRg st="6" end="6"/>
+                                            </p:txEl>
+                                          </p:spTgt>
+                                        </p:tgtEl>
+                                        <p:attrNameLst>
+                                          <p:attrName>style.visibility</p:attrName>
+                                        </p:attrNameLst>
+                                      </p:cBhvr>
+                                      <p:to>
+                                        <p:strVal val="visible"/>
+                                      </p:to>
+                                    </p:set>
+                                    <p:animEffect transition="in" filter="fade">
+                                      <p:cBhvr>
+                                        <p:cTn id="37" dur="500"/>
+                                        <p:tgtEl>
+                                          <p:spTgt spid="3">
+                                            <p:txEl>
+                                              <p:pRg st="6" end="6"/>
+                                            </p:txEl>
+                                          </p:spTgt>
+                                        </p:tgtEl>
+                                      </p:cBhvr>
+                                    </p:animEffect>
+                                  </p:childTnLst>
+                                </p:cTn>
+                              </p:par>
+                            </p:childTnLst>
+                          </p:cTn>
+                        </p:par>
+                      </p:childTnLst>
+                    </p:cTn>
+                  </p:par>
+                  <p:par>
+                    <p:cTn id="38" fill="hold">
+                      <p:stCondLst>
+                        <p:cond delay="indefinite"/>
+                      </p:stCondLst>
+                      <p:childTnLst>
+                        <p:par>
+                          <p:cTn id="39" fill="hold">
+                            <p:stCondLst>
+                              <p:cond delay="0"/>
+                            </p:stCondLst>
+                            <p:childTnLst>
+                              <p:par>
+                                <p:cTn id="40" presetID="10" presetClass="entr" presetSubtype="0" fill="hold" grpId="0" nodeType="clickEffect">
+                                  <p:stCondLst>
+                                    <p:cond delay="0"/>
+                                  </p:stCondLst>
+                                  <p:childTnLst>
+                                    <p:set>
+                                      <p:cBhvr>
+                                        <p:cTn id="41" dur="1" fill="hold">
+                                          <p:stCondLst>
+                                            <p:cond delay="0"/>
+                                          </p:stCondLst>
+                                        </p:cTn>
+                                        <p:tgtEl>
+                                          <p:spTgt spid="3">
+                                            <p:txEl>
+                                              <p:pRg st="7" end="7"/>
+                                            </p:txEl>
+                                          </p:spTgt>
+                                        </p:tgtEl>
+                                        <p:attrNameLst>
+                                          <p:attrName>style.visibility</p:attrName>
+                                        </p:attrNameLst>
+                                      </p:cBhvr>
+                                      <p:to>
+                                        <p:strVal val="visible"/>
+                                      </p:to>
+                                    </p:set>
+                                    <p:animEffect transition="in" filter="fade">
+                                      <p:cBhvr>
+                                        <p:cTn id="42" dur="500"/>
+                                        <p:tgtEl>
+                                          <p:spTgt spid="3">
+                                            <p:txEl>
+                                              <p:pRg st="7" end="7"/>
+                                            </p:txEl>
+                                          </p:spTgt>
+                                        </p:tgtEl>
+                                      </p:cBhvr>
+                                    </p:animEffect>
+                                  </p:childTnLst>
+                                </p:cTn>
+                              </p:par>
+                            </p:childTnLst>
+                          </p:cTn>
+                        </p:par>
+                      </p:childTnLst>
+                    </p:cTn>
+                  </p:par>
+                  <p:par>
+                    <p:cTn id="43" fill="hold">
+                      <p:stCondLst>
+                        <p:cond delay="indefinite"/>
+                      </p:stCondLst>
+                      <p:childTnLst>
+                        <p:par>
+                          <p:cTn id="44" fill="hold">
+                            <p:stCondLst>
+                              <p:cond delay="0"/>
+                            </p:stCondLst>
+                            <p:childTnLst>
+                              <p:par>
+                                <p:cTn id="45" presetID="10" presetClass="entr" presetSubtype="0" fill="hold" grpId="0" nodeType="clickEffect">
+                                  <p:stCondLst>
+                                    <p:cond delay="0"/>
+                                  </p:stCondLst>
+                                  <p:childTnLst>
+                                    <p:set>
+                                      <p:cBhvr>
+                                        <p:cTn id="46" dur="1" fill="hold">
+                                          <p:stCondLst>
+                                            <p:cond delay="0"/>
+                                          </p:stCondLst>
+                                        </p:cTn>
+                                        <p:tgtEl>
+                                          <p:spTgt spid="3">
+                                            <p:txEl>
+                                              <p:pRg st="8" end="8"/>
+                                            </p:txEl>
+                                          </p:spTgt>
+                                        </p:tgtEl>
+                                        <p:attrNameLst>
+                                          <p:attrName>style.visibility</p:attrName>
+                                        </p:attrNameLst>
+                                      </p:cBhvr>
+                                      <p:to>
+                                        <p:strVal val="visible"/>
+                                      </p:to>
+                                    </p:set>
+                                    <p:animEffect transition="in" filter="fade">
+                                      <p:cBhvr>
+                                        <p:cTn id="47" dur="500"/>
+                                        <p:tgtEl>
+                                          <p:spTgt spid="3">
+                                            <p:txEl>
+                                              <p:pRg st="8" end="8"/>
+                                            </p:txEl>
+                                          </p:spTgt>
+                                        </p:tgtEl>
+                                      </p:cBhvr>
+                                    </p:animEffect>
+                                  </p:childTnLst>
+                                </p:cTn>
+                              </p:par>
+                            </p:childTnLst>
+                          </p:cTn>
+                        </p:par>
+                      </p:childTnLst>
+                    </p:cTn>
+                  </p:par>
+                  <p:par>
+                    <p:cTn id="48" fill="hold">
+                      <p:stCondLst>
+                        <p:cond delay="indefinite"/>
+                      </p:stCondLst>
+                      <p:childTnLst>
+                        <p:par>
+                          <p:cTn id="49" fill="hold">
+                            <p:stCondLst>
+                              <p:cond delay="0"/>
+                            </p:stCondLst>
+                            <p:childTnLst>
+                              <p:par>
+                                <p:cTn id="50" presetID="10" presetClass="entr" presetSubtype="0" fill="hold" grpId="0" nodeType="clickEffect">
+                                  <p:stCondLst>
+                                    <p:cond delay="0"/>
+                                  </p:stCondLst>
+                                  <p:childTnLst>
+                                    <p:set>
+                                      <p:cBhvr>
+                                        <p:cTn id="51" dur="1" fill="hold">
+                                          <p:stCondLst>
+                                            <p:cond delay="0"/>
+                                          </p:stCondLst>
+                                        </p:cTn>
+                                        <p:tgtEl>
+                                          <p:spTgt spid="4"/>
+                                        </p:tgtEl>
+                                        <p:attrNameLst>
+                                          <p:attrName>style.visibility</p:attrName>
+                                        </p:attrNameLst>
+                                      </p:cBhvr>
+                                      <p:to>
+                                        <p:strVal val="visible"/>
+                                      </p:to>
+                                    </p:set>
+                                    <p:animEffect transition="in" filter="fade">
+                                      <p:cBhvr>
+                                        <p:cTn id="52" dur="500"/>
+                                        <p:tgtEl>
+                                          <p:spTgt spid="4"/>
+                                        </p:tgtEl>
+                                      </p:cBhvr>
+                                    </p:animEffect>
+                                  </p:childTnLst>
+                                </p:cTn>
+                              </p:par>
+                              <p:par>
+                                <p:cTn id="53" presetID="10" presetClass="entr" presetSubtype="0" fill="hold" nodeType="withEffect">
+                                  <p:stCondLst>
+                                    <p:cond delay="0"/>
+                                  </p:stCondLst>
+                                  <p:childTnLst>
+                                    <p:set>
+                                      <p:cBhvr>
+                                        <p:cTn id="54" dur="1" fill="hold">
+                                          <p:stCondLst>
+                                            <p:cond delay="0"/>
+                                          </p:stCondLst>
+                                        </p:cTn>
+                                        <p:tgtEl>
+                                          <p:spTgt spid="8"/>
+                                        </p:tgtEl>
+                                        <p:attrNameLst>
+                                          <p:attrName>style.visibility</p:attrName>
+                                        </p:attrNameLst>
+                                      </p:cBhvr>
+                                      <p:to>
+                                        <p:strVal val="visible"/>
+                                      </p:to>
+                                    </p:set>
+                                    <p:animEffect transition="in" filter="fade">
+                                      <p:cBhvr>
+                                        <p:cTn id="55" dur="500"/>
+                                        <p:tgtEl>
+                                          <p:spTgt spid="8"/>
+                                        </p:tgtEl>
+                                      </p:cBhvr>
+                                    </p:animEffect>
+                                  </p:childTnLst>
+                                </p:cTn>
+                              </p:par>
+                              <p:par>
+                                <p:cTn id="56" presetID="10" presetClass="entr" presetSubtype="0" fill="hold" grpId="0" nodeType="withEffect">
+                                  <p:stCondLst>
+                                    <p:cond delay="0"/>
+                                  </p:stCondLst>
+                                  <p:childTnLst>
+                                    <p:set>
+                                      <p:cBhvr>
+                                        <p:cTn id="57" dur="1" fill="hold">
+                                          <p:stCondLst>
+                                            <p:cond delay="0"/>
+                                          </p:stCondLst>
+                                        </p:cTn>
+                                        <p:tgtEl>
+                                          <p:spTgt spid="5"/>
+                                        </p:tgtEl>
+                                        <p:attrNameLst>
+                                          <p:attrName>style.visibility</p:attrName>
+                                        </p:attrNameLst>
+                                      </p:cBhvr>
+                                      <p:to>
+                                        <p:strVal val="visible"/>
+                                      </p:to>
+                                    </p:set>
+                                    <p:animEffect transition="in" filter="fade">
+                                      <p:cBhvr>
+                                        <p:cTn id="58" dur="500"/>
+                                        <p:tgtEl>
+                                          <p:spTgt spid="5"/>
+                                        </p:tgtEl>
+                                      </p:cBhvr>
+                                    </p:animEffect>
+                                  </p:childTnLst>
+                                </p:cTn>
+                              </p:par>
+                            </p:childTnLst>
+                          </p:cTn>
+                        </p:par>
+                      </p:childTnLst>
+                    </p:cTn>
+                  </p:par>
+                  <p:par>
+                    <p:cTn id="59" fill="hold">
+                      <p:stCondLst>
+                        <p:cond delay="indefinite"/>
+                      </p:stCondLst>
+                      <p:childTnLst>
+                        <p:par>
+                          <p:cTn id="60" fill="hold">
+                            <p:stCondLst>
+                              <p:cond delay="0"/>
+                            </p:stCondLst>
+                            <p:childTnLst>
+                              <p:par>
+                                <p:cTn id="61" presetID="10" presetClass="entr" presetSubtype="0" fill="hold" grpId="0" nodeType="clickEffect">
+                                  <p:stCondLst>
+                                    <p:cond delay="0"/>
+                                  </p:stCondLst>
+                                  <p:childTnLst>
+                                    <p:set>
+                                      <p:cBhvr>
+                                        <p:cTn id="62" dur="1" fill="hold">
+                                          <p:stCondLst>
+                                            <p:cond delay="0"/>
+                                          </p:stCondLst>
+                                        </p:cTn>
+                                        <p:tgtEl>
+                                          <p:spTgt spid="3">
+                                            <p:txEl>
+                                              <p:pRg st="9" end="9"/>
+                                            </p:txEl>
+                                          </p:spTgt>
+                                        </p:tgtEl>
+                                        <p:attrNameLst>
+                                          <p:attrName>style.visibility</p:attrName>
+                                        </p:attrNameLst>
+                                      </p:cBhvr>
+                                      <p:to>
+                                        <p:strVal val="visible"/>
+                                      </p:to>
+                                    </p:set>
+                                    <p:animEffect transition="in" filter="fade">
+                                      <p:cBhvr>
+                                        <p:cTn id="63" dur="500"/>
+                                        <p:tgtEl>
+                                          <p:spTgt spid="3">
+                                            <p:txEl>
+                                              <p:pRg st="9" end="9"/>
+                                            </p:txEl>
+                                          </p:spTgt>
+                                        </p:tgtEl>
+                                      </p:cBhvr>
+                                    </p:animEffect>
+                                  </p:childTnLst>
+                                </p:cTn>
+                              </p:par>
+                            </p:childTnLst>
+                          </p:cTn>
+                        </p:par>
+                      </p:childTnLst>
+                    </p:cTn>
+                  </p:par>
+                  <p:par>
+                    <p:cTn id="64" fill="hold">
+                      <p:stCondLst>
+                        <p:cond delay="indefinite"/>
+                      </p:stCondLst>
+                      <p:childTnLst>
+                        <p:par>
+                          <p:cTn id="65" fill="hold">
+                            <p:stCondLst>
+                              <p:cond delay="0"/>
+                            </p:stCondLst>
+                            <p:childTnLst>
+                              <p:par>
+                                <p:cTn id="66" presetID="10" presetClass="entr" presetSubtype="0" fill="hold" nodeType="clickEffect">
+                                  <p:stCondLst>
+                                    <p:cond delay="0"/>
+                                  </p:stCondLst>
+                                  <p:childTnLst>
+                                    <p:set>
+                                      <p:cBhvr>
+                                        <p:cTn id="67" dur="1" fill="hold">
+                                          <p:stCondLst>
+                                            <p:cond delay="0"/>
+                                          </p:stCondLst>
+                                        </p:cTn>
+                                        <p:tgtEl>
+                                          <p:spTgt spid="9"/>
+                                        </p:tgtEl>
+                                        <p:attrNameLst>
+                                          <p:attrName>style.visibility</p:attrName>
+                                        </p:attrNameLst>
+                                      </p:cBhvr>
+                                      <p:to>
+                                        <p:strVal val="visible"/>
+                                      </p:to>
+                                    </p:set>
+                                    <p:animEffect transition="in" filter="fade">
+                                      <p:cBhvr>
+                                        <p:cTn id="68" dur="500"/>
+                                        <p:tgtEl>
+                                          <p:spTgt spid="9"/>
+                                        </p:tgtEl>
+                                      </p:cBhvr>
+                                    </p:animEffect>
+                                  </p:childTnLst>
+                                </p:cTn>
+                              </p:par>
+                              <p:par>
+                                <p:cTn id="69" presetID="10" presetClass="entr" presetSubtype="0" fill="hold" grpId="0" nodeType="withEffect">
+                                  <p:stCondLst>
+                                    <p:cond delay="0"/>
+                                  </p:stCondLst>
+                                  <p:childTnLst>
+                                    <p:set>
+                                      <p:cBhvr>
+                                        <p:cTn id="70" dur="1" fill="hold">
+                                          <p:stCondLst>
+                                            <p:cond delay="0"/>
+                                          </p:stCondLst>
+                                        </p:cTn>
+                                        <p:tgtEl>
+                                          <p:spTgt spid="6"/>
+                                        </p:tgtEl>
+                                        <p:attrNameLst>
+                                          <p:attrName>style.visibility</p:attrName>
+                                        </p:attrNameLst>
+                                      </p:cBhvr>
+                                      <p:to>
+                                        <p:strVal val="visible"/>
+                                      </p:to>
+                                    </p:set>
+                                    <p:animEffect transition="in" filter="fade">
+                                      <p:cBhvr>
+                                        <p:cTn id="71" dur="500"/>
+                                        <p:tgtEl>
+                                          <p:spTgt spid="6"/>
+                                        </p:tgtEl>
+                                      </p:cBhvr>
+                                    </p:animEffect>
+                                  </p:childTnLst>
+                                </p:cTn>
+                              </p:par>
+                              <p:par>
+                                <p:cTn id="72" presetID="10" presetClass="entr" presetSubtype="0" fill="hold" grpId="0" nodeType="withEffect">
+                                  <p:stCondLst>
+                                    <p:cond delay="0"/>
+                                  </p:stCondLst>
+                                  <p:childTnLst>
+                                    <p:set>
+                                      <p:cBhvr>
+                                        <p:cTn id="73" dur="1" fill="hold">
+                                          <p:stCondLst>
+                                            <p:cond delay="0"/>
+                                          </p:stCondLst>
+                                        </p:cTn>
+                                        <p:tgtEl>
+                                          <p:spTgt spid="7"/>
+                                        </p:tgtEl>
+                                        <p:attrNameLst>
+                                          <p:attrName>style.visibility</p:attrName>
+                                        </p:attrNameLst>
+                                      </p:cBhvr>
+                                      <p:to>
+                                        <p:strVal val="visible"/>
+                                      </p:to>
+                                    </p:set>
+                                    <p:animEffect transition="in" filter="fade">
+                                      <p:cBhvr>
+                                        <p:cTn id="74" dur="500"/>
+                                        <p:tgtEl>
+                                          <p:spTgt spid="7"/>
+                                        </p:tgtEl>
+                                      </p:cBhvr>
+                                    </p:animEffect>
+                                  </p:childTnLst>
+                                </p:cTn>
+                              </p:par>
+                            </p:childTnLst>
+                          </p:cTn>
+                        </p:par>
+                      </p:childTnLst>
+                    </p:cTn>
+                  </p:par>
+                </p:childTnLst>
+              </p:cTn>
+              <p:prevCondLst>
+                <p:cond evt="onPrev" delay="0">
+                  <p:tgtEl>
+                    <p:sldTgt/>
+                  </p:tgtEl>
+                </p:cond>
+              </p:prevCondLst>
+              <p:nextCondLst>
+                <p:cond evt="onNext" delay="0">
+                  <p:tgtEl>
+                    <p:sldTgt/>
+                  </p:tgtEl>
+                </p:cond>
+              </p:nextCondLst>
+            </p:seq>
+          </p:childTnLst>
+        </p:cTn>
       </p:par>
     </p:tnLst>
+    <p:bldLst>
+      <p:bldP spid="3" grpId="0" uiExpand="1" build="p"/>
+      <p:bldP spid="4" grpId="0" animBg="1"/>
+      <p:bldP spid="5" grpId="0"/>
+      <p:bldP spid="6" grpId="0" animBg="1"/>
+      <p:bldP spid="7" grpId="0"/>
+    </p:bldLst>
   </p:timing>
 </p:sld>
 </file>
 
 <file path=ppt/slides/slide20.xml><?xml version="1.0" encoding="utf-8"?>
-<p:sld xmlns:a="http://schemas.openxmlformats.org/drawingml/2006/main" xmlns:r="http://schemas.openxmlformats.org/officeDocument/2006/relationships" xmlns:p="http://schemas.openxmlformats.org/presentationml/2006/main">
+<p:sld xmlns:a="http://schemas.openxmlformats.org/drawingml/2006/main" xmlns:r="http://schemas.openxmlformats.org/officeDocument/2006/relationships" xmlns:p="http://schemas.openxmlformats.org/presentationml/2006/main" showMasterPhAnim="0">
   <p:cSld>
     <p:spTree>
       <p:nvGrpSpPr>
@@ -15093,7 +18331,7 @@
                       <m:sSubPr>
                         <m:ctrlPr>
                           <a:rPr lang="en-US" sz="1600" b="1" i="1" smtClean="0">
-                            <a:latin typeface="Cambria Math"/>
+                            <a:latin typeface="Cambria Math" panose="02040503050406030204" pitchFamily="18" charset="0"/>
                           </a:rPr>
                         </m:ctrlPr>
                       </m:sSubPr>
@@ -15134,7 +18372,7 @@
                         <m:endChr m:val="}"/>
                         <m:ctrlPr>
                           <a:rPr lang="en-US" sz="1600" i="1" smtClean="0">
-                            <a:latin typeface="Cambria Math"/>
+                            <a:latin typeface="Cambria Math" panose="02040503050406030204" pitchFamily="18" charset="0"/>
                           </a:rPr>
                         </m:ctrlPr>
                       </m:dPr>
@@ -15151,7 +18389,7 @@
                             </m:mcs>
                             <m:ctrlPr>
                               <a:rPr lang="en-US" sz="1600" i="1" smtClean="0">
-                                <a:latin typeface="Cambria Math"/>
+                                <a:latin typeface="Cambria Math" panose="02040503050406030204" pitchFamily="18" charset="0"/>
                               </a:rPr>
                             </m:ctrlPr>
                           </m:mPr>
@@ -15323,7 +18561,7 @@
                         <m:sSubPr>
                           <m:ctrlPr>
                             <a:rPr lang="en-US" sz="1600" b="1" i="1" smtClean="0">
-                              <a:latin typeface="Cambria Math"/>
+                              <a:latin typeface="Cambria Math" panose="02040503050406030204" pitchFamily="18" charset="0"/>
                             </a:rPr>
                           </m:ctrlPr>
                         </m:sSubPr>
@@ -15595,7 +18833,7 @@
                         <m:sSubPr>
                           <m:ctrlPr>
                             <a:rPr lang="en-US" sz="1600" b="1" i="1" smtClean="0">
-                              <a:latin typeface="Cambria Math"/>
+                              <a:latin typeface="Cambria Math" panose="02040503050406030204" pitchFamily="18" charset="0"/>
                             </a:rPr>
                           </m:ctrlPr>
                         </m:sSubPr>
@@ -15885,9 +19123,6 @@
                     <p:cTn id="3" fill="hold">
                       <p:stCondLst>
                         <p:cond delay="indefinite"/>
-                        <p:cond evt="onBegin" delay="0">
-                          <p:tn val="2"/>
-                        </p:cond>
                       </p:stCondLst>
                       <p:childTnLst>
                         <p:par>
@@ -15897,7 +19132,7 @@
                             </p:stCondLst>
                             <p:childTnLst>
                               <p:par>
-                                <p:cTn id="5" presetID="10" presetClass="entr" presetSubtype="0" fill="hold" grpId="0" nodeType="afterEffect">
+                                <p:cTn id="5" presetID="10" presetClass="entr" presetSubtype="0" fill="hold" grpId="0" nodeType="clickEffect">
                                   <p:stCondLst>
                                     <p:cond delay="0"/>
                                   </p:stCondLst>
@@ -15905,6 +19140,58 @@
                                     <p:set>
                                       <p:cBhvr>
                                         <p:cTn id="6" dur="1" fill="hold">
+                                          <p:stCondLst>
+                                            <p:cond delay="0"/>
+                                          </p:stCondLst>
+                                        </p:cTn>
+                                        <p:tgtEl>
+                                          <p:spTgt spid="3">
+                                            <p:txEl>
+                                              <p:pRg st="0" end="0"/>
+                                            </p:txEl>
+                                          </p:spTgt>
+                                        </p:tgtEl>
+                                        <p:attrNameLst>
+                                          <p:attrName>style.visibility</p:attrName>
+                                        </p:attrNameLst>
+                                      </p:cBhvr>
+                                      <p:to>
+                                        <p:strVal val="visible"/>
+                                      </p:to>
+                                    </p:set>
+                                    <p:animEffect transition="in" filter="fade">
+                                      <p:cBhvr>
+                                        <p:cTn id="7" dur="500"/>
+                                        <p:tgtEl>
+                                          <p:spTgt spid="3">
+                                            <p:txEl>
+                                              <p:pRg st="0" end="0"/>
+                                            </p:txEl>
+                                          </p:spTgt>
+                                        </p:tgtEl>
+                                      </p:cBhvr>
+                                    </p:animEffect>
+                                  </p:childTnLst>
+                                </p:cTn>
+                              </p:par>
+                            </p:childTnLst>
+                          </p:cTn>
+                        </p:par>
+                        <p:par>
+                          <p:cTn id="8" fill="hold">
+                            <p:stCondLst>
+                              <p:cond delay="500"/>
+                            </p:stCondLst>
+                            <p:childTnLst>
+                              <p:par>
+                                <p:cTn id="9" presetID="10" presetClass="entr" presetSubtype="0" fill="hold" grpId="0" nodeType="afterEffect">
+                                  <p:stCondLst>
+                                    <p:cond delay="0"/>
+                                  </p:stCondLst>
+                                  <p:childTnLst>
+                                    <p:set>
+                                      <p:cBhvr>
+                                        <p:cTn id="10" dur="1" fill="hold">
                                           <p:stCondLst>
                                             <p:cond delay="0"/>
                                           </p:stCondLst>
@@ -15922,7 +19209,7 @@
                                     </p:set>
                                     <p:animEffect transition="in" filter="fade">
                                       <p:cBhvr>
-                                        <p:cTn id="7" dur="500"/>
+                                        <p:cTn id="11" dur="500"/>
                                         <p:tgtEl>
                                           <p:spTgt spid="5"/>
                                         </p:tgtEl>
@@ -15934,21 +19221,30 @@
                             </p:childTnLst>
                           </p:cTn>
                         </p:par>
+                      </p:childTnLst>
+                    </p:cTn>
+                  </p:par>
+                  <p:par>
+                    <p:cTn id="12" fill="hold">
+                      <p:stCondLst>
+                        <p:cond delay="indefinite"/>
+                      </p:stCondLst>
+                      <p:childTnLst>
                         <p:par>
-                          <p:cTn id="8" fill="hold">
+                          <p:cTn id="13" fill="hold">
                             <p:stCondLst>
-                              <p:cond delay="500"/>
+                              <p:cond delay="0"/>
                             </p:stCondLst>
                             <p:childTnLst>
                               <p:par>
-                                <p:cTn id="9" presetID="22" presetClass="entr" presetSubtype="8" fill="hold" nodeType="afterEffect">
+                                <p:cTn id="14" presetID="22" presetClass="entr" presetSubtype="8" fill="hold" nodeType="clickEffect">
                                   <p:stCondLst>
                                     <p:cond delay="0"/>
                                   </p:stCondLst>
                                   <p:childTnLst>
                                     <p:set>
                                       <p:cBhvr>
-                                        <p:cTn id="10" dur="1" fill="hold">
+                                        <p:cTn id="15" dur="1" fill="hold">
                                           <p:stCondLst>
                                             <p:cond delay="0"/>
                                           </p:stCondLst>
@@ -15966,7 +19262,7 @@
                                     </p:set>
                                     <p:animEffect transition="in" filter="wipe(left)">
                                       <p:cBhvr>
-                                        <p:cTn id="11" dur="500"/>
+                                        <p:cTn id="16" dur="500"/>
                                         <p:tgtEl>
                                           <p:spTgt spid="16"/>
                                         </p:tgtEl>
@@ -15975,15 +19271,33 @@
                                   </p:childTnLst>
                                 </p:cTn>
                               </p:par>
+                            </p:childTnLst>
+                          </p:cTn>
+                        </p:par>
+                      </p:childTnLst>
+                    </p:cTn>
+                  </p:par>
+                  <p:par>
+                    <p:cTn id="17" fill="hold">
+                      <p:stCondLst>
+                        <p:cond delay="indefinite"/>
+                      </p:stCondLst>
+                      <p:childTnLst>
+                        <p:par>
+                          <p:cTn id="18" fill="hold">
+                            <p:stCondLst>
+                              <p:cond delay="0"/>
+                            </p:stCondLst>
+                            <p:childTnLst>
                               <p:par>
-                                <p:cTn id="12" presetID="22" presetClass="entr" presetSubtype="8" fill="hold" nodeType="withEffect">
+                                <p:cTn id="19" presetID="22" presetClass="entr" presetSubtype="8" fill="hold" nodeType="clickEffect">
                                   <p:stCondLst>
                                     <p:cond delay="0"/>
                                   </p:stCondLst>
                                   <p:childTnLst>
                                     <p:set>
                                       <p:cBhvr>
-                                        <p:cTn id="13" dur="1" fill="hold">
+                                        <p:cTn id="20" dur="1" fill="hold">
                                           <p:stCondLst>
                                             <p:cond delay="0"/>
                                           </p:stCondLst>
@@ -16001,9 +19315,227 @@
                                     </p:set>
                                     <p:animEffect transition="in" filter="wipe(left)">
                                       <p:cBhvr>
-                                        <p:cTn id="14" dur="500"/>
+                                        <p:cTn id="21" dur="500"/>
                                         <p:tgtEl>
                                           <p:spTgt spid="17"/>
+                                        </p:tgtEl>
+                                      </p:cBhvr>
+                                    </p:animEffect>
+                                  </p:childTnLst>
+                                </p:cTn>
+                              </p:par>
+                            </p:childTnLst>
+                          </p:cTn>
+                        </p:par>
+                      </p:childTnLst>
+                    </p:cTn>
+                  </p:par>
+                  <p:par>
+                    <p:cTn id="22" fill="hold">
+                      <p:stCondLst>
+                        <p:cond delay="indefinite"/>
+                      </p:stCondLst>
+                      <p:childTnLst>
+                        <p:par>
+                          <p:cTn id="23" fill="hold">
+                            <p:stCondLst>
+                              <p:cond delay="0"/>
+                            </p:stCondLst>
+                            <p:childTnLst>
+                              <p:par>
+                                <p:cTn id="24" presetID="10" presetClass="entr" presetSubtype="0" fill="hold" grpId="0" nodeType="clickEffect">
+                                  <p:stCondLst>
+                                    <p:cond delay="0"/>
+                                  </p:stCondLst>
+                                  <p:childTnLst>
+                                    <p:set>
+                                      <p:cBhvr>
+                                        <p:cTn id="25" dur="1" fill="hold">
+                                          <p:stCondLst>
+                                            <p:cond delay="0"/>
+                                          </p:stCondLst>
+                                        </p:cTn>
+                                        <p:tgtEl>
+                                          <p:spTgt spid="3">
+                                            <p:txEl>
+                                              <p:pRg st="6" end="6"/>
+                                            </p:txEl>
+                                          </p:spTgt>
+                                        </p:tgtEl>
+                                        <p:attrNameLst>
+                                          <p:attrName>style.visibility</p:attrName>
+                                        </p:attrNameLst>
+                                      </p:cBhvr>
+                                      <p:to>
+                                        <p:strVal val="visible"/>
+                                      </p:to>
+                                    </p:set>
+                                    <p:animEffect transition="in" filter="fade">
+                                      <p:cBhvr>
+                                        <p:cTn id="26" dur="500"/>
+                                        <p:tgtEl>
+                                          <p:spTgt spid="3">
+                                            <p:txEl>
+                                              <p:pRg st="6" end="6"/>
+                                            </p:txEl>
+                                          </p:spTgt>
+                                        </p:tgtEl>
+                                      </p:cBhvr>
+                                    </p:animEffect>
+                                  </p:childTnLst>
+                                </p:cTn>
+                              </p:par>
+                            </p:childTnLst>
+                          </p:cTn>
+                        </p:par>
+                      </p:childTnLst>
+                    </p:cTn>
+                  </p:par>
+                  <p:par>
+                    <p:cTn id="27" fill="hold">
+                      <p:stCondLst>
+                        <p:cond delay="indefinite"/>
+                      </p:stCondLst>
+                      <p:childTnLst>
+                        <p:par>
+                          <p:cTn id="28" fill="hold">
+                            <p:stCondLst>
+                              <p:cond delay="0"/>
+                            </p:stCondLst>
+                            <p:childTnLst>
+                              <p:par>
+                                <p:cTn id="29" presetID="10" presetClass="entr" presetSubtype="0" fill="hold" nodeType="clickEffect">
+                                  <p:stCondLst>
+                                    <p:cond delay="0"/>
+                                  </p:stCondLst>
+                                  <p:childTnLst>
+                                    <p:set>
+                                      <p:cBhvr>
+                                        <p:cTn id="30" dur="1" fill="hold">
+                                          <p:stCondLst>
+                                            <p:cond delay="0"/>
+                                          </p:stCondLst>
+                                        </p:cTn>
+                                        <p:tgtEl>
+                                          <p:spTgt spid="15"/>
+                                        </p:tgtEl>
+                                        <p:attrNameLst>
+                                          <p:attrName>style.visibility</p:attrName>
+                                        </p:attrNameLst>
+                                      </p:cBhvr>
+                                      <p:to>
+                                        <p:strVal val="visible"/>
+                                      </p:to>
+                                    </p:set>
+                                    <p:animEffect transition="in" filter="fade">
+                                      <p:cBhvr>
+                                        <p:cTn id="31" dur="500"/>
+                                        <p:tgtEl>
+                                          <p:spTgt spid="15"/>
+                                        </p:tgtEl>
+                                      </p:cBhvr>
+                                    </p:animEffect>
+                                  </p:childTnLst>
+                                </p:cTn>
+                              </p:par>
+                              <p:par>
+                                <p:cTn id="32" presetID="10" presetClass="entr" presetSubtype="0" fill="hold" grpId="0" nodeType="withEffect">
+                                  <p:stCondLst>
+                                    <p:cond delay="0"/>
+                                  </p:stCondLst>
+                                  <p:childTnLst>
+                                    <p:set>
+                                      <p:cBhvr>
+                                        <p:cTn id="33" dur="1" fill="hold">
+                                          <p:stCondLst>
+                                            <p:cond delay="0"/>
+                                          </p:stCondLst>
+                                        </p:cTn>
+                                        <p:tgtEl>
+                                          <p:spTgt spid="3">
+                                            <p:txEl>
+                                              <p:pRg st="7" end="7"/>
+                                            </p:txEl>
+                                          </p:spTgt>
+                                        </p:tgtEl>
+                                        <p:attrNameLst>
+                                          <p:attrName>style.visibility</p:attrName>
+                                        </p:attrNameLst>
+                                      </p:cBhvr>
+                                      <p:to>
+                                        <p:strVal val="visible"/>
+                                      </p:to>
+                                    </p:set>
+                                    <p:animEffect transition="in" filter="fade">
+                                      <p:cBhvr>
+                                        <p:cTn id="34" dur="500"/>
+                                        <p:tgtEl>
+                                          <p:spTgt spid="3">
+                                            <p:txEl>
+                                              <p:pRg st="7" end="7"/>
+                                            </p:txEl>
+                                          </p:spTgt>
+                                        </p:tgtEl>
+                                      </p:cBhvr>
+                                    </p:animEffect>
+                                  </p:childTnLst>
+                                </p:cTn>
+                              </p:par>
+                            </p:childTnLst>
+                          </p:cTn>
+                        </p:par>
+                      </p:childTnLst>
+                    </p:cTn>
+                  </p:par>
+                  <p:par>
+                    <p:cTn id="35" fill="hold">
+                      <p:stCondLst>
+                        <p:cond delay="indefinite"/>
+                      </p:stCondLst>
+                      <p:childTnLst>
+                        <p:par>
+                          <p:cTn id="36" fill="hold">
+                            <p:stCondLst>
+                              <p:cond delay="0"/>
+                            </p:stCondLst>
+                            <p:childTnLst>
+                              <p:par>
+                                <p:cTn id="37" presetID="10" presetClass="entr" presetSubtype="0" fill="hold" grpId="0" nodeType="clickEffect">
+                                  <p:stCondLst>
+                                    <p:cond delay="0"/>
+                                  </p:stCondLst>
+                                  <p:childTnLst>
+                                    <p:set>
+                                      <p:cBhvr>
+                                        <p:cTn id="38" dur="1" fill="hold">
+                                          <p:stCondLst>
+                                            <p:cond delay="0"/>
+                                          </p:stCondLst>
+                                        </p:cTn>
+                                        <p:tgtEl>
+                                          <p:spTgt spid="3">
+                                            <p:txEl>
+                                              <p:pRg st="8" end="8"/>
+                                            </p:txEl>
+                                          </p:spTgt>
+                                        </p:tgtEl>
+                                        <p:attrNameLst>
+                                          <p:attrName>style.visibility</p:attrName>
+                                        </p:attrNameLst>
+                                      </p:cBhvr>
+                                      <p:to>
+                                        <p:strVal val="visible"/>
+                                      </p:to>
+                                    </p:set>
+                                    <p:animEffect transition="in" filter="fade">
+                                      <p:cBhvr>
+                                        <p:cTn id="39" dur="500"/>
+                                        <p:tgtEl>
+                                          <p:spTgt spid="3">
+                                            <p:txEl>
+                                              <p:pRg st="8" end="8"/>
+                                            </p:txEl>
+                                          </p:spTgt>
                                         </p:tgtEl>
                                       </p:cBhvr>
                                     </p:animEffect>
@@ -16038,6 +19570,7 @@
       </p:par>
     </p:tnLst>
     <p:bldLst>
+      <p:bldP spid="3" grpId="0" uiExpand="1" build="p"/>
       <p:bldP spid="5" grpId="0"/>
     </p:bldLst>
   </p:timing>
@@ -20306,7 +23839,7 @@
                       <m:sSubSupPr>
                         <m:ctrlPr>
                           <a:rPr lang="en-US" b="0" i="1" smtClean="0">
-                            <a:latin typeface="Cambria Math"/>
+                            <a:latin typeface="Cambria Math" panose="02040503050406030204" pitchFamily="18" charset="0"/>
                           </a:rPr>
                         </m:ctrlPr>
                       </m:sSubSupPr>
@@ -20354,7 +23887,7 @@
                       <m:fPr>
                         <m:ctrlPr>
                           <a:rPr lang="en-US" b="0" i="1" smtClean="0">
-                            <a:latin typeface="Cambria Math"/>
+                            <a:latin typeface="Cambria Math" panose="02040503050406030204" pitchFamily="18" charset="0"/>
                           </a:rPr>
                         </m:ctrlPr>
                       </m:fPr>
@@ -20395,7 +23928,7 @@
                           <m:dPr>
                             <m:ctrlPr>
                               <a:rPr lang="en-US" b="0" i="1" smtClean="0">
-                                <a:latin typeface="Cambria Math"/>
+                                <a:latin typeface="Cambria Math" panose="02040503050406030204" pitchFamily="18" charset="0"/>
                               </a:rPr>
                             </m:ctrlPr>
                           </m:dPr>
@@ -20463,7 +23996,7 @@
                         <m:endChr m:val="⌉"/>
                         <m:ctrlPr>
                           <a:rPr lang="en-US" b="0" i="1" smtClean="0">
-                            <a:latin typeface="Cambria Math"/>
+                            <a:latin typeface="Cambria Math" panose="02040503050406030204" pitchFamily="18" charset="0"/>
                           </a:rPr>
                         </m:ctrlPr>
                       </m:dPr>
@@ -20472,7 +24005,7 @@
                           <m:fPr>
                             <m:ctrlPr>
                               <a:rPr lang="en-US" b="0" i="1" smtClean="0">
-                                <a:latin typeface="Cambria Math"/>
+                                <a:latin typeface="Cambria Math" panose="02040503050406030204" pitchFamily="18" charset="0"/>
                               </a:rPr>
                             </m:ctrlPr>
                           </m:fPr>
@@ -21369,7 +24902,7 @@
 </file>
 
 <file path=ppt/slides/slide3.xml><?xml version="1.0" encoding="utf-8"?>
-<p:sld xmlns:a="http://schemas.openxmlformats.org/drawingml/2006/main" xmlns:r="http://schemas.openxmlformats.org/officeDocument/2006/relationships" xmlns:p="http://schemas.openxmlformats.org/presentationml/2006/main">
+<p:sld xmlns:a="http://schemas.openxmlformats.org/drawingml/2006/main" xmlns:r="http://schemas.openxmlformats.org/officeDocument/2006/relationships" xmlns:p="http://schemas.openxmlformats.org/presentationml/2006/main" showMasterPhAnim="0">
   <p:cSld>
     <p:spTree>
       <p:nvGrpSpPr>
@@ -22294,9 +25827,569 @@
   <p:timing>
     <p:tnLst>
       <p:par>
-        <p:cTn id="1" dur="indefinite" restart="never" nodeType="tmRoot"/>
+        <p:cTn id="1" dur="indefinite" restart="never" nodeType="tmRoot">
+          <p:childTnLst>
+            <p:seq concurrent="1" nextAc="seek">
+              <p:cTn id="2" dur="indefinite" nodeType="mainSeq">
+                <p:childTnLst>
+                  <p:par>
+                    <p:cTn id="3" fill="hold">
+                      <p:stCondLst>
+                        <p:cond delay="indefinite"/>
+                      </p:stCondLst>
+                      <p:childTnLst>
+                        <p:par>
+                          <p:cTn id="4" fill="hold">
+                            <p:stCondLst>
+                              <p:cond delay="0"/>
+                            </p:stCondLst>
+                            <p:childTnLst>
+                              <p:par>
+                                <p:cTn id="5" presetID="10" presetClass="entr" presetSubtype="0" fill="hold" grpId="0" nodeType="clickEffect">
+                                  <p:stCondLst>
+                                    <p:cond delay="0"/>
+                                  </p:stCondLst>
+                                  <p:childTnLst>
+                                    <p:set>
+                                      <p:cBhvr>
+                                        <p:cTn id="6" dur="1" fill="hold">
+                                          <p:stCondLst>
+                                            <p:cond delay="0"/>
+                                          </p:stCondLst>
+                                        </p:cTn>
+                                        <p:tgtEl>
+                                          <p:spTgt spid="3"/>
+                                        </p:tgtEl>
+                                        <p:attrNameLst>
+                                          <p:attrName>style.visibility</p:attrName>
+                                        </p:attrNameLst>
+                                      </p:cBhvr>
+                                      <p:to>
+                                        <p:strVal val="visible"/>
+                                      </p:to>
+                                    </p:set>
+                                    <p:animEffect transition="in" filter="fade">
+                                      <p:cBhvr>
+                                        <p:cTn id="7" dur="500"/>
+                                        <p:tgtEl>
+                                          <p:spTgt spid="3"/>
+                                        </p:tgtEl>
+                                      </p:cBhvr>
+                                    </p:animEffect>
+                                  </p:childTnLst>
+                                </p:cTn>
+                              </p:par>
+                            </p:childTnLst>
+                          </p:cTn>
+                        </p:par>
+                      </p:childTnLst>
+                    </p:cTn>
+                  </p:par>
+                  <p:par>
+                    <p:cTn id="8" fill="hold">
+                      <p:stCondLst>
+                        <p:cond delay="indefinite"/>
+                      </p:stCondLst>
+                      <p:childTnLst>
+                        <p:par>
+                          <p:cTn id="9" fill="hold">
+                            <p:stCondLst>
+                              <p:cond delay="0"/>
+                            </p:stCondLst>
+                            <p:childTnLst>
+                              <p:par>
+                                <p:cTn id="10" presetID="10" presetClass="entr" presetSubtype="0" fill="hold" nodeType="clickEffect">
+                                  <p:stCondLst>
+                                    <p:cond delay="0"/>
+                                  </p:stCondLst>
+                                  <p:childTnLst>
+                                    <p:set>
+                                      <p:cBhvr>
+                                        <p:cTn id="11" dur="1" fill="hold">
+                                          <p:stCondLst>
+                                            <p:cond delay="0"/>
+                                          </p:stCondLst>
+                                        </p:cTn>
+                                        <p:tgtEl>
+                                          <p:spTgt spid="17"/>
+                                        </p:tgtEl>
+                                        <p:attrNameLst>
+                                          <p:attrName>style.visibility</p:attrName>
+                                        </p:attrNameLst>
+                                      </p:cBhvr>
+                                      <p:to>
+                                        <p:strVal val="visible"/>
+                                      </p:to>
+                                    </p:set>
+                                    <p:animEffect transition="in" filter="fade">
+                                      <p:cBhvr>
+                                        <p:cTn id="12" dur="500"/>
+                                        <p:tgtEl>
+                                          <p:spTgt spid="17"/>
+                                        </p:tgtEl>
+                                      </p:cBhvr>
+                                    </p:animEffect>
+                                  </p:childTnLst>
+                                </p:cTn>
+                              </p:par>
+                              <p:par>
+                                <p:cTn id="13" presetID="10" presetClass="entr" presetSubtype="0" fill="hold" grpId="0" nodeType="withEffect">
+                                  <p:stCondLst>
+                                    <p:cond delay="0"/>
+                                  </p:stCondLst>
+                                  <p:childTnLst>
+                                    <p:set>
+                                      <p:cBhvr>
+                                        <p:cTn id="14" dur="1" fill="hold">
+                                          <p:stCondLst>
+                                            <p:cond delay="0"/>
+                                          </p:stCondLst>
+                                        </p:cTn>
+                                        <p:tgtEl>
+                                          <p:spTgt spid="12"/>
+                                        </p:tgtEl>
+                                        <p:attrNameLst>
+                                          <p:attrName>style.visibility</p:attrName>
+                                        </p:attrNameLst>
+                                      </p:cBhvr>
+                                      <p:to>
+                                        <p:strVal val="visible"/>
+                                      </p:to>
+                                    </p:set>
+                                    <p:animEffect transition="in" filter="fade">
+                                      <p:cBhvr>
+                                        <p:cTn id="15" dur="500"/>
+                                        <p:tgtEl>
+                                          <p:spTgt spid="12"/>
+                                        </p:tgtEl>
+                                      </p:cBhvr>
+                                    </p:animEffect>
+                                  </p:childTnLst>
+                                </p:cTn>
+                              </p:par>
+                              <p:par>
+                                <p:cTn id="16" presetID="10" presetClass="entr" presetSubtype="0" fill="hold" grpId="0" nodeType="withEffect">
+                                  <p:stCondLst>
+                                    <p:cond delay="0"/>
+                                  </p:stCondLst>
+                                  <p:childTnLst>
+                                    <p:set>
+                                      <p:cBhvr>
+                                        <p:cTn id="17" dur="1" fill="hold">
+                                          <p:stCondLst>
+                                            <p:cond delay="0"/>
+                                          </p:stCondLst>
+                                        </p:cTn>
+                                        <p:tgtEl>
+                                          <p:spTgt spid="6"/>
+                                        </p:tgtEl>
+                                        <p:attrNameLst>
+                                          <p:attrName>style.visibility</p:attrName>
+                                        </p:attrNameLst>
+                                      </p:cBhvr>
+                                      <p:to>
+                                        <p:strVal val="visible"/>
+                                      </p:to>
+                                    </p:set>
+                                    <p:animEffect transition="in" filter="fade">
+                                      <p:cBhvr>
+                                        <p:cTn id="18" dur="500"/>
+                                        <p:tgtEl>
+                                          <p:spTgt spid="6"/>
+                                        </p:tgtEl>
+                                      </p:cBhvr>
+                                    </p:animEffect>
+                                  </p:childTnLst>
+                                </p:cTn>
+                              </p:par>
+                              <p:par>
+                                <p:cTn id="19" presetID="10" presetClass="entr" presetSubtype="0" fill="hold" grpId="0" nodeType="withEffect">
+                                  <p:stCondLst>
+                                    <p:cond delay="0"/>
+                                  </p:stCondLst>
+                                  <p:childTnLst>
+                                    <p:set>
+                                      <p:cBhvr>
+                                        <p:cTn id="20" dur="1" fill="hold">
+                                          <p:stCondLst>
+                                            <p:cond delay="0"/>
+                                          </p:stCondLst>
+                                        </p:cTn>
+                                        <p:tgtEl>
+                                          <p:spTgt spid="13"/>
+                                        </p:tgtEl>
+                                        <p:attrNameLst>
+                                          <p:attrName>style.visibility</p:attrName>
+                                        </p:attrNameLst>
+                                      </p:cBhvr>
+                                      <p:to>
+                                        <p:strVal val="visible"/>
+                                      </p:to>
+                                    </p:set>
+                                    <p:animEffect transition="in" filter="fade">
+                                      <p:cBhvr>
+                                        <p:cTn id="21" dur="500"/>
+                                        <p:tgtEl>
+                                          <p:spTgt spid="13"/>
+                                        </p:tgtEl>
+                                      </p:cBhvr>
+                                    </p:animEffect>
+                                  </p:childTnLst>
+                                </p:cTn>
+                              </p:par>
+                            </p:childTnLst>
+                          </p:cTn>
+                        </p:par>
+                      </p:childTnLst>
+                    </p:cTn>
+                  </p:par>
+                  <p:par>
+                    <p:cTn id="22" fill="hold">
+                      <p:stCondLst>
+                        <p:cond delay="indefinite"/>
+                      </p:stCondLst>
+                      <p:childTnLst>
+                        <p:par>
+                          <p:cTn id="23" fill="hold">
+                            <p:stCondLst>
+                              <p:cond delay="0"/>
+                            </p:stCondLst>
+                            <p:childTnLst>
+                              <p:par>
+                                <p:cTn id="24" presetID="10" presetClass="entr" presetSubtype="0" fill="hold" nodeType="clickEffect">
+                                  <p:stCondLst>
+                                    <p:cond delay="0"/>
+                                  </p:stCondLst>
+                                  <p:childTnLst>
+                                    <p:set>
+                                      <p:cBhvr>
+                                        <p:cTn id="25" dur="1" fill="hold">
+                                          <p:stCondLst>
+                                            <p:cond delay="0"/>
+                                          </p:stCondLst>
+                                        </p:cTn>
+                                        <p:tgtEl>
+                                          <p:spTgt spid="22"/>
+                                        </p:tgtEl>
+                                        <p:attrNameLst>
+                                          <p:attrName>style.visibility</p:attrName>
+                                        </p:attrNameLst>
+                                      </p:cBhvr>
+                                      <p:to>
+                                        <p:strVal val="visible"/>
+                                      </p:to>
+                                    </p:set>
+                                    <p:animEffect transition="in" filter="fade">
+                                      <p:cBhvr>
+                                        <p:cTn id="26" dur="500"/>
+                                        <p:tgtEl>
+                                          <p:spTgt spid="22"/>
+                                        </p:tgtEl>
+                                      </p:cBhvr>
+                                    </p:animEffect>
+                                  </p:childTnLst>
+                                </p:cTn>
+                              </p:par>
+                              <p:par>
+                                <p:cTn id="27" presetID="10" presetClass="entr" presetSubtype="0" fill="hold" grpId="0" nodeType="withEffect">
+                                  <p:stCondLst>
+                                    <p:cond delay="0"/>
+                                  </p:stCondLst>
+                                  <p:childTnLst>
+                                    <p:set>
+                                      <p:cBhvr>
+                                        <p:cTn id="28" dur="1" fill="hold">
+                                          <p:stCondLst>
+                                            <p:cond delay="0"/>
+                                          </p:stCondLst>
+                                        </p:cTn>
+                                        <p:tgtEl>
+                                          <p:spTgt spid="14"/>
+                                        </p:tgtEl>
+                                        <p:attrNameLst>
+                                          <p:attrName>style.visibility</p:attrName>
+                                        </p:attrNameLst>
+                                      </p:cBhvr>
+                                      <p:to>
+                                        <p:strVal val="visible"/>
+                                      </p:to>
+                                    </p:set>
+                                    <p:animEffect transition="in" filter="fade">
+                                      <p:cBhvr>
+                                        <p:cTn id="29" dur="500"/>
+                                        <p:tgtEl>
+                                          <p:spTgt spid="14"/>
+                                        </p:tgtEl>
+                                      </p:cBhvr>
+                                    </p:animEffect>
+                                  </p:childTnLst>
+                                </p:cTn>
+                              </p:par>
+                            </p:childTnLst>
+                          </p:cTn>
+                        </p:par>
+                      </p:childTnLst>
+                    </p:cTn>
+                  </p:par>
+                  <p:par>
+                    <p:cTn id="30" fill="hold">
+                      <p:stCondLst>
+                        <p:cond delay="indefinite"/>
+                      </p:stCondLst>
+                      <p:childTnLst>
+                        <p:par>
+                          <p:cTn id="31" fill="hold">
+                            <p:stCondLst>
+                              <p:cond delay="0"/>
+                            </p:stCondLst>
+                            <p:childTnLst>
+                              <p:par>
+                                <p:cTn id="32" presetID="10" presetClass="entr" presetSubtype="0" fill="hold" nodeType="clickEffect">
+                                  <p:stCondLst>
+                                    <p:cond delay="0"/>
+                                  </p:stCondLst>
+                                  <p:childTnLst>
+                                    <p:set>
+                                      <p:cBhvr>
+                                        <p:cTn id="33" dur="1" fill="hold">
+                                          <p:stCondLst>
+                                            <p:cond delay="0"/>
+                                          </p:stCondLst>
+                                        </p:cTn>
+                                        <p:tgtEl>
+                                          <p:spTgt spid="27"/>
+                                        </p:tgtEl>
+                                        <p:attrNameLst>
+                                          <p:attrName>style.visibility</p:attrName>
+                                        </p:attrNameLst>
+                                      </p:cBhvr>
+                                      <p:to>
+                                        <p:strVal val="visible"/>
+                                      </p:to>
+                                    </p:set>
+                                    <p:animEffect transition="in" filter="fade">
+                                      <p:cBhvr>
+                                        <p:cTn id="34" dur="500"/>
+                                        <p:tgtEl>
+                                          <p:spTgt spid="27"/>
+                                        </p:tgtEl>
+                                      </p:cBhvr>
+                                    </p:animEffect>
+                                  </p:childTnLst>
+                                </p:cTn>
+                              </p:par>
+                              <p:par>
+                                <p:cTn id="35" presetID="10" presetClass="entr" presetSubtype="0" fill="hold" nodeType="withEffect">
+                                  <p:stCondLst>
+                                    <p:cond delay="0"/>
+                                  </p:stCondLst>
+                                  <p:childTnLst>
+                                    <p:set>
+                                      <p:cBhvr>
+                                        <p:cTn id="36" dur="1" fill="hold">
+                                          <p:stCondLst>
+                                            <p:cond delay="0"/>
+                                          </p:stCondLst>
+                                        </p:cTn>
+                                        <p:tgtEl>
+                                          <p:spTgt spid="26"/>
+                                        </p:tgtEl>
+                                        <p:attrNameLst>
+                                          <p:attrName>style.visibility</p:attrName>
+                                        </p:attrNameLst>
+                                      </p:cBhvr>
+                                      <p:to>
+                                        <p:strVal val="visible"/>
+                                      </p:to>
+                                    </p:set>
+                                    <p:animEffect transition="in" filter="fade">
+                                      <p:cBhvr>
+                                        <p:cTn id="37" dur="500"/>
+                                        <p:tgtEl>
+                                          <p:spTgt spid="26"/>
+                                        </p:tgtEl>
+                                      </p:cBhvr>
+                                    </p:animEffect>
+                                  </p:childTnLst>
+                                </p:cTn>
+                              </p:par>
+                            </p:childTnLst>
+                          </p:cTn>
+                        </p:par>
+                      </p:childTnLst>
+                    </p:cTn>
+                  </p:par>
+                  <p:par>
+                    <p:cTn id="38" fill="hold">
+                      <p:stCondLst>
+                        <p:cond delay="indefinite"/>
+                      </p:stCondLst>
+                      <p:childTnLst>
+                        <p:par>
+                          <p:cTn id="39" fill="hold">
+                            <p:stCondLst>
+                              <p:cond delay="0"/>
+                            </p:stCondLst>
+                            <p:childTnLst>
+                              <p:par>
+                                <p:cTn id="40" presetID="10" presetClass="entr" presetSubtype="0" fill="hold" nodeType="clickEffect">
+                                  <p:stCondLst>
+                                    <p:cond delay="0"/>
+                                  </p:stCondLst>
+                                  <p:childTnLst>
+                                    <p:set>
+                                      <p:cBhvr>
+                                        <p:cTn id="41" dur="1" fill="hold">
+                                          <p:stCondLst>
+                                            <p:cond delay="0"/>
+                                          </p:stCondLst>
+                                        </p:cTn>
+                                        <p:tgtEl>
+                                          <p:spTgt spid="40"/>
+                                        </p:tgtEl>
+                                        <p:attrNameLst>
+                                          <p:attrName>style.visibility</p:attrName>
+                                        </p:attrNameLst>
+                                      </p:cBhvr>
+                                      <p:to>
+                                        <p:strVal val="visible"/>
+                                      </p:to>
+                                    </p:set>
+                                    <p:animEffect transition="in" filter="fade">
+                                      <p:cBhvr>
+                                        <p:cTn id="42" dur="500"/>
+                                        <p:tgtEl>
+                                          <p:spTgt spid="40"/>
+                                        </p:tgtEl>
+                                      </p:cBhvr>
+                                    </p:animEffect>
+                                  </p:childTnLst>
+                                </p:cTn>
+                              </p:par>
+                            </p:childTnLst>
+                          </p:cTn>
+                        </p:par>
+                      </p:childTnLst>
+                    </p:cTn>
+                  </p:par>
+                  <p:par>
+                    <p:cTn id="43" fill="hold">
+                      <p:stCondLst>
+                        <p:cond delay="indefinite"/>
+                      </p:stCondLst>
+                      <p:childTnLst>
+                        <p:par>
+                          <p:cTn id="44" fill="hold">
+                            <p:stCondLst>
+                              <p:cond delay="0"/>
+                            </p:stCondLst>
+                            <p:childTnLst>
+                              <p:par>
+                                <p:cTn id="45" presetID="10" presetClass="entr" presetSubtype="0" fill="hold" nodeType="clickEffect">
+                                  <p:stCondLst>
+                                    <p:cond delay="0"/>
+                                  </p:stCondLst>
+                                  <p:childTnLst>
+                                    <p:set>
+                                      <p:cBhvr>
+                                        <p:cTn id="46" dur="1" fill="hold">
+                                          <p:stCondLst>
+                                            <p:cond delay="0"/>
+                                          </p:stCondLst>
+                                        </p:cTn>
+                                        <p:tgtEl>
+                                          <p:spTgt spid="15"/>
+                                        </p:tgtEl>
+                                        <p:attrNameLst>
+                                          <p:attrName>style.visibility</p:attrName>
+                                        </p:attrNameLst>
+                                      </p:cBhvr>
+                                      <p:to>
+                                        <p:strVal val="visible"/>
+                                      </p:to>
+                                    </p:set>
+                                    <p:animEffect transition="in" filter="fade">
+                                      <p:cBhvr>
+                                        <p:cTn id="47" dur="500"/>
+                                        <p:tgtEl>
+                                          <p:spTgt spid="15"/>
+                                        </p:tgtEl>
+                                      </p:cBhvr>
+                                    </p:animEffect>
+                                  </p:childTnLst>
+                                </p:cTn>
+                              </p:par>
+                              <p:par>
+                                <p:cTn id="48" presetID="10" presetClass="entr" presetSubtype="0" fill="hold" nodeType="withEffect">
+                                  <p:stCondLst>
+                                    <p:cond delay="0"/>
+                                  </p:stCondLst>
+                                  <p:childTnLst>
+                                    <p:set>
+                                      <p:cBhvr>
+                                        <p:cTn id="49" dur="1" fill="hold">
+                                          <p:stCondLst>
+                                            <p:cond delay="0"/>
+                                          </p:stCondLst>
+                                        </p:cTn>
+                                        <p:tgtEl>
+                                          <p:spTgt spid="4"/>
+                                        </p:tgtEl>
+                                        <p:attrNameLst>
+                                          <p:attrName>style.visibility</p:attrName>
+                                        </p:attrNameLst>
+                                      </p:cBhvr>
+                                      <p:to>
+                                        <p:strVal val="visible"/>
+                                      </p:to>
+                                    </p:set>
+                                    <p:animEffect transition="in" filter="fade">
+                                      <p:cBhvr>
+                                        <p:cTn id="50" dur="500"/>
+                                        <p:tgtEl>
+                                          <p:spTgt spid="4"/>
+                                        </p:tgtEl>
+                                      </p:cBhvr>
+                                    </p:animEffect>
+                                  </p:childTnLst>
+                                </p:cTn>
+                              </p:par>
+                            </p:childTnLst>
+                          </p:cTn>
+                        </p:par>
+                      </p:childTnLst>
+                    </p:cTn>
+                  </p:par>
+                </p:childTnLst>
+              </p:cTn>
+              <p:prevCondLst>
+                <p:cond evt="onPrev" delay="0">
+                  <p:tgtEl>
+                    <p:sldTgt/>
+                  </p:tgtEl>
+                </p:cond>
+              </p:prevCondLst>
+              <p:nextCondLst>
+                <p:cond evt="onNext" delay="0">
+                  <p:tgtEl>
+                    <p:sldTgt/>
+                  </p:tgtEl>
+                </p:cond>
+              </p:nextCondLst>
+            </p:seq>
+          </p:childTnLst>
+        </p:cTn>
       </p:par>
     </p:tnLst>
+    <p:bldLst>
+      <p:bldGraphic spid="3" grpId="0">
+        <p:bldAsOne/>
+      </p:bldGraphic>
+      <p:bldP spid="6" grpId="0"/>
+      <p:bldP spid="12" grpId="0"/>
+      <p:bldP spid="13" grpId="0" animBg="1"/>
+      <p:bldP spid="14" grpId="0"/>
+    </p:bldLst>
   </p:timing>
 </p:sld>
 </file>
@@ -31960,7 +36053,7 @@
 </file>
 
 <file path=ppt/slides/slide4.xml><?xml version="1.0" encoding="utf-8"?>
-<p:sld xmlns:a="http://schemas.openxmlformats.org/drawingml/2006/main" xmlns:r="http://schemas.openxmlformats.org/officeDocument/2006/relationships" xmlns:p="http://schemas.openxmlformats.org/presentationml/2006/main">
+<p:sld xmlns:a="http://schemas.openxmlformats.org/drawingml/2006/main" xmlns:r="http://schemas.openxmlformats.org/officeDocument/2006/relationships" xmlns:p="http://schemas.openxmlformats.org/presentationml/2006/main" showMasterPhAnim="0">
   <p:cSld>
     <p:spTree>
       <p:nvGrpSpPr>
@@ -33842,15 +37935,76 @@
                                   </p:childTnLst>
                                 </p:cTn>
                               </p:par>
+                            </p:childTnLst>
+                          </p:cTn>
+                        </p:par>
+                      </p:childTnLst>
+                    </p:cTn>
+                  </p:par>
+                  <p:par>
+                    <p:cTn id="8" fill="hold">
+                      <p:stCondLst>
+                        <p:cond delay="indefinite"/>
+                      </p:stCondLst>
+                      <p:childTnLst>
+                        <p:par>
+                          <p:cTn id="9" fill="hold">
+                            <p:stCondLst>
+                              <p:cond delay="0"/>
+                            </p:stCondLst>
+                            <p:childTnLst>
                               <p:par>
-                                <p:cTn id="8" presetID="10" presetClass="entr" presetSubtype="0" fill="hold" nodeType="withEffect">
+                                <p:cTn id="10" presetID="10" presetClass="entr" presetSubtype="0" fill="hold" grpId="0" nodeType="clickEffect">
                                   <p:stCondLst>
                                     <p:cond delay="0"/>
                                   </p:stCondLst>
                                   <p:childTnLst>
                                     <p:set>
                                       <p:cBhvr>
-                                        <p:cTn id="9" dur="1" fill="hold">
+                                        <p:cTn id="11" dur="1" fill="hold">
+                                          <p:stCondLst>
+                                            <p:cond delay="0"/>
+                                          </p:stCondLst>
+                                        </p:cTn>
+                                        <p:tgtEl>
+                                          <p:spTgt spid="3">
+                                            <p:txEl>
+                                              <p:pRg st="0" end="0"/>
+                                            </p:txEl>
+                                          </p:spTgt>
+                                        </p:tgtEl>
+                                        <p:attrNameLst>
+                                          <p:attrName>style.visibility</p:attrName>
+                                        </p:attrNameLst>
+                                      </p:cBhvr>
+                                      <p:to>
+                                        <p:strVal val="visible"/>
+                                      </p:to>
+                                    </p:set>
+                                    <p:animEffect transition="in" filter="fade">
+                                      <p:cBhvr>
+                                        <p:cTn id="12" dur="500"/>
+                                        <p:tgtEl>
+                                          <p:spTgt spid="3">
+                                            <p:txEl>
+                                              <p:pRg st="0" end="0"/>
+                                            </p:txEl>
+                                          </p:spTgt>
+                                        </p:tgtEl>
+                                      </p:cBhvr>
+                                    </p:animEffect>
+                                  </p:childTnLst>
+                                </p:cTn>
+                              </p:par>
+                              <p:par>
+                                <p:cTn id="13" presetID="10" presetClass="entr" presetSubtype="0" fill="hold" nodeType="withEffect">
+                                  <p:stCondLst>
+                                    <p:cond delay="0"/>
+                                  </p:stCondLst>
+                                  <p:childTnLst>
+                                    <p:set>
+                                      <p:cBhvr>
+                                        <p:cTn id="14" dur="1" fill="hold">
                                           <p:stCondLst>
                                             <p:cond delay="0"/>
                                           </p:stCondLst>
@@ -33868,7 +38022,7 @@
                                     </p:set>
                                     <p:animEffect transition="in" filter="fade">
                                       <p:cBhvr>
-                                        <p:cTn id="10" dur="500"/>
+                                        <p:cTn id="15" dur="500"/>
                                         <p:tgtEl>
                                           <p:spTgt spid="5"/>
                                         </p:tgtEl>
@@ -33877,15 +38031,155 @@
                                   </p:childTnLst>
                                 </p:cTn>
                               </p:par>
+                            </p:childTnLst>
+                          </p:cTn>
+                        </p:par>
+                      </p:childTnLst>
+                    </p:cTn>
+                  </p:par>
+                  <p:par>
+                    <p:cTn id="16" fill="hold">
+                      <p:stCondLst>
+                        <p:cond delay="indefinite"/>
+                      </p:stCondLst>
+                      <p:childTnLst>
+                        <p:par>
+                          <p:cTn id="17" fill="hold">
+                            <p:stCondLst>
+                              <p:cond delay="0"/>
+                            </p:stCondLst>
+                            <p:childTnLst>
                               <p:par>
-                                <p:cTn id="11" presetID="10" presetClass="entr" presetSubtype="0" fill="hold" nodeType="withEffect">
+                                <p:cTn id="18" presetID="10" presetClass="entr" presetSubtype="0" fill="hold" grpId="0" nodeType="clickEffect">
                                   <p:stCondLst>
                                     <p:cond delay="0"/>
                                   </p:stCondLst>
                                   <p:childTnLst>
                                     <p:set>
                                       <p:cBhvr>
-                                        <p:cTn id="12" dur="1" fill="hold">
+                                        <p:cTn id="19" dur="1" fill="hold">
+                                          <p:stCondLst>
+                                            <p:cond delay="0"/>
+                                          </p:stCondLst>
+                                        </p:cTn>
+                                        <p:tgtEl>
+                                          <p:spTgt spid="3">
+                                            <p:txEl>
+                                              <p:pRg st="1" end="1"/>
+                                            </p:txEl>
+                                          </p:spTgt>
+                                        </p:tgtEl>
+                                        <p:attrNameLst>
+                                          <p:attrName>style.visibility</p:attrName>
+                                        </p:attrNameLst>
+                                      </p:cBhvr>
+                                      <p:to>
+                                        <p:strVal val="visible"/>
+                                      </p:to>
+                                    </p:set>
+                                    <p:animEffect transition="in" filter="fade">
+                                      <p:cBhvr>
+                                        <p:cTn id="20" dur="500"/>
+                                        <p:tgtEl>
+                                          <p:spTgt spid="3">
+                                            <p:txEl>
+                                              <p:pRg st="1" end="1"/>
+                                            </p:txEl>
+                                          </p:spTgt>
+                                        </p:tgtEl>
+                                      </p:cBhvr>
+                                    </p:animEffect>
+                                  </p:childTnLst>
+                                </p:cTn>
+                              </p:par>
+                            </p:childTnLst>
+                          </p:cTn>
+                        </p:par>
+                      </p:childTnLst>
+                    </p:cTn>
+                  </p:par>
+                  <p:par>
+                    <p:cTn id="21" fill="hold">
+                      <p:stCondLst>
+                        <p:cond delay="indefinite"/>
+                      </p:stCondLst>
+                      <p:childTnLst>
+                        <p:par>
+                          <p:cTn id="22" fill="hold">
+                            <p:stCondLst>
+                              <p:cond delay="0"/>
+                            </p:stCondLst>
+                            <p:childTnLst>
+                              <p:par>
+                                <p:cTn id="23" presetID="10" presetClass="entr" presetSubtype="0" fill="hold" grpId="0" nodeType="clickEffect">
+                                  <p:stCondLst>
+                                    <p:cond delay="0"/>
+                                  </p:stCondLst>
+                                  <p:childTnLst>
+                                    <p:set>
+                                      <p:cBhvr>
+                                        <p:cTn id="24" dur="1" fill="hold">
+                                          <p:stCondLst>
+                                            <p:cond delay="0"/>
+                                          </p:stCondLst>
+                                        </p:cTn>
+                                        <p:tgtEl>
+                                          <p:spTgt spid="3">
+                                            <p:txEl>
+                                              <p:pRg st="2" end="2"/>
+                                            </p:txEl>
+                                          </p:spTgt>
+                                        </p:tgtEl>
+                                        <p:attrNameLst>
+                                          <p:attrName>style.visibility</p:attrName>
+                                        </p:attrNameLst>
+                                      </p:cBhvr>
+                                      <p:to>
+                                        <p:strVal val="visible"/>
+                                      </p:to>
+                                    </p:set>
+                                    <p:animEffect transition="in" filter="fade">
+                                      <p:cBhvr>
+                                        <p:cTn id="25" dur="500"/>
+                                        <p:tgtEl>
+                                          <p:spTgt spid="3">
+                                            <p:txEl>
+                                              <p:pRg st="2" end="2"/>
+                                            </p:txEl>
+                                          </p:spTgt>
+                                        </p:tgtEl>
+                                      </p:cBhvr>
+                                    </p:animEffect>
+                                  </p:childTnLst>
+                                </p:cTn>
+                              </p:par>
+                            </p:childTnLst>
+                          </p:cTn>
+                        </p:par>
+                      </p:childTnLst>
+                    </p:cTn>
+                  </p:par>
+                  <p:par>
+                    <p:cTn id="26" fill="hold">
+                      <p:stCondLst>
+                        <p:cond delay="indefinite"/>
+                      </p:stCondLst>
+                      <p:childTnLst>
+                        <p:par>
+                          <p:cTn id="27" fill="hold">
+                            <p:stCondLst>
+                              <p:cond delay="0"/>
+                            </p:stCondLst>
+                            <p:childTnLst>
+                              <p:par>
+                                <p:cTn id="28" presetID="10" presetClass="entr" presetSubtype="0" fill="hold" nodeType="clickEffect">
+                                  <p:stCondLst>
+                                    <p:cond delay="0"/>
+                                  </p:stCondLst>
+                                  <p:childTnLst>
+                                    <p:set>
+                                      <p:cBhvr>
+                                        <p:cTn id="29" dur="1" fill="hold">
                                           <p:stCondLst>
                                             <p:cond delay="0"/>
                                           </p:stCondLst>
@@ -33903,9 +38197,395 @@
                                     </p:set>
                                     <p:animEffect transition="in" filter="fade">
                                       <p:cBhvr>
-                                        <p:cTn id="13" dur="500"/>
+                                        <p:cTn id="30" dur="500"/>
                                         <p:tgtEl>
                                           <p:spTgt spid="31"/>
+                                        </p:tgtEl>
+                                      </p:cBhvr>
+                                    </p:animEffect>
+                                  </p:childTnLst>
+                                </p:cTn>
+                              </p:par>
+                            </p:childTnLst>
+                          </p:cTn>
+                        </p:par>
+                      </p:childTnLst>
+                    </p:cTn>
+                  </p:par>
+                  <p:par>
+                    <p:cTn id="31" fill="hold">
+                      <p:stCondLst>
+                        <p:cond delay="indefinite"/>
+                      </p:stCondLst>
+                      <p:childTnLst>
+                        <p:par>
+                          <p:cTn id="32" fill="hold">
+                            <p:stCondLst>
+                              <p:cond delay="0"/>
+                            </p:stCondLst>
+                            <p:childTnLst>
+                              <p:par>
+                                <p:cTn id="33" presetID="10" presetClass="entr" presetSubtype="0" fill="hold" nodeType="clickEffect">
+                                  <p:stCondLst>
+                                    <p:cond delay="0"/>
+                                  </p:stCondLst>
+                                  <p:childTnLst>
+                                    <p:set>
+                                      <p:cBhvr>
+                                        <p:cTn id="34" dur="1" fill="hold">
+                                          <p:stCondLst>
+                                            <p:cond delay="0"/>
+                                          </p:stCondLst>
+                                        </p:cTn>
+                                        <p:tgtEl>
+                                          <p:spTgt spid="13"/>
+                                        </p:tgtEl>
+                                        <p:attrNameLst>
+                                          <p:attrName>style.visibility</p:attrName>
+                                        </p:attrNameLst>
+                                      </p:cBhvr>
+                                      <p:to>
+                                        <p:strVal val="visible"/>
+                                      </p:to>
+                                    </p:set>
+                                    <p:animEffect transition="in" filter="fade">
+                                      <p:cBhvr>
+                                        <p:cTn id="35" dur="500"/>
+                                        <p:tgtEl>
+                                          <p:spTgt spid="13"/>
+                                        </p:tgtEl>
+                                      </p:cBhvr>
+                                    </p:animEffect>
+                                  </p:childTnLst>
+                                </p:cTn>
+                              </p:par>
+                              <p:par>
+                                <p:cTn id="36" presetID="10" presetClass="entr" presetSubtype="0" fill="hold" nodeType="withEffect">
+                                  <p:stCondLst>
+                                    <p:cond delay="0"/>
+                                  </p:stCondLst>
+                                  <p:childTnLst>
+                                    <p:set>
+                                      <p:cBhvr>
+                                        <p:cTn id="37" dur="1" fill="hold">
+                                          <p:stCondLst>
+                                            <p:cond delay="0"/>
+                                          </p:stCondLst>
+                                        </p:cTn>
+                                        <p:tgtEl>
+                                          <p:spTgt spid="10"/>
+                                        </p:tgtEl>
+                                        <p:attrNameLst>
+                                          <p:attrName>style.visibility</p:attrName>
+                                        </p:attrNameLst>
+                                      </p:cBhvr>
+                                      <p:to>
+                                        <p:strVal val="visible"/>
+                                      </p:to>
+                                    </p:set>
+                                    <p:animEffect transition="in" filter="fade">
+                                      <p:cBhvr>
+                                        <p:cTn id="38" dur="500"/>
+                                        <p:tgtEl>
+                                          <p:spTgt spid="10"/>
+                                        </p:tgtEl>
+                                      </p:cBhvr>
+                                    </p:animEffect>
+                                  </p:childTnLst>
+                                </p:cTn>
+                              </p:par>
+                              <p:par>
+                                <p:cTn id="39" presetID="10" presetClass="entr" presetSubtype="0" fill="hold" nodeType="withEffect">
+                                  <p:stCondLst>
+                                    <p:cond delay="0"/>
+                                  </p:stCondLst>
+                                  <p:childTnLst>
+                                    <p:set>
+                                      <p:cBhvr>
+                                        <p:cTn id="40" dur="1" fill="hold">
+                                          <p:stCondLst>
+                                            <p:cond delay="0"/>
+                                          </p:stCondLst>
+                                        </p:cTn>
+                                        <p:tgtEl>
+                                          <p:spTgt spid="9"/>
+                                        </p:tgtEl>
+                                        <p:attrNameLst>
+                                          <p:attrName>style.visibility</p:attrName>
+                                        </p:attrNameLst>
+                                      </p:cBhvr>
+                                      <p:to>
+                                        <p:strVal val="visible"/>
+                                      </p:to>
+                                    </p:set>
+                                    <p:animEffect transition="in" filter="fade">
+                                      <p:cBhvr>
+                                        <p:cTn id="41" dur="500"/>
+                                        <p:tgtEl>
+                                          <p:spTgt spid="9"/>
+                                        </p:tgtEl>
+                                      </p:cBhvr>
+                                    </p:animEffect>
+                                  </p:childTnLst>
+                                </p:cTn>
+                              </p:par>
+                              <p:par>
+                                <p:cTn id="42" presetID="10" presetClass="entr" presetSubtype="0" fill="hold" nodeType="withEffect">
+                                  <p:stCondLst>
+                                    <p:cond delay="0"/>
+                                  </p:stCondLst>
+                                  <p:childTnLst>
+                                    <p:set>
+                                      <p:cBhvr>
+                                        <p:cTn id="43" dur="1" fill="hold">
+                                          <p:stCondLst>
+                                            <p:cond delay="0"/>
+                                          </p:stCondLst>
+                                        </p:cTn>
+                                        <p:tgtEl>
+                                          <p:spTgt spid="19"/>
+                                        </p:tgtEl>
+                                        <p:attrNameLst>
+                                          <p:attrName>style.visibility</p:attrName>
+                                        </p:attrNameLst>
+                                      </p:cBhvr>
+                                      <p:to>
+                                        <p:strVal val="visible"/>
+                                      </p:to>
+                                    </p:set>
+                                    <p:animEffect transition="in" filter="fade">
+                                      <p:cBhvr>
+                                        <p:cTn id="44" dur="500"/>
+                                        <p:tgtEl>
+                                          <p:spTgt spid="19"/>
+                                        </p:tgtEl>
+                                      </p:cBhvr>
+                                    </p:animEffect>
+                                  </p:childTnLst>
+                                </p:cTn>
+                              </p:par>
+                              <p:par>
+                                <p:cTn id="45" presetID="10" presetClass="entr" presetSubtype="0" fill="hold" nodeType="withEffect">
+                                  <p:stCondLst>
+                                    <p:cond delay="0"/>
+                                  </p:stCondLst>
+                                  <p:childTnLst>
+                                    <p:set>
+                                      <p:cBhvr>
+                                        <p:cTn id="46" dur="1" fill="hold">
+                                          <p:stCondLst>
+                                            <p:cond delay="0"/>
+                                          </p:stCondLst>
+                                        </p:cTn>
+                                        <p:tgtEl>
+                                          <p:spTgt spid="16"/>
+                                        </p:tgtEl>
+                                        <p:attrNameLst>
+                                          <p:attrName>style.visibility</p:attrName>
+                                        </p:attrNameLst>
+                                      </p:cBhvr>
+                                      <p:to>
+                                        <p:strVal val="visible"/>
+                                      </p:to>
+                                    </p:set>
+                                    <p:animEffect transition="in" filter="fade">
+                                      <p:cBhvr>
+                                        <p:cTn id="47" dur="500"/>
+                                        <p:tgtEl>
+                                          <p:spTgt spid="16"/>
+                                        </p:tgtEl>
+                                      </p:cBhvr>
+                                    </p:animEffect>
+                                  </p:childTnLst>
+                                </p:cTn>
+                              </p:par>
+                            </p:childTnLst>
+                          </p:cTn>
+                        </p:par>
+                      </p:childTnLst>
+                    </p:cTn>
+                  </p:par>
+                  <p:par>
+                    <p:cTn id="48" fill="hold">
+                      <p:stCondLst>
+                        <p:cond delay="indefinite"/>
+                      </p:stCondLst>
+                      <p:childTnLst>
+                        <p:par>
+                          <p:cTn id="49" fill="hold">
+                            <p:stCondLst>
+                              <p:cond delay="0"/>
+                            </p:stCondLst>
+                            <p:childTnLst>
+                              <p:par>
+                                <p:cTn id="50" presetID="10" presetClass="entr" presetSubtype="0" fill="hold" grpId="0" nodeType="clickEffect">
+                                  <p:stCondLst>
+                                    <p:cond delay="0"/>
+                                  </p:stCondLst>
+                                  <p:childTnLst>
+                                    <p:set>
+                                      <p:cBhvr>
+                                        <p:cTn id="51" dur="1" fill="hold">
+                                          <p:stCondLst>
+                                            <p:cond delay="0"/>
+                                          </p:stCondLst>
+                                        </p:cTn>
+                                        <p:tgtEl>
+                                          <p:spTgt spid="22"/>
+                                        </p:tgtEl>
+                                        <p:attrNameLst>
+                                          <p:attrName>style.visibility</p:attrName>
+                                        </p:attrNameLst>
+                                      </p:cBhvr>
+                                      <p:to>
+                                        <p:strVal val="visible"/>
+                                      </p:to>
+                                    </p:set>
+                                    <p:animEffect transition="in" filter="fade">
+                                      <p:cBhvr>
+                                        <p:cTn id="52" dur="500"/>
+                                        <p:tgtEl>
+                                          <p:spTgt spid="22"/>
+                                        </p:tgtEl>
+                                      </p:cBhvr>
+                                    </p:animEffect>
+                                  </p:childTnLst>
+                                </p:cTn>
+                              </p:par>
+                              <p:par>
+                                <p:cTn id="53" presetID="10" presetClass="entr" presetSubtype="0" fill="hold" nodeType="withEffect">
+                                  <p:stCondLst>
+                                    <p:cond delay="0"/>
+                                  </p:stCondLst>
+                                  <p:childTnLst>
+                                    <p:set>
+                                      <p:cBhvr>
+                                        <p:cTn id="54" dur="1" fill="hold">
+                                          <p:stCondLst>
+                                            <p:cond delay="0"/>
+                                          </p:stCondLst>
+                                        </p:cTn>
+                                        <p:tgtEl>
+                                          <p:spTgt spid="23"/>
+                                        </p:tgtEl>
+                                        <p:attrNameLst>
+                                          <p:attrName>style.visibility</p:attrName>
+                                        </p:attrNameLst>
+                                      </p:cBhvr>
+                                      <p:to>
+                                        <p:strVal val="visible"/>
+                                      </p:to>
+                                    </p:set>
+                                    <p:animEffect transition="in" filter="fade">
+                                      <p:cBhvr>
+                                        <p:cTn id="55" dur="500"/>
+                                        <p:tgtEl>
+                                          <p:spTgt spid="23"/>
+                                        </p:tgtEl>
+                                      </p:cBhvr>
+                                    </p:animEffect>
+                                  </p:childTnLst>
+                                </p:cTn>
+                              </p:par>
+                              <p:par>
+                                <p:cTn id="56" presetID="10" presetClass="entr" presetSubtype="0" fill="hold" nodeType="withEffect">
+                                  <p:stCondLst>
+                                    <p:cond delay="0"/>
+                                  </p:stCondLst>
+                                  <p:childTnLst>
+                                    <p:set>
+                                      <p:cBhvr>
+                                        <p:cTn id="57" dur="1" fill="hold">
+                                          <p:stCondLst>
+                                            <p:cond delay="0"/>
+                                          </p:stCondLst>
+                                        </p:cTn>
+                                        <p:tgtEl>
+                                          <p:spTgt spid="27"/>
+                                        </p:tgtEl>
+                                        <p:attrNameLst>
+                                          <p:attrName>style.visibility</p:attrName>
+                                        </p:attrNameLst>
+                                      </p:cBhvr>
+                                      <p:to>
+                                        <p:strVal val="visible"/>
+                                      </p:to>
+                                    </p:set>
+                                    <p:animEffect transition="in" filter="fade">
+                                      <p:cBhvr>
+                                        <p:cTn id="58" dur="500"/>
+                                        <p:tgtEl>
+                                          <p:spTgt spid="27"/>
+                                        </p:tgtEl>
+                                      </p:cBhvr>
+                                    </p:animEffect>
+                                  </p:childTnLst>
+                                </p:cTn>
+                              </p:par>
+                              <p:par>
+                                <p:cTn id="59" presetID="10" presetClass="entr" presetSubtype="0" fill="hold" grpId="0" nodeType="withEffect">
+                                  <p:stCondLst>
+                                    <p:cond delay="0"/>
+                                  </p:stCondLst>
+                                  <p:childTnLst>
+                                    <p:set>
+                                      <p:cBhvr>
+                                        <p:cTn id="60" dur="1" fill="hold">
+                                          <p:stCondLst>
+                                            <p:cond delay="0"/>
+                                          </p:stCondLst>
+                                        </p:cTn>
+                                        <p:tgtEl>
+                                          <p:spTgt spid="26"/>
+                                        </p:tgtEl>
+                                        <p:attrNameLst>
+                                          <p:attrName>style.visibility</p:attrName>
+                                        </p:attrNameLst>
+                                      </p:cBhvr>
+                                      <p:to>
+                                        <p:strVal val="visible"/>
+                                      </p:to>
+                                    </p:set>
+                                    <p:animEffect transition="in" filter="fade">
+                                      <p:cBhvr>
+                                        <p:cTn id="61" dur="500"/>
+                                        <p:tgtEl>
+                                          <p:spTgt spid="26"/>
+                                        </p:tgtEl>
+                                      </p:cBhvr>
+                                    </p:animEffect>
+                                  </p:childTnLst>
+                                </p:cTn>
+                              </p:par>
+                              <p:par>
+                                <p:cTn id="62" presetID="10" presetClass="entr" presetSubtype="0" fill="hold" grpId="0" nodeType="withEffect">
+                                  <p:stCondLst>
+                                    <p:cond delay="0"/>
+                                  </p:stCondLst>
+                                  <p:childTnLst>
+                                    <p:set>
+                                      <p:cBhvr>
+                                        <p:cTn id="63" dur="1" fill="hold">
+                                          <p:stCondLst>
+                                            <p:cond delay="0"/>
+                                          </p:stCondLst>
+                                        </p:cTn>
+                                        <p:tgtEl>
+                                          <p:spTgt spid="25"/>
+                                        </p:tgtEl>
+                                        <p:attrNameLst>
+                                          <p:attrName>style.visibility</p:attrName>
+                                        </p:attrNameLst>
+                                      </p:cBhvr>
+                                      <p:to>
+                                        <p:strVal val="visible"/>
+                                      </p:to>
+                                    </p:set>
+                                    <p:animEffect transition="in" filter="fade">
+                                      <p:cBhvr>
+                                        <p:cTn id="64" dur="500"/>
+                                        <p:tgtEl>
+                                          <p:spTgt spid="25"/>
                                         </p:tgtEl>
                                       </p:cBhvr>
                                     </p:animEffect>
@@ -33939,6 +38619,12 @@
         </p:cTn>
       </p:par>
     </p:tnLst>
+    <p:bldLst>
+      <p:bldP spid="25" grpId="0" animBg="1"/>
+      <p:bldP spid="3" grpId="0" uiExpand="1" build="p"/>
+      <p:bldP spid="22" grpId="0"/>
+      <p:bldP spid="26" grpId="0"/>
+    </p:bldLst>
   </p:timing>
 </p:sld>
 </file>
@@ -38739,7 +43425,7 @@
 </file>
 
 <file path=ppt/slides/slide5.xml><?xml version="1.0" encoding="utf-8"?>
-<p:sld xmlns:a="http://schemas.openxmlformats.org/drawingml/2006/main" xmlns:r="http://schemas.openxmlformats.org/officeDocument/2006/relationships" xmlns:p="http://schemas.openxmlformats.org/presentationml/2006/main">
+<p:sld xmlns:a="http://schemas.openxmlformats.org/drawingml/2006/main" xmlns:r="http://schemas.openxmlformats.org/officeDocument/2006/relationships" xmlns:p="http://schemas.openxmlformats.org/presentationml/2006/main" showMasterPhAnim="0">
   <p:cSld>
     <p:spTree>
       <p:nvGrpSpPr>
@@ -39549,9 +44235,6 @@
                     <p:cTn id="3" fill="hold">
                       <p:stCondLst>
                         <p:cond delay="indefinite"/>
-                        <p:cond evt="onBegin" delay="0">
-                          <p:tn val="2"/>
-                        </p:cond>
                       </p:stCondLst>
                       <p:childTnLst>
                         <p:par>
@@ -39561,7 +44244,7 @@
                             </p:stCondLst>
                             <p:childTnLst>
                               <p:par>
-                                <p:cTn id="5" presetID="10" presetClass="entr" presetSubtype="0" fill="hold" nodeType="withEffect">
+                                <p:cTn id="5" presetID="10" presetClass="entr" presetSubtype="0" fill="hold" nodeType="clickEffect">
                                   <p:stCondLst>
                                     <p:cond delay="0"/>
                                   </p:stCondLst>
@@ -39596,7 +44279,7 @@
                                 </p:cTn>
                               </p:par>
                               <p:par>
-                                <p:cTn id="8" presetID="10" presetClass="entr" presetSubtype="0" fill="hold" nodeType="withEffect">
+                                <p:cTn id="8" presetID="10" presetClass="entr" presetSubtype="0" fill="hold" grpId="0" nodeType="withEffect">
                                   <p:stCondLst>
                                     <p:cond delay="0"/>
                                   </p:stCondLst>
@@ -39604,6 +44287,284 @@
                                     <p:set>
                                       <p:cBhvr>
                                         <p:cTn id="9" dur="1" fill="hold">
+                                          <p:stCondLst>
+                                            <p:cond delay="0"/>
+                                          </p:stCondLst>
+                                        </p:cTn>
+                                        <p:tgtEl>
+                                          <p:spTgt spid="3">
+                                            <p:txEl>
+                                              <p:pRg st="0" end="0"/>
+                                            </p:txEl>
+                                          </p:spTgt>
+                                        </p:tgtEl>
+                                        <p:attrNameLst>
+                                          <p:attrName>style.visibility</p:attrName>
+                                        </p:attrNameLst>
+                                      </p:cBhvr>
+                                      <p:to>
+                                        <p:strVal val="visible"/>
+                                      </p:to>
+                                    </p:set>
+                                    <p:animEffect transition="in" filter="fade">
+                                      <p:cBhvr>
+                                        <p:cTn id="10" dur="500"/>
+                                        <p:tgtEl>
+                                          <p:spTgt spid="3">
+                                            <p:txEl>
+                                              <p:pRg st="0" end="0"/>
+                                            </p:txEl>
+                                          </p:spTgt>
+                                        </p:tgtEl>
+                                      </p:cBhvr>
+                                    </p:animEffect>
+                                  </p:childTnLst>
+                                </p:cTn>
+                              </p:par>
+                              <p:par>
+                                <p:cTn id="11" presetID="10" presetClass="entr" presetSubtype="0" fill="hold" grpId="0" nodeType="withEffect">
+                                  <p:stCondLst>
+                                    <p:cond delay="0"/>
+                                  </p:stCondLst>
+                                  <p:childTnLst>
+                                    <p:set>
+                                      <p:cBhvr>
+                                        <p:cTn id="12" dur="1" fill="hold">
+                                          <p:stCondLst>
+                                            <p:cond delay="0"/>
+                                          </p:stCondLst>
+                                        </p:cTn>
+                                        <p:tgtEl>
+                                          <p:spTgt spid="3">
+                                            <p:txEl>
+                                              <p:pRg st="1" end="1"/>
+                                            </p:txEl>
+                                          </p:spTgt>
+                                        </p:tgtEl>
+                                        <p:attrNameLst>
+                                          <p:attrName>style.visibility</p:attrName>
+                                        </p:attrNameLst>
+                                      </p:cBhvr>
+                                      <p:to>
+                                        <p:strVal val="visible"/>
+                                      </p:to>
+                                    </p:set>
+                                    <p:animEffect transition="in" filter="fade">
+                                      <p:cBhvr>
+                                        <p:cTn id="13" dur="500"/>
+                                        <p:tgtEl>
+                                          <p:spTgt spid="3">
+                                            <p:txEl>
+                                              <p:pRg st="1" end="1"/>
+                                            </p:txEl>
+                                          </p:spTgt>
+                                        </p:tgtEl>
+                                      </p:cBhvr>
+                                    </p:animEffect>
+                                  </p:childTnLst>
+                                </p:cTn>
+                              </p:par>
+                            </p:childTnLst>
+                          </p:cTn>
+                        </p:par>
+                      </p:childTnLst>
+                    </p:cTn>
+                  </p:par>
+                  <p:par>
+                    <p:cTn id="14" fill="hold">
+                      <p:stCondLst>
+                        <p:cond delay="indefinite"/>
+                      </p:stCondLst>
+                      <p:childTnLst>
+                        <p:par>
+                          <p:cTn id="15" fill="hold">
+                            <p:stCondLst>
+                              <p:cond delay="0"/>
+                            </p:stCondLst>
+                            <p:childTnLst>
+                              <p:par>
+                                <p:cTn id="16" presetID="10" presetClass="entr" presetSubtype="0" fill="hold" grpId="0" nodeType="clickEffect">
+                                  <p:stCondLst>
+                                    <p:cond delay="0"/>
+                                  </p:stCondLst>
+                                  <p:childTnLst>
+                                    <p:set>
+                                      <p:cBhvr>
+                                        <p:cTn id="17" dur="1" fill="hold">
+                                          <p:stCondLst>
+                                            <p:cond delay="0"/>
+                                          </p:stCondLst>
+                                        </p:cTn>
+                                        <p:tgtEl>
+                                          <p:spTgt spid="3">
+                                            <p:txEl>
+                                              <p:pRg st="4" end="4"/>
+                                            </p:txEl>
+                                          </p:spTgt>
+                                        </p:tgtEl>
+                                        <p:attrNameLst>
+                                          <p:attrName>style.visibility</p:attrName>
+                                        </p:attrNameLst>
+                                      </p:cBhvr>
+                                      <p:to>
+                                        <p:strVal val="visible"/>
+                                      </p:to>
+                                    </p:set>
+                                    <p:animEffect transition="in" filter="fade">
+                                      <p:cBhvr>
+                                        <p:cTn id="18" dur="500"/>
+                                        <p:tgtEl>
+                                          <p:spTgt spid="3">
+                                            <p:txEl>
+                                              <p:pRg st="4" end="4"/>
+                                            </p:txEl>
+                                          </p:spTgt>
+                                        </p:tgtEl>
+                                      </p:cBhvr>
+                                    </p:animEffect>
+                                  </p:childTnLst>
+                                </p:cTn>
+                              </p:par>
+                              <p:par>
+                                <p:cTn id="19" presetID="10" presetClass="entr" presetSubtype="0" fill="hold" grpId="0" nodeType="withEffect">
+                                  <p:stCondLst>
+                                    <p:cond delay="0"/>
+                                  </p:stCondLst>
+                                  <p:childTnLst>
+                                    <p:set>
+                                      <p:cBhvr>
+                                        <p:cTn id="20" dur="1" fill="hold">
+                                          <p:stCondLst>
+                                            <p:cond delay="0"/>
+                                          </p:stCondLst>
+                                        </p:cTn>
+                                        <p:tgtEl>
+                                          <p:spTgt spid="3">
+                                            <p:txEl>
+                                              <p:pRg st="3" end="3"/>
+                                            </p:txEl>
+                                          </p:spTgt>
+                                        </p:tgtEl>
+                                        <p:attrNameLst>
+                                          <p:attrName>style.visibility</p:attrName>
+                                        </p:attrNameLst>
+                                      </p:cBhvr>
+                                      <p:to>
+                                        <p:strVal val="visible"/>
+                                      </p:to>
+                                    </p:set>
+                                    <p:animEffect transition="in" filter="fade">
+                                      <p:cBhvr>
+                                        <p:cTn id="21" dur="500"/>
+                                        <p:tgtEl>
+                                          <p:spTgt spid="3">
+                                            <p:txEl>
+                                              <p:pRg st="3" end="3"/>
+                                            </p:txEl>
+                                          </p:spTgt>
+                                        </p:tgtEl>
+                                      </p:cBhvr>
+                                    </p:animEffect>
+                                  </p:childTnLst>
+                                </p:cTn>
+                              </p:par>
+                              <p:par>
+                                <p:cTn id="22" presetID="10" presetClass="entr" presetSubtype="0" fill="hold" grpId="0" nodeType="withEffect">
+                                  <p:stCondLst>
+                                    <p:cond delay="0"/>
+                                  </p:stCondLst>
+                                  <p:childTnLst>
+                                    <p:set>
+                                      <p:cBhvr>
+                                        <p:cTn id="23" dur="1" fill="hold">
+                                          <p:stCondLst>
+                                            <p:cond delay="0"/>
+                                          </p:stCondLst>
+                                        </p:cTn>
+                                        <p:tgtEl>
+                                          <p:spTgt spid="5"/>
+                                        </p:tgtEl>
+                                        <p:attrNameLst>
+                                          <p:attrName>style.visibility</p:attrName>
+                                        </p:attrNameLst>
+                                      </p:cBhvr>
+                                      <p:to>
+                                        <p:strVal val="visible"/>
+                                      </p:to>
+                                    </p:set>
+                                    <p:animEffect transition="in" filter="fade">
+                                      <p:cBhvr>
+                                        <p:cTn id="24" dur="500"/>
+                                        <p:tgtEl>
+                                          <p:spTgt spid="5"/>
+                                        </p:tgtEl>
+                                      </p:cBhvr>
+                                    </p:animEffect>
+                                  </p:childTnLst>
+                                </p:cTn>
+                              </p:par>
+                              <p:par>
+                                <p:cTn id="25" presetID="10" presetClass="entr" presetSubtype="0" fill="hold" grpId="0" nodeType="withEffect">
+                                  <p:stCondLst>
+                                    <p:cond delay="0"/>
+                                  </p:stCondLst>
+                                  <p:childTnLst>
+                                    <p:set>
+                                      <p:cBhvr>
+                                        <p:cTn id="26" dur="1" fill="hold">
+                                          <p:stCondLst>
+                                            <p:cond delay="0"/>
+                                          </p:stCondLst>
+                                        </p:cTn>
+                                        <p:tgtEl>
+                                          <p:spTgt spid="6"/>
+                                        </p:tgtEl>
+                                        <p:attrNameLst>
+                                          <p:attrName>style.visibility</p:attrName>
+                                        </p:attrNameLst>
+                                      </p:cBhvr>
+                                      <p:to>
+                                        <p:strVal val="visible"/>
+                                      </p:to>
+                                    </p:set>
+                                    <p:animEffect transition="in" filter="fade">
+                                      <p:cBhvr>
+                                        <p:cTn id="27" dur="500"/>
+                                        <p:tgtEl>
+                                          <p:spTgt spid="6"/>
+                                        </p:tgtEl>
+                                      </p:cBhvr>
+                                    </p:animEffect>
+                                  </p:childTnLst>
+                                </p:cTn>
+                              </p:par>
+                            </p:childTnLst>
+                          </p:cTn>
+                        </p:par>
+                      </p:childTnLst>
+                    </p:cTn>
+                  </p:par>
+                  <p:par>
+                    <p:cTn id="28" fill="hold">
+                      <p:stCondLst>
+                        <p:cond delay="indefinite"/>
+                      </p:stCondLst>
+                      <p:childTnLst>
+                        <p:par>
+                          <p:cTn id="29" fill="hold">
+                            <p:stCondLst>
+                              <p:cond delay="0"/>
+                            </p:stCondLst>
+                            <p:childTnLst>
+                              <p:par>
+                                <p:cTn id="30" presetID="10" presetClass="entr" presetSubtype="0" fill="hold" nodeType="clickEffect">
+                                  <p:stCondLst>
+                                    <p:cond delay="0"/>
+                                  </p:stCondLst>
+                                  <p:childTnLst>
+                                    <p:set>
+                                      <p:cBhvr>
+                                        <p:cTn id="31" dur="1" fill="hold">
                                           <p:stCondLst>
                                             <p:cond delay="0"/>
                                           </p:stCondLst>
@@ -39621,9 +44582,201 @@
                                     </p:set>
                                     <p:animEffect transition="in" filter="fade">
                                       <p:cBhvr>
-                                        <p:cTn id="10" dur="500"/>
+                                        <p:cTn id="32" dur="500"/>
                                         <p:tgtEl>
                                           <p:spTgt spid="9"/>
+                                        </p:tgtEl>
+                                      </p:cBhvr>
+                                    </p:animEffect>
+                                  </p:childTnLst>
+                                </p:cTn>
+                              </p:par>
+                              <p:par>
+                                <p:cTn id="33" presetID="10" presetClass="entr" presetSubtype="0" fill="hold" grpId="0" nodeType="withEffect">
+                                  <p:stCondLst>
+                                    <p:cond delay="0"/>
+                                  </p:stCondLst>
+                                  <p:childTnLst>
+                                    <p:set>
+                                      <p:cBhvr>
+                                        <p:cTn id="34" dur="1" fill="hold">
+                                          <p:stCondLst>
+                                            <p:cond delay="0"/>
+                                          </p:stCondLst>
+                                        </p:cTn>
+                                        <p:tgtEl>
+                                          <p:spTgt spid="3">
+                                            <p:txEl>
+                                              <p:pRg st="6" end="6"/>
+                                            </p:txEl>
+                                          </p:spTgt>
+                                        </p:tgtEl>
+                                        <p:attrNameLst>
+                                          <p:attrName>style.visibility</p:attrName>
+                                        </p:attrNameLst>
+                                      </p:cBhvr>
+                                      <p:to>
+                                        <p:strVal val="visible"/>
+                                      </p:to>
+                                    </p:set>
+                                    <p:animEffect transition="in" filter="fade">
+                                      <p:cBhvr>
+                                        <p:cTn id="35" dur="500"/>
+                                        <p:tgtEl>
+                                          <p:spTgt spid="3">
+                                            <p:txEl>
+                                              <p:pRg st="6" end="6"/>
+                                            </p:txEl>
+                                          </p:spTgt>
+                                        </p:tgtEl>
+                                      </p:cBhvr>
+                                    </p:animEffect>
+                                  </p:childTnLst>
+                                </p:cTn>
+                              </p:par>
+                              <p:par>
+                                <p:cTn id="36" presetID="10" presetClass="entr" presetSubtype="0" fill="hold" grpId="0" nodeType="withEffect">
+                                  <p:stCondLst>
+                                    <p:cond delay="0"/>
+                                  </p:stCondLst>
+                                  <p:childTnLst>
+                                    <p:set>
+                                      <p:cBhvr>
+                                        <p:cTn id="37" dur="1" fill="hold">
+                                          <p:stCondLst>
+                                            <p:cond delay="0"/>
+                                          </p:stCondLst>
+                                        </p:cTn>
+                                        <p:tgtEl>
+                                          <p:spTgt spid="8"/>
+                                        </p:tgtEl>
+                                        <p:attrNameLst>
+                                          <p:attrName>style.visibility</p:attrName>
+                                        </p:attrNameLst>
+                                      </p:cBhvr>
+                                      <p:to>
+                                        <p:strVal val="visible"/>
+                                      </p:to>
+                                    </p:set>
+                                    <p:animEffect transition="in" filter="fade">
+                                      <p:cBhvr>
+                                        <p:cTn id="38" dur="500"/>
+                                        <p:tgtEl>
+                                          <p:spTgt spid="8"/>
+                                        </p:tgtEl>
+                                      </p:cBhvr>
+                                    </p:animEffect>
+                                  </p:childTnLst>
+                                </p:cTn>
+                              </p:par>
+                            </p:childTnLst>
+                          </p:cTn>
+                        </p:par>
+                      </p:childTnLst>
+                    </p:cTn>
+                  </p:par>
+                  <p:par>
+                    <p:cTn id="39" fill="hold">
+                      <p:stCondLst>
+                        <p:cond delay="indefinite"/>
+                      </p:stCondLst>
+                      <p:childTnLst>
+                        <p:par>
+                          <p:cTn id="40" fill="hold">
+                            <p:stCondLst>
+                              <p:cond delay="0"/>
+                            </p:stCondLst>
+                            <p:childTnLst>
+                              <p:par>
+                                <p:cTn id="41" presetID="10" presetClass="entr" presetSubtype="0" fill="hold" grpId="0" nodeType="clickEffect">
+                                  <p:stCondLst>
+                                    <p:cond delay="0"/>
+                                  </p:stCondLst>
+                                  <p:childTnLst>
+                                    <p:set>
+                                      <p:cBhvr>
+                                        <p:cTn id="42" dur="1" fill="hold">
+                                          <p:stCondLst>
+                                            <p:cond delay="0"/>
+                                          </p:stCondLst>
+                                        </p:cTn>
+                                        <p:tgtEl>
+                                          <p:spTgt spid="3">
+                                            <p:txEl>
+                                              <p:pRg st="8" end="8"/>
+                                            </p:txEl>
+                                          </p:spTgt>
+                                        </p:tgtEl>
+                                        <p:attrNameLst>
+                                          <p:attrName>style.visibility</p:attrName>
+                                        </p:attrNameLst>
+                                      </p:cBhvr>
+                                      <p:to>
+                                        <p:strVal val="visible"/>
+                                      </p:to>
+                                    </p:set>
+                                    <p:animEffect transition="in" filter="fade">
+                                      <p:cBhvr>
+                                        <p:cTn id="43" dur="500"/>
+                                        <p:tgtEl>
+                                          <p:spTgt spid="3">
+                                            <p:txEl>
+                                              <p:pRg st="8" end="8"/>
+                                            </p:txEl>
+                                          </p:spTgt>
+                                        </p:tgtEl>
+                                      </p:cBhvr>
+                                    </p:animEffect>
+                                  </p:childTnLst>
+                                </p:cTn>
+                              </p:par>
+                            </p:childTnLst>
+                          </p:cTn>
+                        </p:par>
+                      </p:childTnLst>
+                    </p:cTn>
+                  </p:par>
+                  <p:par>
+                    <p:cTn id="44" fill="hold">
+                      <p:stCondLst>
+                        <p:cond delay="indefinite"/>
+                      </p:stCondLst>
+                      <p:childTnLst>
+                        <p:par>
+                          <p:cTn id="45" fill="hold">
+                            <p:stCondLst>
+                              <p:cond delay="0"/>
+                            </p:stCondLst>
+                            <p:childTnLst>
+                              <p:par>
+                                <p:cTn id="46" presetID="10" presetClass="entr" presetSubtype="0" fill="hold" nodeType="clickEffect">
+                                  <p:stCondLst>
+                                    <p:cond delay="0"/>
+                                  </p:stCondLst>
+                                  <p:childTnLst>
+                                    <p:set>
+                                      <p:cBhvr>
+                                        <p:cTn id="47" dur="1" fill="hold">
+                                          <p:stCondLst>
+                                            <p:cond delay="0"/>
+                                          </p:stCondLst>
+                                        </p:cTn>
+                                        <p:tgtEl>
+                                          <p:spTgt spid="7"/>
+                                        </p:tgtEl>
+                                        <p:attrNameLst>
+                                          <p:attrName>style.visibility</p:attrName>
+                                        </p:attrNameLst>
+                                      </p:cBhvr>
+                                      <p:to>
+                                        <p:strVal val="visible"/>
+                                      </p:to>
+                                    </p:set>
+                                    <p:animEffect transition="in" filter="fade">
+                                      <p:cBhvr>
+                                        <p:cTn id="48" dur="500"/>
+                                        <p:tgtEl>
+                                          <p:spTgt spid="7"/>
                                         </p:tgtEl>
                                       </p:cBhvr>
                                     </p:animEffect>
@@ -39657,6 +44810,12 @@
         </p:cTn>
       </p:par>
     </p:tnLst>
+    <p:bldLst>
+      <p:bldP spid="3" grpId="0" uiExpand="1" build="p"/>
+      <p:bldP spid="5" grpId="0" animBg="1"/>
+      <p:bldP spid="6" grpId="0"/>
+      <p:bldP spid="8" grpId="0"/>
+    </p:bldLst>
   </p:timing>
 </p:sld>
 </file>
@@ -44083,7 +49242,7 @@
 </file>
 
 <file path=ppt/slides/slide6.xml><?xml version="1.0" encoding="utf-8"?>
-<p:sld xmlns:a="http://schemas.openxmlformats.org/drawingml/2006/main" xmlns:r="http://schemas.openxmlformats.org/officeDocument/2006/relationships" xmlns:p="http://schemas.openxmlformats.org/presentationml/2006/main">
+<p:sld xmlns:a="http://schemas.openxmlformats.org/drawingml/2006/main" xmlns:r="http://schemas.openxmlformats.org/officeDocument/2006/relationships" xmlns:p="http://schemas.openxmlformats.org/presentationml/2006/main" showMasterPhAnim="0">
   <p:cSld>
     <p:spTree>
       <p:nvGrpSpPr>
@@ -44426,9 +49585,6 @@
                     <p:cTn id="3" fill="hold">
                       <p:stCondLst>
                         <p:cond delay="indefinite"/>
-                        <p:cond evt="onBegin" delay="0">
-                          <p:tn val="2"/>
-                        </p:cond>
                       </p:stCondLst>
                       <p:childTnLst>
                         <p:par>
@@ -44438,7 +49594,7 @@
                             </p:stCondLst>
                             <p:childTnLst>
                               <p:par>
-                                <p:cTn id="5" presetID="10" presetClass="entr" presetSubtype="0" fill="hold" nodeType="withEffect">
+                                <p:cTn id="5" presetID="10" presetClass="entr" presetSubtype="0" fill="hold" grpId="0" nodeType="clickEffect">
                                   <p:stCondLst>
                                     <p:cond delay="0"/>
                                   </p:stCondLst>
@@ -44446,6 +49602,189 @@
                                     <p:set>
                                       <p:cBhvr>
                                         <p:cTn id="6" dur="1" fill="hold">
+                                          <p:stCondLst>
+                                            <p:cond delay="0"/>
+                                          </p:stCondLst>
+                                        </p:cTn>
+                                        <p:tgtEl>
+                                          <p:spTgt spid="3">
+                                            <p:txEl>
+                                              <p:pRg st="0" end="0"/>
+                                            </p:txEl>
+                                          </p:spTgt>
+                                        </p:tgtEl>
+                                        <p:attrNameLst>
+                                          <p:attrName>style.visibility</p:attrName>
+                                        </p:attrNameLst>
+                                      </p:cBhvr>
+                                      <p:to>
+                                        <p:strVal val="visible"/>
+                                      </p:to>
+                                    </p:set>
+                                    <p:animEffect transition="in" filter="fade">
+                                      <p:cBhvr>
+                                        <p:cTn id="7" dur="500"/>
+                                        <p:tgtEl>
+                                          <p:spTgt spid="3">
+                                            <p:txEl>
+                                              <p:pRg st="0" end="0"/>
+                                            </p:txEl>
+                                          </p:spTgt>
+                                        </p:tgtEl>
+                                      </p:cBhvr>
+                                    </p:animEffect>
+                                  </p:childTnLst>
+                                </p:cTn>
+                              </p:par>
+                            </p:childTnLst>
+                          </p:cTn>
+                        </p:par>
+                      </p:childTnLst>
+                    </p:cTn>
+                  </p:par>
+                  <p:par>
+                    <p:cTn id="8" fill="hold">
+                      <p:stCondLst>
+                        <p:cond delay="indefinite"/>
+                      </p:stCondLst>
+                      <p:childTnLst>
+                        <p:par>
+                          <p:cTn id="9" fill="hold">
+                            <p:stCondLst>
+                              <p:cond delay="0"/>
+                            </p:stCondLst>
+                            <p:childTnLst>
+                              <p:par>
+                                <p:cTn id="10" presetID="10" presetClass="entr" presetSubtype="0" fill="hold" grpId="0" nodeType="clickEffect">
+                                  <p:stCondLst>
+                                    <p:cond delay="0"/>
+                                  </p:stCondLst>
+                                  <p:childTnLst>
+                                    <p:set>
+                                      <p:cBhvr>
+                                        <p:cTn id="11" dur="1" fill="hold">
+                                          <p:stCondLst>
+                                            <p:cond delay="0"/>
+                                          </p:stCondLst>
+                                        </p:cTn>
+                                        <p:tgtEl>
+                                          <p:spTgt spid="3">
+                                            <p:txEl>
+                                              <p:pRg st="1" end="1"/>
+                                            </p:txEl>
+                                          </p:spTgt>
+                                        </p:tgtEl>
+                                        <p:attrNameLst>
+                                          <p:attrName>style.visibility</p:attrName>
+                                        </p:attrNameLst>
+                                      </p:cBhvr>
+                                      <p:to>
+                                        <p:strVal val="visible"/>
+                                      </p:to>
+                                    </p:set>
+                                    <p:animEffect transition="in" filter="fade">
+                                      <p:cBhvr>
+                                        <p:cTn id="12" dur="500"/>
+                                        <p:tgtEl>
+                                          <p:spTgt spid="3">
+                                            <p:txEl>
+                                              <p:pRg st="1" end="1"/>
+                                            </p:txEl>
+                                          </p:spTgt>
+                                        </p:tgtEl>
+                                      </p:cBhvr>
+                                    </p:animEffect>
+                                  </p:childTnLst>
+                                </p:cTn>
+                              </p:par>
+                            </p:childTnLst>
+                          </p:cTn>
+                        </p:par>
+                      </p:childTnLst>
+                    </p:cTn>
+                  </p:par>
+                  <p:par>
+                    <p:cTn id="13" fill="hold">
+                      <p:stCondLst>
+                        <p:cond delay="indefinite"/>
+                      </p:stCondLst>
+                      <p:childTnLst>
+                        <p:par>
+                          <p:cTn id="14" fill="hold">
+                            <p:stCondLst>
+                              <p:cond delay="0"/>
+                            </p:stCondLst>
+                            <p:childTnLst>
+                              <p:par>
+                                <p:cTn id="15" presetID="10" presetClass="entr" presetSubtype="0" fill="hold" grpId="0" nodeType="clickEffect">
+                                  <p:stCondLst>
+                                    <p:cond delay="0"/>
+                                  </p:stCondLst>
+                                  <p:childTnLst>
+                                    <p:set>
+                                      <p:cBhvr>
+                                        <p:cTn id="16" dur="1" fill="hold">
+                                          <p:stCondLst>
+                                            <p:cond delay="0"/>
+                                          </p:stCondLst>
+                                        </p:cTn>
+                                        <p:tgtEl>
+                                          <p:spTgt spid="3">
+                                            <p:txEl>
+                                              <p:pRg st="2" end="2"/>
+                                            </p:txEl>
+                                          </p:spTgt>
+                                        </p:tgtEl>
+                                        <p:attrNameLst>
+                                          <p:attrName>style.visibility</p:attrName>
+                                        </p:attrNameLst>
+                                      </p:cBhvr>
+                                      <p:to>
+                                        <p:strVal val="visible"/>
+                                      </p:to>
+                                    </p:set>
+                                    <p:animEffect transition="in" filter="fade">
+                                      <p:cBhvr>
+                                        <p:cTn id="17" dur="500"/>
+                                        <p:tgtEl>
+                                          <p:spTgt spid="3">
+                                            <p:txEl>
+                                              <p:pRg st="2" end="2"/>
+                                            </p:txEl>
+                                          </p:spTgt>
+                                        </p:tgtEl>
+                                      </p:cBhvr>
+                                    </p:animEffect>
+                                  </p:childTnLst>
+                                </p:cTn>
+                              </p:par>
+                            </p:childTnLst>
+                          </p:cTn>
+                        </p:par>
+                      </p:childTnLst>
+                    </p:cTn>
+                  </p:par>
+                  <p:par>
+                    <p:cTn id="18" fill="hold">
+                      <p:stCondLst>
+                        <p:cond delay="indefinite"/>
+                      </p:stCondLst>
+                      <p:childTnLst>
+                        <p:par>
+                          <p:cTn id="19" fill="hold">
+                            <p:stCondLst>
+                              <p:cond delay="0"/>
+                            </p:stCondLst>
+                            <p:childTnLst>
+                              <p:par>
+                                <p:cTn id="20" presetID="10" presetClass="entr" presetSubtype="0" fill="hold" nodeType="clickEffect">
+                                  <p:stCondLst>
+                                    <p:cond delay="0"/>
+                                  </p:stCondLst>
+                                  <p:childTnLst>
+                                    <p:set>
+                                      <p:cBhvr>
+                                        <p:cTn id="21" dur="1" fill="hold">
                                           <p:stCondLst>
                                             <p:cond delay="0"/>
                                           </p:stCondLst>
@@ -44463,9 +49802,105 @@
                                     </p:set>
                                     <p:animEffect transition="in" filter="fade">
                                       <p:cBhvr>
-                                        <p:cTn id="7" dur="500"/>
+                                        <p:cTn id="22" dur="500"/>
                                         <p:tgtEl>
                                           <p:spTgt spid="6"/>
+                                        </p:tgtEl>
+                                      </p:cBhvr>
+                                    </p:animEffect>
+                                  </p:childTnLst>
+                                </p:cTn>
+                              </p:par>
+                              <p:par>
+                                <p:cTn id="23" presetID="10" presetClass="entr" presetSubtype="0" fill="hold" grpId="0" nodeType="withEffect">
+                                  <p:stCondLst>
+                                    <p:cond delay="0"/>
+                                  </p:stCondLst>
+                                  <p:childTnLst>
+                                    <p:set>
+                                      <p:cBhvr>
+                                        <p:cTn id="24" dur="1" fill="hold">
+                                          <p:stCondLst>
+                                            <p:cond delay="0"/>
+                                          </p:stCondLst>
+                                        </p:cTn>
+                                        <p:tgtEl>
+                                          <p:spTgt spid="5"/>
+                                        </p:tgtEl>
+                                        <p:attrNameLst>
+                                          <p:attrName>style.visibility</p:attrName>
+                                        </p:attrNameLst>
+                                      </p:cBhvr>
+                                      <p:to>
+                                        <p:strVal val="visible"/>
+                                      </p:to>
+                                    </p:set>
+                                    <p:animEffect transition="in" filter="fade">
+                                      <p:cBhvr>
+                                        <p:cTn id="25" dur="500"/>
+                                        <p:tgtEl>
+                                          <p:spTgt spid="5"/>
+                                        </p:tgtEl>
+                                      </p:cBhvr>
+                                    </p:animEffect>
+                                  </p:childTnLst>
+                                </p:cTn>
+                              </p:par>
+                            </p:childTnLst>
+                          </p:cTn>
+                        </p:par>
+                      </p:childTnLst>
+                    </p:cTn>
+                  </p:par>
+                  <p:par>
+                    <p:cTn id="26" fill="hold">
+                      <p:stCondLst>
+                        <p:cond delay="indefinite"/>
+                      </p:stCondLst>
+                      <p:childTnLst>
+                        <p:par>
+                          <p:cTn id="27" fill="hold">
+                            <p:stCondLst>
+                              <p:cond delay="0"/>
+                            </p:stCondLst>
+                            <p:childTnLst>
+                              <p:par>
+                                <p:cTn id="28" presetID="10" presetClass="entr" presetSubtype="0" fill="hold" grpId="0" nodeType="clickEffect">
+                                  <p:stCondLst>
+                                    <p:cond delay="0"/>
+                                  </p:stCondLst>
+                                  <p:childTnLst>
+                                    <p:set>
+                                      <p:cBhvr>
+                                        <p:cTn id="29" dur="1" fill="hold">
+                                          <p:stCondLst>
+                                            <p:cond delay="0"/>
+                                          </p:stCondLst>
+                                        </p:cTn>
+                                        <p:tgtEl>
+                                          <p:spTgt spid="3">
+                                            <p:txEl>
+                                              <p:pRg st="5" end="5"/>
+                                            </p:txEl>
+                                          </p:spTgt>
+                                        </p:tgtEl>
+                                        <p:attrNameLst>
+                                          <p:attrName>style.visibility</p:attrName>
+                                        </p:attrNameLst>
+                                      </p:cBhvr>
+                                      <p:to>
+                                        <p:strVal val="visible"/>
+                                      </p:to>
+                                    </p:set>
+                                    <p:animEffect transition="in" filter="fade">
+                                      <p:cBhvr>
+                                        <p:cTn id="30" dur="500"/>
+                                        <p:tgtEl>
+                                          <p:spTgt spid="3">
+                                            <p:txEl>
+                                              <p:pRg st="5" end="5"/>
+                                            </p:txEl>
+                                          </p:spTgt>
                                         </p:tgtEl>
                                       </p:cBhvr>
                                     </p:animEffect>
@@ -44499,6 +49934,10 @@
         </p:cTn>
       </p:par>
     </p:tnLst>
+    <p:bldLst>
+      <p:bldP spid="3" grpId="0" uiExpand="1" build="p"/>
+      <p:bldP spid="5" grpId="0"/>
+    </p:bldLst>
   </p:timing>
 </p:sld>
 </file>
@@ -44709,11 +50148,7 @@
             </a:r>
             <a:r>
               <a:rPr lang="en-US" sz="1600" dirty="0" smtClean="0"/>
-              <a:t>  </a:t>
-            </a:r>
-            <a:r>
-              <a:rPr lang="en-US" sz="1600" dirty="0" smtClean="0"/>
-              <a:t>NEMPL</a:t>
+              <a:t>  NEMPL</a:t>
             </a:r>
           </a:p>
           <a:p>
@@ -44730,7 +50165,6 @@
               <a:rPr lang="en-US" sz="1600" b="1" dirty="0" smtClean="0"/>
               <a:t>FOR EACH ROW</a:t>
             </a:r>
-            <a:endParaRPr lang="en-US" sz="1600" b="1" dirty="0" smtClean="0"/>
           </a:p>
           <a:p>
             <a:pPr>
@@ -44808,7 +50242,6 @@
               <a:rPr lang="en-US" sz="1600" b="1" dirty="0" smtClean="0"/>
               <a:t>)</a:t>
             </a:r>
-            <a:endParaRPr lang="en-US" sz="1600" b="1" dirty="0" smtClean="0"/>
           </a:p>
         </p:txBody>
       </p:sp>
@@ -45083,7 +50516,7 @@
 </file>
 
 <file path=ppt/slides/slide7.xml><?xml version="1.0" encoding="utf-8"?>
-<p:sld xmlns:a="http://schemas.openxmlformats.org/drawingml/2006/main" xmlns:r="http://schemas.openxmlformats.org/officeDocument/2006/relationships" xmlns:p="http://schemas.openxmlformats.org/presentationml/2006/main">
+<p:sld xmlns:a="http://schemas.openxmlformats.org/drawingml/2006/main" xmlns:r="http://schemas.openxmlformats.org/officeDocument/2006/relationships" xmlns:p="http://schemas.openxmlformats.org/presentationml/2006/main" showMasterPhAnim="0">
   <p:cSld>
     <p:spTree>
       <p:nvGrpSpPr>
@@ -45251,15 +50684,285 @@
   <p:timing>
     <p:tnLst>
       <p:par>
-        <p:cTn id="1" dur="indefinite" restart="never" nodeType="tmRoot"/>
+        <p:cTn id="1" dur="indefinite" restart="never" nodeType="tmRoot">
+          <p:childTnLst>
+            <p:seq concurrent="1" nextAc="seek">
+              <p:cTn id="2" dur="indefinite" nodeType="mainSeq">
+                <p:childTnLst>
+                  <p:par>
+                    <p:cTn id="3" fill="hold">
+                      <p:stCondLst>
+                        <p:cond delay="indefinite"/>
+                      </p:stCondLst>
+                      <p:childTnLst>
+                        <p:par>
+                          <p:cTn id="4" fill="hold">
+                            <p:stCondLst>
+                              <p:cond delay="0"/>
+                            </p:stCondLst>
+                            <p:childTnLst>
+                              <p:par>
+                                <p:cTn id="5" presetID="10" presetClass="entr" presetSubtype="0" fill="hold" grpId="0" nodeType="clickEffect">
+                                  <p:stCondLst>
+                                    <p:cond delay="0"/>
+                                  </p:stCondLst>
+                                  <p:childTnLst>
+                                    <p:set>
+                                      <p:cBhvr>
+                                        <p:cTn id="6" dur="1" fill="hold">
+                                          <p:stCondLst>
+                                            <p:cond delay="0"/>
+                                          </p:stCondLst>
+                                        </p:cTn>
+                                        <p:tgtEl>
+                                          <p:spTgt spid="3">
+                                            <p:txEl>
+                                              <p:pRg st="0" end="0"/>
+                                            </p:txEl>
+                                          </p:spTgt>
+                                        </p:tgtEl>
+                                        <p:attrNameLst>
+                                          <p:attrName>style.visibility</p:attrName>
+                                        </p:attrNameLst>
+                                      </p:cBhvr>
+                                      <p:to>
+                                        <p:strVal val="visible"/>
+                                      </p:to>
+                                    </p:set>
+                                    <p:animEffect transition="in" filter="fade">
+                                      <p:cBhvr>
+                                        <p:cTn id="7" dur="500"/>
+                                        <p:tgtEl>
+                                          <p:spTgt spid="3">
+                                            <p:txEl>
+                                              <p:pRg st="0" end="0"/>
+                                            </p:txEl>
+                                          </p:spTgt>
+                                        </p:tgtEl>
+                                      </p:cBhvr>
+                                    </p:animEffect>
+                                  </p:childTnLst>
+                                </p:cTn>
+                              </p:par>
+                            </p:childTnLst>
+                          </p:cTn>
+                        </p:par>
+                      </p:childTnLst>
+                    </p:cTn>
+                  </p:par>
+                  <p:par>
+                    <p:cTn id="8" fill="hold">
+                      <p:stCondLst>
+                        <p:cond delay="indefinite"/>
+                      </p:stCondLst>
+                      <p:childTnLst>
+                        <p:par>
+                          <p:cTn id="9" fill="hold">
+                            <p:stCondLst>
+                              <p:cond delay="0"/>
+                            </p:stCondLst>
+                            <p:childTnLst>
+                              <p:par>
+                                <p:cTn id="10" presetID="10" presetClass="entr" presetSubtype="0" fill="hold" grpId="0" nodeType="clickEffect">
+                                  <p:stCondLst>
+                                    <p:cond delay="0"/>
+                                  </p:stCondLst>
+                                  <p:childTnLst>
+                                    <p:set>
+                                      <p:cBhvr>
+                                        <p:cTn id="11" dur="1" fill="hold">
+                                          <p:stCondLst>
+                                            <p:cond delay="0"/>
+                                          </p:stCondLst>
+                                        </p:cTn>
+                                        <p:tgtEl>
+                                          <p:spTgt spid="3">
+                                            <p:txEl>
+                                              <p:pRg st="1" end="1"/>
+                                            </p:txEl>
+                                          </p:spTgt>
+                                        </p:tgtEl>
+                                        <p:attrNameLst>
+                                          <p:attrName>style.visibility</p:attrName>
+                                        </p:attrNameLst>
+                                      </p:cBhvr>
+                                      <p:to>
+                                        <p:strVal val="visible"/>
+                                      </p:to>
+                                    </p:set>
+                                    <p:animEffect transition="in" filter="fade">
+                                      <p:cBhvr>
+                                        <p:cTn id="12" dur="500"/>
+                                        <p:tgtEl>
+                                          <p:spTgt spid="3">
+                                            <p:txEl>
+                                              <p:pRg st="1" end="1"/>
+                                            </p:txEl>
+                                          </p:spTgt>
+                                        </p:tgtEl>
+                                      </p:cBhvr>
+                                    </p:animEffect>
+                                  </p:childTnLst>
+                                </p:cTn>
+                              </p:par>
+                            </p:childTnLst>
+                          </p:cTn>
+                        </p:par>
+                      </p:childTnLst>
+                    </p:cTn>
+                  </p:par>
+                  <p:par>
+                    <p:cTn id="13" fill="hold">
+                      <p:stCondLst>
+                        <p:cond delay="indefinite"/>
+                      </p:stCondLst>
+                      <p:childTnLst>
+                        <p:par>
+                          <p:cTn id="14" fill="hold">
+                            <p:stCondLst>
+                              <p:cond delay="0"/>
+                            </p:stCondLst>
+                            <p:childTnLst>
+                              <p:par>
+                                <p:cTn id="15" presetID="10" presetClass="entr" presetSubtype="0" fill="hold" grpId="0" nodeType="clickEffect">
+                                  <p:stCondLst>
+                                    <p:cond delay="0"/>
+                                  </p:stCondLst>
+                                  <p:childTnLst>
+                                    <p:set>
+                                      <p:cBhvr>
+                                        <p:cTn id="16" dur="1" fill="hold">
+                                          <p:stCondLst>
+                                            <p:cond delay="0"/>
+                                          </p:stCondLst>
+                                        </p:cTn>
+                                        <p:tgtEl>
+                                          <p:spTgt spid="3">
+                                            <p:txEl>
+                                              <p:pRg st="2" end="2"/>
+                                            </p:txEl>
+                                          </p:spTgt>
+                                        </p:tgtEl>
+                                        <p:attrNameLst>
+                                          <p:attrName>style.visibility</p:attrName>
+                                        </p:attrNameLst>
+                                      </p:cBhvr>
+                                      <p:to>
+                                        <p:strVal val="visible"/>
+                                      </p:to>
+                                    </p:set>
+                                    <p:animEffect transition="in" filter="fade">
+                                      <p:cBhvr>
+                                        <p:cTn id="17" dur="500"/>
+                                        <p:tgtEl>
+                                          <p:spTgt spid="3">
+                                            <p:txEl>
+                                              <p:pRg st="2" end="2"/>
+                                            </p:txEl>
+                                          </p:spTgt>
+                                        </p:tgtEl>
+                                      </p:cBhvr>
+                                    </p:animEffect>
+                                  </p:childTnLst>
+                                </p:cTn>
+                              </p:par>
+                            </p:childTnLst>
+                          </p:cTn>
+                        </p:par>
+                      </p:childTnLst>
+                    </p:cTn>
+                  </p:par>
+                  <p:par>
+                    <p:cTn id="18" fill="hold">
+                      <p:stCondLst>
+                        <p:cond delay="indefinite"/>
+                      </p:stCondLst>
+                      <p:childTnLst>
+                        <p:par>
+                          <p:cTn id="19" fill="hold">
+                            <p:stCondLst>
+                              <p:cond delay="0"/>
+                            </p:stCondLst>
+                            <p:childTnLst>
+                              <p:par>
+                                <p:cTn id="20" presetID="10" presetClass="entr" presetSubtype="0" fill="hold" grpId="0" nodeType="clickEffect">
+                                  <p:stCondLst>
+                                    <p:cond delay="0"/>
+                                  </p:stCondLst>
+                                  <p:childTnLst>
+                                    <p:set>
+                                      <p:cBhvr>
+                                        <p:cTn id="21" dur="1" fill="hold">
+                                          <p:stCondLst>
+                                            <p:cond delay="0"/>
+                                          </p:stCondLst>
+                                        </p:cTn>
+                                        <p:tgtEl>
+                                          <p:spTgt spid="3">
+                                            <p:txEl>
+                                              <p:pRg st="3" end="3"/>
+                                            </p:txEl>
+                                          </p:spTgt>
+                                        </p:tgtEl>
+                                        <p:attrNameLst>
+                                          <p:attrName>style.visibility</p:attrName>
+                                        </p:attrNameLst>
+                                      </p:cBhvr>
+                                      <p:to>
+                                        <p:strVal val="visible"/>
+                                      </p:to>
+                                    </p:set>
+                                    <p:animEffect transition="in" filter="fade">
+                                      <p:cBhvr>
+                                        <p:cTn id="22" dur="500"/>
+                                        <p:tgtEl>
+                                          <p:spTgt spid="3">
+                                            <p:txEl>
+                                              <p:pRg st="3" end="3"/>
+                                            </p:txEl>
+                                          </p:spTgt>
+                                        </p:tgtEl>
+                                      </p:cBhvr>
+                                    </p:animEffect>
+                                  </p:childTnLst>
+                                </p:cTn>
+                              </p:par>
+                            </p:childTnLst>
+                          </p:cTn>
+                        </p:par>
+                      </p:childTnLst>
+                    </p:cTn>
+                  </p:par>
+                </p:childTnLst>
+              </p:cTn>
+              <p:prevCondLst>
+                <p:cond evt="onPrev" delay="0">
+                  <p:tgtEl>
+                    <p:sldTgt/>
+                  </p:tgtEl>
+                </p:cond>
+              </p:prevCondLst>
+              <p:nextCondLst>
+                <p:cond evt="onNext" delay="0">
+                  <p:tgtEl>
+                    <p:sldTgt/>
+                  </p:tgtEl>
+                </p:cond>
+              </p:nextCondLst>
+            </p:seq>
+          </p:childTnLst>
+        </p:cTn>
       </p:par>
     </p:tnLst>
+    <p:bldLst>
+      <p:bldP spid="3" grpId="0" build="p"/>
+    </p:bldLst>
   </p:timing>
 </p:sld>
 </file>
 
 <file path=ppt/slides/slide8.xml><?xml version="1.0" encoding="utf-8"?>
-<p:sld xmlns:a="http://schemas.openxmlformats.org/drawingml/2006/main" xmlns:r="http://schemas.openxmlformats.org/officeDocument/2006/relationships" xmlns:p="http://schemas.openxmlformats.org/presentationml/2006/main">
+<p:sld xmlns:a="http://schemas.openxmlformats.org/drawingml/2006/main" xmlns:r="http://schemas.openxmlformats.org/officeDocument/2006/relationships" xmlns:p="http://schemas.openxmlformats.org/presentationml/2006/main" showMasterPhAnim="0">
   <p:cSld>
     <p:spTree>
       <p:nvGrpSpPr>
@@ -46098,9 +51801,6 @@
                     <p:cTn id="3" fill="hold">
                       <p:stCondLst>
                         <p:cond delay="indefinite"/>
-                        <p:cond evt="onBegin" delay="0">
-                          <p:tn val="2"/>
-                        </p:cond>
                       </p:stCondLst>
                       <p:childTnLst>
                         <p:par>
@@ -46110,7 +51810,7 @@
                             </p:stCondLst>
                             <p:childTnLst>
                               <p:par>
-                                <p:cTn id="5" presetID="10" presetClass="entr" presetSubtype="0" fill="hold" nodeType="withEffect">
+                                <p:cTn id="5" presetID="10" presetClass="entr" presetSubtype="0" fill="hold" nodeType="clickEffect">
                                   <p:stCondLst>
                                     <p:cond delay="0"/>
                                   </p:stCondLst>
@@ -46144,6 +51844,452 @@
                                   </p:childTnLst>
                                 </p:cTn>
                               </p:par>
+                              <p:par>
+                                <p:cTn id="8" presetID="10" presetClass="entr" presetSubtype="0" fill="hold" grpId="0" nodeType="withEffect">
+                                  <p:stCondLst>
+                                    <p:cond delay="0"/>
+                                  </p:stCondLst>
+                                  <p:childTnLst>
+                                    <p:set>
+                                      <p:cBhvr>
+                                        <p:cTn id="9" dur="1" fill="hold">
+                                          <p:stCondLst>
+                                            <p:cond delay="0"/>
+                                          </p:stCondLst>
+                                        </p:cTn>
+                                        <p:tgtEl>
+                                          <p:spTgt spid="3">
+                                            <p:txEl>
+                                              <p:pRg st="0" end="0"/>
+                                            </p:txEl>
+                                          </p:spTgt>
+                                        </p:tgtEl>
+                                        <p:attrNameLst>
+                                          <p:attrName>style.visibility</p:attrName>
+                                        </p:attrNameLst>
+                                      </p:cBhvr>
+                                      <p:to>
+                                        <p:strVal val="visible"/>
+                                      </p:to>
+                                    </p:set>
+                                    <p:animEffect transition="in" filter="fade">
+                                      <p:cBhvr>
+                                        <p:cTn id="10" dur="500"/>
+                                        <p:tgtEl>
+                                          <p:spTgt spid="3">
+                                            <p:txEl>
+                                              <p:pRg st="0" end="0"/>
+                                            </p:txEl>
+                                          </p:spTgt>
+                                        </p:tgtEl>
+                                      </p:cBhvr>
+                                    </p:animEffect>
+                                  </p:childTnLst>
+                                </p:cTn>
+                              </p:par>
+                            </p:childTnLst>
+                          </p:cTn>
+                        </p:par>
+                      </p:childTnLst>
+                    </p:cTn>
+                  </p:par>
+                  <p:par>
+                    <p:cTn id="11" fill="hold">
+                      <p:stCondLst>
+                        <p:cond delay="indefinite"/>
+                      </p:stCondLst>
+                      <p:childTnLst>
+                        <p:par>
+                          <p:cTn id="12" fill="hold">
+                            <p:stCondLst>
+                              <p:cond delay="0"/>
+                            </p:stCondLst>
+                            <p:childTnLst>
+                              <p:par>
+                                <p:cTn id="13" presetID="10" presetClass="entr" presetSubtype="0" fill="hold" grpId="0" nodeType="clickEffect">
+                                  <p:stCondLst>
+                                    <p:cond delay="0"/>
+                                  </p:stCondLst>
+                                  <p:childTnLst>
+                                    <p:set>
+                                      <p:cBhvr>
+                                        <p:cTn id="14" dur="1" fill="hold">
+                                          <p:stCondLst>
+                                            <p:cond delay="0"/>
+                                          </p:stCondLst>
+                                        </p:cTn>
+                                        <p:tgtEl>
+                                          <p:spTgt spid="3">
+                                            <p:txEl>
+                                              <p:pRg st="1" end="1"/>
+                                            </p:txEl>
+                                          </p:spTgt>
+                                        </p:tgtEl>
+                                        <p:attrNameLst>
+                                          <p:attrName>style.visibility</p:attrName>
+                                        </p:attrNameLst>
+                                      </p:cBhvr>
+                                      <p:to>
+                                        <p:strVal val="visible"/>
+                                      </p:to>
+                                    </p:set>
+                                    <p:animEffect transition="in" filter="fade">
+                                      <p:cBhvr>
+                                        <p:cTn id="15" dur="500"/>
+                                        <p:tgtEl>
+                                          <p:spTgt spid="3">
+                                            <p:txEl>
+                                              <p:pRg st="1" end="1"/>
+                                            </p:txEl>
+                                          </p:spTgt>
+                                        </p:tgtEl>
+                                      </p:cBhvr>
+                                    </p:animEffect>
+                                  </p:childTnLst>
+                                </p:cTn>
+                              </p:par>
+                            </p:childTnLst>
+                          </p:cTn>
+                        </p:par>
+                      </p:childTnLst>
+                    </p:cTn>
+                  </p:par>
+                  <p:par>
+                    <p:cTn id="16" fill="hold">
+                      <p:stCondLst>
+                        <p:cond delay="indefinite"/>
+                      </p:stCondLst>
+                      <p:childTnLst>
+                        <p:par>
+                          <p:cTn id="17" fill="hold">
+                            <p:stCondLst>
+                              <p:cond delay="0"/>
+                            </p:stCondLst>
+                            <p:childTnLst>
+                              <p:par>
+                                <p:cTn id="18" presetID="10" presetClass="entr" presetSubtype="0" fill="hold" grpId="0" nodeType="clickEffect">
+                                  <p:stCondLst>
+                                    <p:cond delay="0"/>
+                                  </p:stCondLst>
+                                  <p:childTnLst>
+                                    <p:set>
+                                      <p:cBhvr>
+                                        <p:cTn id="19" dur="1" fill="hold">
+                                          <p:stCondLst>
+                                            <p:cond delay="0"/>
+                                          </p:stCondLst>
+                                        </p:cTn>
+                                        <p:tgtEl>
+                                          <p:spTgt spid="3">
+                                            <p:txEl>
+                                              <p:pRg st="2" end="2"/>
+                                            </p:txEl>
+                                          </p:spTgt>
+                                        </p:tgtEl>
+                                        <p:attrNameLst>
+                                          <p:attrName>style.visibility</p:attrName>
+                                        </p:attrNameLst>
+                                      </p:cBhvr>
+                                      <p:to>
+                                        <p:strVal val="visible"/>
+                                      </p:to>
+                                    </p:set>
+                                    <p:animEffect transition="in" filter="fade">
+                                      <p:cBhvr>
+                                        <p:cTn id="20" dur="500"/>
+                                        <p:tgtEl>
+                                          <p:spTgt spid="3">
+                                            <p:txEl>
+                                              <p:pRg st="2" end="2"/>
+                                            </p:txEl>
+                                          </p:spTgt>
+                                        </p:tgtEl>
+                                      </p:cBhvr>
+                                    </p:animEffect>
+                                  </p:childTnLst>
+                                </p:cTn>
+                              </p:par>
+                            </p:childTnLst>
+                          </p:cTn>
+                        </p:par>
+                      </p:childTnLst>
+                    </p:cTn>
+                  </p:par>
+                  <p:par>
+                    <p:cTn id="21" fill="hold">
+                      <p:stCondLst>
+                        <p:cond delay="indefinite"/>
+                      </p:stCondLst>
+                      <p:childTnLst>
+                        <p:par>
+                          <p:cTn id="22" fill="hold">
+                            <p:stCondLst>
+                              <p:cond delay="0"/>
+                            </p:stCondLst>
+                            <p:childTnLst>
+                              <p:par>
+                                <p:cTn id="23" presetID="10" presetClass="entr" presetSubtype="0" fill="hold" grpId="0" nodeType="clickEffect">
+                                  <p:stCondLst>
+                                    <p:cond delay="0"/>
+                                  </p:stCondLst>
+                                  <p:childTnLst>
+                                    <p:set>
+                                      <p:cBhvr>
+                                        <p:cTn id="24" dur="1" fill="hold">
+                                          <p:stCondLst>
+                                            <p:cond delay="0"/>
+                                          </p:stCondLst>
+                                        </p:cTn>
+                                        <p:tgtEl>
+                                          <p:spTgt spid="6"/>
+                                        </p:tgtEl>
+                                        <p:attrNameLst>
+                                          <p:attrName>style.visibility</p:attrName>
+                                        </p:attrNameLst>
+                                      </p:cBhvr>
+                                      <p:to>
+                                        <p:strVal val="visible"/>
+                                      </p:to>
+                                    </p:set>
+                                    <p:animEffect transition="in" filter="fade">
+                                      <p:cBhvr>
+                                        <p:cTn id="25" dur="500"/>
+                                        <p:tgtEl>
+                                          <p:spTgt spid="6"/>
+                                        </p:tgtEl>
+                                      </p:cBhvr>
+                                    </p:animEffect>
+                                  </p:childTnLst>
+                                </p:cTn>
+                              </p:par>
+                              <p:par>
+                                <p:cTn id="26" presetID="10" presetClass="entr" presetSubtype="0" fill="hold" nodeType="withEffect">
+                                  <p:stCondLst>
+                                    <p:cond delay="0"/>
+                                  </p:stCondLst>
+                                  <p:childTnLst>
+                                    <p:set>
+                                      <p:cBhvr>
+                                        <p:cTn id="27" dur="1" fill="hold">
+                                          <p:stCondLst>
+                                            <p:cond delay="0"/>
+                                          </p:stCondLst>
+                                        </p:cTn>
+                                        <p:tgtEl>
+                                          <p:spTgt spid="10"/>
+                                        </p:tgtEl>
+                                        <p:attrNameLst>
+                                          <p:attrName>style.visibility</p:attrName>
+                                        </p:attrNameLst>
+                                      </p:cBhvr>
+                                      <p:to>
+                                        <p:strVal val="visible"/>
+                                      </p:to>
+                                    </p:set>
+                                    <p:animEffect transition="in" filter="fade">
+                                      <p:cBhvr>
+                                        <p:cTn id="28" dur="500"/>
+                                        <p:tgtEl>
+                                          <p:spTgt spid="10"/>
+                                        </p:tgtEl>
+                                      </p:cBhvr>
+                                    </p:animEffect>
+                                  </p:childTnLst>
+                                </p:cTn>
+                              </p:par>
+                              <p:par>
+                                <p:cTn id="29" presetID="10" presetClass="entr" presetSubtype="0" fill="hold" grpId="0" nodeType="withEffect">
+                                  <p:stCondLst>
+                                    <p:cond delay="0"/>
+                                  </p:stCondLst>
+                                  <p:childTnLst>
+                                    <p:set>
+                                      <p:cBhvr>
+                                        <p:cTn id="30" dur="1" fill="hold">
+                                          <p:stCondLst>
+                                            <p:cond delay="0"/>
+                                          </p:stCondLst>
+                                        </p:cTn>
+                                        <p:tgtEl>
+                                          <p:spTgt spid="8"/>
+                                        </p:tgtEl>
+                                        <p:attrNameLst>
+                                          <p:attrName>style.visibility</p:attrName>
+                                        </p:attrNameLst>
+                                      </p:cBhvr>
+                                      <p:to>
+                                        <p:strVal val="visible"/>
+                                      </p:to>
+                                    </p:set>
+                                    <p:animEffect transition="in" filter="fade">
+                                      <p:cBhvr>
+                                        <p:cTn id="31" dur="500"/>
+                                        <p:tgtEl>
+                                          <p:spTgt spid="8"/>
+                                        </p:tgtEl>
+                                      </p:cBhvr>
+                                    </p:animEffect>
+                                  </p:childTnLst>
+                                </p:cTn>
+                              </p:par>
+                            </p:childTnLst>
+                          </p:cTn>
+                        </p:par>
+                      </p:childTnLst>
+                    </p:cTn>
+                  </p:par>
+                  <p:par>
+                    <p:cTn id="32" fill="hold">
+                      <p:stCondLst>
+                        <p:cond delay="indefinite"/>
+                      </p:stCondLst>
+                      <p:childTnLst>
+                        <p:par>
+                          <p:cTn id="33" fill="hold">
+                            <p:stCondLst>
+                              <p:cond delay="0"/>
+                            </p:stCondLst>
+                            <p:childTnLst>
+                              <p:par>
+                                <p:cTn id="34" presetID="10" presetClass="entr" presetSubtype="0" fill="hold" grpId="0" nodeType="clickEffect">
+                                  <p:stCondLst>
+                                    <p:cond delay="0"/>
+                                  </p:stCondLst>
+                                  <p:childTnLst>
+                                    <p:set>
+                                      <p:cBhvr>
+                                        <p:cTn id="35" dur="1" fill="hold">
+                                          <p:stCondLst>
+                                            <p:cond delay="0"/>
+                                          </p:stCondLst>
+                                        </p:cTn>
+                                        <p:tgtEl>
+                                          <p:spTgt spid="5"/>
+                                        </p:tgtEl>
+                                        <p:attrNameLst>
+                                          <p:attrName>style.visibility</p:attrName>
+                                        </p:attrNameLst>
+                                      </p:cBhvr>
+                                      <p:to>
+                                        <p:strVal val="visible"/>
+                                      </p:to>
+                                    </p:set>
+                                    <p:animEffect transition="in" filter="fade">
+                                      <p:cBhvr>
+                                        <p:cTn id="36" dur="500"/>
+                                        <p:tgtEl>
+                                          <p:spTgt spid="5"/>
+                                        </p:tgtEl>
+                                      </p:cBhvr>
+                                    </p:animEffect>
+                                  </p:childTnLst>
+                                </p:cTn>
+                              </p:par>
+                              <p:par>
+                                <p:cTn id="37" presetID="10" presetClass="entr" presetSubtype="0" fill="hold" nodeType="withEffect">
+                                  <p:stCondLst>
+                                    <p:cond delay="0"/>
+                                  </p:stCondLst>
+                                  <p:childTnLst>
+                                    <p:set>
+                                      <p:cBhvr>
+                                        <p:cTn id="38" dur="1" fill="hold">
+                                          <p:stCondLst>
+                                            <p:cond delay="0"/>
+                                          </p:stCondLst>
+                                        </p:cTn>
+                                        <p:tgtEl>
+                                          <p:spTgt spid="7"/>
+                                        </p:tgtEl>
+                                        <p:attrNameLst>
+                                          <p:attrName>style.visibility</p:attrName>
+                                        </p:attrNameLst>
+                                      </p:cBhvr>
+                                      <p:to>
+                                        <p:strVal val="visible"/>
+                                      </p:to>
+                                    </p:set>
+                                    <p:animEffect transition="in" filter="fade">
+                                      <p:cBhvr>
+                                        <p:cTn id="39" dur="500"/>
+                                        <p:tgtEl>
+                                          <p:spTgt spid="7"/>
+                                        </p:tgtEl>
+                                      </p:cBhvr>
+                                    </p:animEffect>
+                                  </p:childTnLst>
+                                </p:cTn>
+                              </p:par>
+                              <p:par>
+                                <p:cTn id="40" presetID="10" presetClass="entr" presetSubtype="0" fill="hold" nodeType="withEffect">
+                                  <p:stCondLst>
+                                    <p:cond delay="0"/>
+                                  </p:stCondLst>
+                                  <p:childTnLst>
+                                    <p:set>
+                                      <p:cBhvr>
+                                        <p:cTn id="41" dur="1" fill="hold">
+                                          <p:stCondLst>
+                                            <p:cond delay="0"/>
+                                          </p:stCondLst>
+                                        </p:cTn>
+                                        <p:tgtEl>
+                                          <p:spTgt spid="9"/>
+                                        </p:tgtEl>
+                                        <p:attrNameLst>
+                                          <p:attrName>style.visibility</p:attrName>
+                                        </p:attrNameLst>
+                                      </p:cBhvr>
+                                      <p:to>
+                                        <p:strVal val="visible"/>
+                                      </p:to>
+                                    </p:set>
+                                    <p:animEffect transition="in" filter="fade">
+                                      <p:cBhvr>
+                                        <p:cTn id="42" dur="500"/>
+                                        <p:tgtEl>
+                                          <p:spTgt spid="9"/>
+                                        </p:tgtEl>
+                                      </p:cBhvr>
+                                    </p:animEffect>
+                                  </p:childTnLst>
+                                </p:cTn>
+                              </p:par>
+                              <p:par>
+                                <p:cTn id="43" presetID="10" presetClass="entr" presetSubtype="0" fill="hold" grpId="0" nodeType="withEffect">
+                                  <p:stCondLst>
+                                    <p:cond delay="0"/>
+                                  </p:stCondLst>
+                                  <p:childTnLst>
+                                    <p:set>
+                                      <p:cBhvr>
+                                        <p:cTn id="44" dur="1" fill="hold">
+                                          <p:stCondLst>
+                                            <p:cond delay="0"/>
+                                          </p:stCondLst>
+                                        </p:cTn>
+                                        <p:tgtEl>
+                                          <p:spTgt spid="11"/>
+                                        </p:tgtEl>
+                                        <p:attrNameLst>
+                                          <p:attrName>style.visibility</p:attrName>
+                                        </p:attrNameLst>
+                                      </p:cBhvr>
+                                      <p:to>
+                                        <p:strVal val="visible"/>
+                                      </p:to>
+                                    </p:set>
+                                    <p:animEffect transition="in" filter="fade">
+                                      <p:cBhvr>
+                                        <p:cTn id="45" dur="500"/>
+                                        <p:tgtEl>
+                                          <p:spTgt spid="11"/>
+                                        </p:tgtEl>
+                                      </p:cBhvr>
+                                    </p:animEffect>
+                                  </p:childTnLst>
+                                </p:cTn>
+                              </p:par>
                             </p:childTnLst>
                           </p:cTn>
                         </p:par>
@@ -46171,12 +52317,19 @@
         </p:cTn>
       </p:par>
     </p:tnLst>
+    <p:bldLst>
+      <p:bldP spid="3" grpId="0" uiExpand="1" build="p"/>
+      <p:bldP spid="5" grpId="0" animBg="1"/>
+      <p:bldP spid="6" grpId="0"/>
+      <p:bldP spid="8" grpId="0"/>
+      <p:bldP spid="11" grpId="0"/>
+    </p:bldLst>
   </p:timing>
 </p:sld>
 </file>
 
 <file path=ppt/slides/slide9.xml><?xml version="1.0" encoding="utf-8"?>
-<p:sld xmlns:a="http://schemas.openxmlformats.org/drawingml/2006/main" xmlns:r="http://schemas.openxmlformats.org/officeDocument/2006/relationships" xmlns:p="http://schemas.openxmlformats.org/presentationml/2006/main">
+<p:sld xmlns:a="http://schemas.openxmlformats.org/drawingml/2006/main" xmlns:r="http://schemas.openxmlformats.org/officeDocument/2006/relationships" xmlns:p="http://schemas.openxmlformats.org/presentationml/2006/main" showMasterPhAnim="0">
   <p:cSld>
     <p:spTree>
       <p:nvGrpSpPr>
@@ -46642,9 +52795,149 @@
   <p:timing>
     <p:tnLst>
       <p:par>
-        <p:cTn id="1" dur="indefinite" restart="never" nodeType="tmRoot"/>
+        <p:cTn id="1" dur="indefinite" restart="never" nodeType="tmRoot">
+          <p:childTnLst>
+            <p:seq concurrent="1" nextAc="seek">
+              <p:cTn id="2" dur="indefinite" nodeType="mainSeq">
+                <p:childTnLst>
+                  <p:par>
+                    <p:cTn id="3" fill="hold">
+                      <p:stCondLst>
+                        <p:cond delay="indefinite"/>
+                      </p:stCondLst>
+                      <p:childTnLst>
+                        <p:par>
+                          <p:cTn id="4" fill="hold">
+                            <p:stCondLst>
+                              <p:cond delay="0"/>
+                            </p:stCondLst>
+                            <p:childTnLst>
+                              <p:par>
+                                <p:cTn id="5" presetID="10" presetClass="entr" presetSubtype="0" fill="hold" grpId="0" nodeType="clickEffect">
+                                  <p:stCondLst>
+                                    <p:cond delay="0"/>
+                                  </p:stCondLst>
+                                  <p:childTnLst>
+                                    <p:set>
+                                      <p:cBhvr>
+                                        <p:cTn id="6" dur="1" fill="hold">
+                                          <p:stCondLst>
+                                            <p:cond delay="0"/>
+                                          </p:stCondLst>
+                                        </p:cTn>
+                                        <p:tgtEl>
+                                          <p:spTgt spid="3">
+                                            <p:txEl>
+                                              <p:pRg st="0" end="0"/>
+                                            </p:txEl>
+                                          </p:spTgt>
+                                        </p:tgtEl>
+                                        <p:attrNameLst>
+                                          <p:attrName>style.visibility</p:attrName>
+                                        </p:attrNameLst>
+                                      </p:cBhvr>
+                                      <p:to>
+                                        <p:strVal val="visible"/>
+                                      </p:to>
+                                    </p:set>
+                                    <p:animEffect transition="in" filter="fade">
+                                      <p:cBhvr>
+                                        <p:cTn id="7" dur="500"/>
+                                        <p:tgtEl>
+                                          <p:spTgt spid="3">
+                                            <p:txEl>
+                                              <p:pRg st="0" end="0"/>
+                                            </p:txEl>
+                                          </p:spTgt>
+                                        </p:tgtEl>
+                                      </p:cBhvr>
+                                    </p:animEffect>
+                                  </p:childTnLst>
+                                </p:cTn>
+                              </p:par>
+                            </p:childTnLst>
+                          </p:cTn>
+                        </p:par>
+                      </p:childTnLst>
+                    </p:cTn>
+                  </p:par>
+                  <p:par>
+                    <p:cTn id="8" fill="hold">
+                      <p:stCondLst>
+                        <p:cond delay="indefinite"/>
+                      </p:stCondLst>
+                      <p:childTnLst>
+                        <p:par>
+                          <p:cTn id="9" fill="hold">
+                            <p:stCondLst>
+                              <p:cond delay="0"/>
+                            </p:stCondLst>
+                            <p:childTnLst>
+                              <p:par>
+                                <p:cTn id="10" presetID="10" presetClass="entr" presetSubtype="0" fill="hold" nodeType="clickEffect">
+                                  <p:stCondLst>
+                                    <p:cond delay="0"/>
+                                  </p:stCondLst>
+                                  <p:childTnLst>
+                                    <p:set>
+                                      <p:cBhvr>
+                                        <p:cTn id="11" dur="1" fill="hold">
+                                          <p:stCondLst>
+                                            <p:cond delay="0"/>
+                                          </p:stCondLst>
+                                        </p:cTn>
+                                        <p:tgtEl>
+                                          <p:spTgt spid="4"/>
+                                        </p:tgtEl>
+                                        <p:attrNameLst>
+                                          <p:attrName>style.visibility</p:attrName>
+                                        </p:attrNameLst>
+                                      </p:cBhvr>
+                                      <p:to>
+                                        <p:strVal val="visible"/>
+                                      </p:to>
+                                    </p:set>
+                                    <p:animEffect transition="in" filter="fade">
+                                      <p:cBhvr>
+                                        <p:cTn id="12" dur="500"/>
+                                        <p:tgtEl>
+                                          <p:spTgt spid="4"/>
+                                        </p:tgtEl>
+                                      </p:cBhvr>
+                                    </p:animEffect>
+                                  </p:childTnLst>
+                                </p:cTn>
+                              </p:par>
+                            </p:childTnLst>
+                          </p:cTn>
+                        </p:par>
+                      </p:childTnLst>
+                    </p:cTn>
+                  </p:par>
+                </p:childTnLst>
+              </p:cTn>
+              <p:prevCondLst>
+                <p:cond evt="onPrev" delay="0">
+                  <p:tgtEl>
+                    <p:sldTgt/>
+                  </p:tgtEl>
+                </p:cond>
+              </p:prevCondLst>
+              <p:nextCondLst>
+                <p:cond evt="onNext" delay="0">
+                  <p:tgtEl>
+                    <p:sldTgt/>
+                  </p:tgtEl>
+                </p:cond>
+              </p:nextCondLst>
+            </p:seq>
+          </p:childTnLst>
+        </p:cTn>
       </p:par>
     </p:tnLst>
+    <p:bldLst>
+      <p:bldP spid="3" grpId="0" build="p"/>
+    </p:bldLst>
   </p:timing>
 </p:sld>
 </file>
